--- a/presentazione.pptx
+++ b/presentazione.pptx
@@ -7,6 +7,13 @@
   <p:sldIdLst>
     <p:sldId id="256" r:id="rId2"/>
     <p:sldId id="257" r:id="rId3"/>
+    <p:sldId id="258" r:id="rId4"/>
+    <p:sldId id="262" r:id="rId5"/>
+    <p:sldId id="259" r:id="rId6"/>
+    <p:sldId id="261" r:id="rId7"/>
+    <p:sldId id="260" r:id="rId8"/>
+    <p:sldId id="263" r:id="rId9"/>
+    <p:sldId id="264" r:id="rId10"/>
   </p:sldIdLst>
   <p:sldSz cx="12192000" cy="6858000"/>
   <p:notesSz cx="6858000" cy="9144000"/>
@@ -105,6 +112,11 @@
       </a:defRPr>
     </a:lvl9pPr>
   </p:defaultTextStyle>
+  <p:extLst>
+    <p:ext uri="{EFAFB233-063F-42B5-8137-9DF3F51BA10A}">
+      <p15:sldGuideLst xmlns:p15="http://schemas.microsoft.com/office/powerpoint/2012/main"/>
+    </p:ext>
+  </p:extLst>
 </p:presentation>
 </file>
 
@@ -5926,6 +5938,588 @@
 </p:sld>
 </file>
 
+<file path=ppt/slides/slide3.xml><?xml version="1.0" encoding="utf-8"?>
+<p:sld xmlns:a="http://schemas.openxmlformats.org/drawingml/2006/main" xmlns:r="http://schemas.openxmlformats.org/officeDocument/2006/relationships" xmlns:p="http://schemas.openxmlformats.org/presentationml/2006/main">
+  <p:cSld>
+    <p:spTree>
+      <p:nvGrpSpPr>
+        <p:cNvPr id="1" name=""/>
+        <p:cNvGrpSpPr/>
+        <p:nvPr/>
+      </p:nvGrpSpPr>
+      <p:grpSpPr>
+        <a:xfrm>
+          <a:off x="0" y="0"/>
+          <a:ext cx="0" cy="0"/>
+          <a:chOff x="0" y="0"/>
+          <a:chExt cx="0" cy="0"/>
+        </a:xfrm>
+      </p:grpSpPr>
+      <p:sp>
+        <p:nvSpPr>
+          <p:cNvPr id="2" name="Title 1">
+            <a:extLst>
+              <a:ext uri="{FF2B5EF4-FFF2-40B4-BE49-F238E27FC236}">
+                <a16:creationId xmlns:a16="http://schemas.microsoft.com/office/drawing/2014/main" id="{303A90F8-D0F1-F94A-9840-03E46DF56F0C}"/>
+              </a:ext>
+            </a:extLst>
+          </p:cNvPr>
+          <p:cNvSpPr>
+            <a:spLocks noGrp="1"/>
+          </p:cNvSpPr>
+          <p:nvPr>
+            <p:ph type="title"/>
+          </p:nvPr>
+        </p:nvSpPr>
+        <p:spPr/>
+        <p:txBody>
+          <a:bodyPr/>
+          <a:lstStyle/>
+          <a:p>
+            <a:r>
+              <a:rPr lang="it-IT" dirty="0"/>
+              <a:t>Dataset Iniziali</a:t>
+            </a:r>
+          </a:p>
+        </p:txBody>
+      </p:sp>
+      <p:sp>
+        <p:nvSpPr>
+          <p:cNvPr id="3" name="Content Placeholder 2">
+            <a:extLst>
+              <a:ext uri="{FF2B5EF4-FFF2-40B4-BE49-F238E27FC236}">
+                <a16:creationId xmlns:a16="http://schemas.microsoft.com/office/drawing/2014/main" id="{299E2872-545D-584E-8860-D6B2C9FDF21B}"/>
+              </a:ext>
+            </a:extLst>
+          </p:cNvPr>
+          <p:cNvSpPr>
+            <a:spLocks noGrp="1"/>
+          </p:cNvSpPr>
+          <p:nvPr>
+            <p:ph idx="1"/>
+          </p:nvPr>
+        </p:nvSpPr>
+        <p:spPr/>
+        <p:txBody>
+          <a:bodyPr/>
+          <a:lstStyle/>
+          <a:p>
+            <a:endParaRPr lang="it-IT"/>
+          </a:p>
+        </p:txBody>
+      </p:sp>
+    </p:spTree>
+    <p:extLst>
+      <p:ext uri="{BB962C8B-B14F-4D97-AF65-F5344CB8AC3E}">
+        <p14:creationId xmlns:p14="http://schemas.microsoft.com/office/powerpoint/2010/main" val="378274811"/>
+      </p:ext>
+    </p:extLst>
+  </p:cSld>
+  <p:clrMapOvr>
+    <a:masterClrMapping/>
+  </p:clrMapOvr>
+</p:sld>
+</file>
+
+<file path=ppt/slides/slide4.xml><?xml version="1.0" encoding="utf-8"?>
+<p:sld xmlns:a="http://schemas.openxmlformats.org/drawingml/2006/main" xmlns:r="http://schemas.openxmlformats.org/officeDocument/2006/relationships" xmlns:p="http://schemas.openxmlformats.org/presentationml/2006/main">
+  <p:cSld>
+    <p:spTree>
+      <p:nvGrpSpPr>
+        <p:cNvPr id="1" name=""/>
+        <p:cNvGrpSpPr/>
+        <p:nvPr/>
+      </p:nvGrpSpPr>
+      <p:grpSpPr>
+        <a:xfrm>
+          <a:off x="0" y="0"/>
+          <a:ext cx="0" cy="0"/>
+          <a:chOff x="0" y="0"/>
+          <a:chExt cx="0" cy="0"/>
+        </a:xfrm>
+      </p:grpSpPr>
+      <p:sp>
+        <p:nvSpPr>
+          <p:cNvPr id="2" name="Title 1">
+            <a:extLst>
+              <a:ext uri="{FF2B5EF4-FFF2-40B4-BE49-F238E27FC236}">
+                <a16:creationId xmlns:a16="http://schemas.microsoft.com/office/drawing/2014/main" id="{55811EB1-DDE3-984A-A81A-F15F527F0D13}"/>
+              </a:ext>
+            </a:extLst>
+          </p:cNvPr>
+          <p:cNvSpPr>
+            <a:spLocks noGrp="1"/>
+          </p:cNvSpPr>
+          <p:nvPr>
+            <p:ph type="title"/>
+          </p:nvPr>
+        </p:nvSpPr>
+        <p:spPr/>
+        <p:txBody>
+          <a:bodyPr/>
+          <a:lstStyle/>
+          <a:p>
+            <a:r>
+              <a:rPr lang="it-IT" dirty="0" err="1"/>
+              <a:t>Preprocessing</a:t>
+            </a:r>
+            <a:endParaRPr lang="it-IT" dirty="0"/>
+          </a:p>
+        </p:txBody>
+      </p:sp>
+      <p:sp>
+        <p:nvSpPr>
+          <p:cNvPr id="3" name="Content Placeholder 2">
+            <a:extLst>
+              <a:ext uri="{FF2B5EF4-FFF2-40B4-BE49-F238E27FC236}">
+                <a16:creationId xmlns:a16="http://schemas.microsoft.com/office/drawing/2014/main" id="{94CCB9EB-5ABF-EF48-B0C3-0FD7E4A3E38B}"/>
+              </a:ext>
+            </a:extLst>
+          </p:cNvPr>
+          <p:cNvSpPr>
+            <a:spLocks noGrp="1"/>
+          </p:cNvSpPr>
+          <p:nvPr>
+            <p:ph idx="1"/>
+          </p:nvPr>
+        </p:nvSpPr>
+        <p:spPr/>
+        <p:txBody>
+          <a:bodyPr/>
+          <a:lstStyle/>
+          <a:p>
+            <a:endParaRPr lang="it-IT"/>
+          </a:p>
+        </p:txBody>
+      </p:sp>
+    </p:spTree>
+    <p:extLst>
+      <p:ext uri="{BB962C8B-B14F-4D97-AF65-F5344CB8AC3E}">
+        <p14:creationId xmlns:p14="http://schemas.microsoft.com/office/powerpoint/2010/main" val="4276758786"/>
+      </p:ext>
+    </p:extLst>
+  </p:cSld>
+  <p:clrMapOvr>
+    <a:masterClrMapping/>
+  </p:clrMapOvr>
+</p:sld>
+</file>
+
+<file path=ppt/slides/slide5.xml><?xml version="1.0" encoding="utf-8"?>
+<p:sld xmlns:a="http://schemas.openxmlformats.org/drawingml/2006/main" xmlns:r="http://schemas.openxmlformats.org/officeDocument/2006/relationships" xmlns:p="http://schemas.openxmlformats.org/presentationml/2006/main">
+  <p:cSld>
+    <p:spTree>
+      <p:nvGrpSpPr>
+        <p:cNvPr id="1" name=""/>
+        <p:cNvGrpSpPr/>
+        <p:nvPr/>
+      </p:nvGrpSpPr>
+      <p:grpSpPr>
+        <a:xfrm>
+          <a:off x="0" y="0"/>
+          <a:ext cx="0" cy="0"/>
+          <a:chOff x="0" y="0"/>
+          <a:chExt cx="0" cy="0"/>
+        </a:xfrm>
+      </p:grpSpPr>
+      <p:sp>
+        <p:nvSpPr>
+          <p:cNvPr id="2" name="Title 1">
+            <a:extLst>
+              <a:ext uri="{FF2B5EF4-FFF2-40B4-BE49-F238E27FC236}">
+                <a16:creationId xmlns:a16="http://schemas.microsoft.com/office/drawing/2014/main" id="{92504B15-1EC5-3F41-BF47-EDF987731E49}"/>
+              </a:ext>
+            </a:extLst>
+          </p:cNvPr>
+          <p:cNvSpPr>
+            <a:spLocks noGrp="1"/>
+          </p:cNvSpPr>
+          <p:nvPr>
+            <p:ph type="title"/>
+          </p:nvPr>
+        </p:nvSpPr>
+        <p:spPr/>
+        <p:txBody>
+          <a:bodyPr/>
+          <a:lstStyle/>
+          <a:p>
+            <a:r>
+              <a:rPr lang="it-IT" dirty="0"/>
+              <a:t>Dataset Finali</a:t>
+            </a:r>
+          </a:p>
+        </p:txBody>
+      </p:sp>
+      <p:sp>
+        <p:nvSpPr>
+          <p:cNvPr id="3" name="Content Placeholder 2">
+            <a:extLst>
+              <a:ext uri="{FF2B5EF4-FFF2-40B4-BE49-F238E27FC236}">
+                <a16:creationId xmlns:a16="http://schemas.microsoft.com/office/drawing/2014/main" id="{23C4869D-A264-AE43-8C23-E7177F98E675}"/>
+              </a:ext>
+            </a:extLst>
+          </p:cNvPr>
+          <p:cNvSpPr>
+            <a:spLocks noGrp="1"/>
+          </p:cNvSpPr>
+          <p:nvPr>
+            <p:ph idx="1"/>
+          </p:nvPr>
+        </p:nvSpPr>
+        <p:spPr/>
+        <p:txBody>
+          <a:bodyPr/>
+          <a:lstStyle/>
+          <a:p>
+            <a:endParaRPr lang="it-IT"/>
+          </a:p>
+        </p:txBody>
+      </p:sp>
+    </p:spTree>
+    <p:extLst>
+      <p:ext uri="{BB962C8B-B14F-4D97-AF65-F5344CB8AC3E}">
+        <p14:creationId xmlns:p14="http://schemas.microsoft.com/office/powerpoint/2010/main" val="4012740185"/>
+      </p:ext>
+    </p:extLst>
+  </p:cSld>
+  <p:clrMapOvr>
+    <a:masterClrMapping/>
+  </p:clrMapOvr>
+</p:sld>
+</file>
+
+<file path=ppt/slides/slide6.xml><?xml version="1.0" encoding="utf-8"?>
+<p:sld xmlns:a="http://schemas.openxmlformats.org/drawingml/2006/main" xmlns:r="http://schemas.openxmlformats.org/officeDocument/2006/relationships" xmlns:p="http://schemas.openxmlformats.org/presentationml/2006/main">
+  <p:cSld>
+    <p:spTree>
+      <p:nvGrpSpPr>
+        <p:cNvPr id="1" name=""/>
+        <p:cNvGrpSpPr/>
+        <p:nvPr/>
+      </p:nvGrpSpPr>
+      <p:grpSpPr>
+        <a:xfrm>
+          <a:off x="0" y="0"/>
+          <a:ext cx="0" cy="0"/>
+          <a:chOff x="0" y="0"/>
+          <a:chExt cx="0" cy="0"/>
+        </a:xfrm>
+      </p:grpSpPr>
+      <p:sp>
+        <p:nvSpPr>
+          <p:cNvPr id="2" name="Title 1">
+            <a:extLst>
+              <a:ext uri="{FF2B5EF4-FFF2-40B4-BE49-F238E27FC236}">
+                <a16:creationId xmlns:a16="http://schemas.microsoft.com/office/drawing/2014/main" id="{7290DDA0-8DCC-644D-9F79-EE0477493263}"/>
+              </a:ext>
+            </a:extLst>
+          </p:cNvPr>
+          <p:cNvSpPr>
+            <a:spLocks noGrp="1"/>
+          </p:cNvSpPr>
+          <p:nvPr>
+            <p:ph type="title"/>
+          </p:nvPr>
+        </p:nvSpPr>
+        <p:spPr/>
+        <p:txBody>
+          <a:bodyPr/>
+          <a:lstStyle/>
+          <a:p>
+            <a:r>
+              <a:rPr lang="it-IT" dirty="0"/>
+              <a:t>Modello utilizzato</a:t>
+            </a:r>
+          </a:p>
+        </p:txBody>
+      </p:sp>
+      <p:sp>
+        <p:nvSpPr>
+          <p:cNvPr id="3" name="Content Placeholder 2">
+            <a:extLst>
+              <a:ext uri="{FF2B5EF4-FFF2-40B4-BE49-F238E27FC236}">
+                <a16:creationId xmlns:a16="http://schemas.microsoft.com/office/drawing/2014/main" id="{95BD0733-17BE-744D-8497-77DA64A0B38D}"/>
+              </a:ext>
+            </a:extLst>
+          </p:cNvPr>
+          <p:cNvSpPr>
+            <a:spLocks noGrp="1"/>
+          </p:cNvSpPr>
+          <p:nvPr>
+            <p:ph idx="1"/>
+          </p:nvPr>
+        </p:nvSpPr>
+        <p:spPr/>
+        <p:txBody>
+          <a:bodyPr/>
+          <a:lstStyle/>
+          <a:p>
+            <a:endParaRPr lang="it-IT"/>
+          </a:p>
+        </p:txBody>
+      </p:sp>
+    </p:spTree>
+    <p:extLst>
+      <p:ext uri="{BB962C8B-B14F-4D97-AF65-F5344CB8AC3E}">
+        <p14:creationId xmlns:p14="http://schemas.microsoft.com/office/powerpoint/2010/main" val="3513973617"/>
+      </p:ext>
+    </p:extLst>
+  </p:cSld>
+  <p:clrMapOvr>
+    <a:masterClrMapping/>
+  </p:clrMapOvr>
+</p:sld>
+</file>
+
+<file path=ppt/slides/slide7.xml><?xml version="1.0" encoding="utf-8"?>
+<p:sld xmlns:a="http://schemas.openxmlformats.org/drawingml/2006/main" xmlns:r="http://schemas.openxmlformats.org/officeDocument/2006/relationships" xmlns:p="http://schemas.openxmlformats.org/presentationml/2006/main">
+  <p:cSld>
+    <p:spTree>
+      <p:nvGrpSpPr>
+        <p:cNvPr id="1" name=""/>
+        <p:cNvGrpSpPr/>
+        <p:nvPr/>
+      </p:nvGrpSpPr>
+      <p:grpSpPr>
+        <a:xfrm>
+          <a:off x="0" y="0"/>
+          <a:ext cx="0" cy="0"/>
+          <a:chOff x="0" y="0"/>
+          <a:chExt cx="0" cy="0"/>
+        </a:xfrm>
+      </p:grpSpPr>
+      <p:sp>
+        <p:nvSpPr>
+          <p:cNvPr id="2" name="Title 1">
+            <a:extLst>
+              <a:ext uri="{FF2B5EF4-FFF2-40B4-BE49-F238E27FC236}">
+                <a16:creationId xmlns:a16="http://schemas.microsoft.com/office/drawing/2014/main" id="{DD8C6DFF-61F2-434E-A475-E6ED56945C59}"/>
+              </a:ext>
+            </a:extLst>
+          </p:cNvPr>
+          <p:cNvSpPr>
+            <a:spLocks noGrp="1"/>
+          </p:cNvSpPr>
+          <p:nvPr>
+            <p:ph type="title"/>
+          </p:nvPr>
+        </p:nvSpPr>
+        <p:spPr/>
+        <p:txBody>
+          <a:bodyPr/>
+          <a:lstStyle/>
+          <a:p>
+            <a:r>
+              <a:rPr lang="it-IT" dirty="0"/>
+              <a:t>Scelta del Training</a:t>
+            </a:r>
+          </a:p>
+        </p:txBody>
+      </p:sp>
+      <p:sp>
+        <p:nvSpPr>
+          <p:cNvPr id="3" name="Content Placeholder 2">
+            <a:extLst>
+              <a:ext uri="{FF2B5EF4-FFF2-40B4-BE49-F238E27FC236}">
+                <a16:creationId xmlns:a16="http://schemas.microsoft.com/office/drawing/2014/main" id="{2FE7D03C-20A3-844B-A583-20B46D12BE61}"/>
+              </a:ext>
+            </a:extLst>
+          </p:cNvPr>
+          <p:cNvSpPr>
+            <a:spLocks noGrp="1"/>
+          </p:cNvSpPr>
+          <p:nvPr>
+            <p:ph idx="1"/>
+          </p:nvPr>
+        </p:nvSpPr>
+        <p:spPr/>
+        <p:txBody>
+          <a:bodyPr/>
+          <a:lstStyle/>
+          <a:p>
+            <a:endParaRPr lang="it-IT"/>
+          </a:p>
+        </p:txBody>
+      </p:sp>
+    </p:spTree>
+    <p:extLst>
+      <p:ext uri="{BB962C8B-B14F-4D97-AF65-F5344CB8AC3E}">
+        <p14:creationId xmlns:p14="http://schemas.microsoft.com/office/powerpoint/2010/main" val="295112496"/>
+      </p:ext>
+    </p:extLst>
+  </p:cSld>
+  <p:clrMapOvr>
+    <a:masterClrMapping/>
+  </p:clrMapOvr>
+</p:sld>
+</file>
+
+<file path=ppt/slides/slide8.xml><?xml version="1.0" encoding="utf-8"?>
+<p:sld xmlns:a="http://schemas.openxmlformats.org/drawingml/2006/main" xmlns:r="http://schemas.openxmlformats.org/officeDocument/2006/relationships" xmlns:p="http://schemas.openxmlformats.org/presentationml/2006/main">
+  <p:cSld>
+    <p:spTree>
+      <p:nvGrpSpPr>
+        <p:cNvPr id="1" name=""/>
+        <p:cNvGrpSpPr/>
+        <p:nvPr/>
+      </p:nvGrpSpPr>
+      <p:grpSpPr>
+        <a:xfrm>
+          <a:off x="0" y="0"/>
+          <a:ext cx="0" cy="0"/>
+          <a:chOff x="0" y="0"/>
+          <a:chExt cx="0" cy="0"/>
+        </a:xfrm>
+      </p:grpSpPr>
+      <p:sp>
+        <p:nvSpPr>
+          <p:cNvPr id="2" name="Title 1">
+            <a:extLst>
+              <a:ext uri="{FF2B5EF4-FFF2-40B4-BE49-F238E27FC236}">
+                <a16:creationId xmlns:a16="http://schemas.microsoft.com/office/drawing/2014/main" id="{ED6F87B8-C56D-DC48-806F-8E022539B171}"/>
+              </a:ext>
+            </a:extLst>
+          </p:cNvPr>
+          <p:cNvSpPr>
+            <a:spLocks noGrp="1"/>
+          </p:cNvSpPr>
+          <p:nvPr>
+            <p:ph type="title"/>
+          </p:nvPr>
+        </p:nvSpPr>
+        <p:spPr/>
+        <p:txBody>
+          <a:bodyPr/>
+          <a:lstStyle/>
+          <a:p>
+            <a:r>
+              <a:rPr lang="it-IT" dirty="0"/>
+              <a:t>Risultati</a:t>
+            </a:r>
+          </a:p>
+        </p:txBody>
+      </p:sp>
+      <p:sp>
+        <p:nvSpPr>
+          <p:cNvPr id="3" name="Content Placeholder 2">
+            <a:extLst>
+              <a:ext uri="{FF2B5EF4-FFF2-40B4-BE49-F238E27FC236}">
+                <a16:creationId xmlns:a16="http://schemas.microsoft.com/office/drawing/2014/main" id="{26DA0C2F-8B8A-C54A-9F9E-793E8F44EBD9}"/>
+              </a:ext>
+            </a:extLst>
+          </p:cNvPr>
+          <p:cNvSpPr>
+            <a:spLocks noGrp="1"/>
+          </p:cNvSpPr>
+          <p:nvPr>
+            <p:ph idx="1"/>
+          </p:nvPr>
+        </p:nvSpPr>
+        <p:spPr/>
+        <p:txBody>
+          <a:bodyPr/>
+          <a:lstStyle/>
+          <a:p>
+            <a:endParaRPr lang="it-IT"/>
+          </a:p>
+        </p:txBody>
+      </p:sp>
+    </p:spTree>
+    <p:extLst>
+      <p:ext uri="{BB962C8B-B14F-4D97-AF65-F5344CB8AC3E}">
+        <p14:creationId xmlns:p14="http://schemas.microsoft.com/office/powerpoint/2010/main" val="3929718048"/>
+      </p:ext>
+    </p:extLst>
+  </p:cSld>
+  <p:clrMapOvr>
+    <a:masterClrMapping/>
+  </p:clrMapOvr>
+</p:sld>
+</file>
+
+<file path=ppt/slides/slide9.xml><?xml version="1.0" encoding="utf-8"?>
+<p:sld xmlns:a="http://schemas.openxmlformats.org/drawingml/2006/main" xmlns:r="http://schemas.openxmlformats.org/officeDocument/2006/relationships" xmlns:p="http://schemas.openxmlformats.org/presentationml/2006/main">
+  <p:cSld>
+    <p:spTree>
+      <p:nvGrpSpPr>
+        <p:cNvPr id="1" name=""/>
+        <p:cNvGrpSpPr/>
+        <p:nvPr/>
+      </p:nvGrpSpPr>
+      <p:grpSpPr>
+        <a:xfrm>
+          <a:off x="0" y="0"/>
+          <a:ext cx="0" cy="0"/>
+          <a:chOff x="0" y="0"/>
+          <a:chExt cx="0" cy="0"/>
+        </a:xfrm>
+      </p:grpSpPr>
+      <p:sp>
+        <p:nvSpPr>
+          <p:cNvPr id="2" name="Title 1">
+            <a:extLst>
+              <a:ext uri="{FF2B5EF4-FFF2-40B4-BE49-F238E27FC236}">
+                <a16:creationId xmlns:a16="http://schemas.microsoft.com/office/drawing/2014/main" id="{512B551A-F926-E34B-99EA-14D72B5BD3E6}"/>
+              </a:ext>
+            </a:extLst>
+          </p:cNvPr>
+          <p:cNvSpPr>
+            <a:spLocks noGrp="1"/>
+          </p:cNvSpPr>
+          <p:nvPr>
+            <p:ph type="title"/>
+          </p:nvPr>
+        </p:nvSpPr>
+        <p:spPr/>
+        <p:txBody>
+          <a:bodyPr/>
+          <a:lstStyle/>
+          <a:p>
+            <a:r>
+              <a:rPr lang="it-IT" dirty="0"/>
+              <a:t>Conclusioni</a:t>
+            </a:r>
+          </a:p>
+        </p:txBody>
+      </p:sp>
+      <p:sp>
+        <p:nvSpPr>
+          <p:cNvPr id="3" name="Content Placeholder 2">
+            <a:extLst>
+              <a:ext uri="{FF2B5EF4-FFF2-40B4-BE49-F238E27FC236}">
+                <a16:creationId xmlns:a16="http://schemas.microsoft.com/office/drawing/2014/main" id="{F9B395B6-DE20-FA48-8F24-A78A7245F32C}"/>
+              </a:ext>
+            </a:extLst>
+          </p:cNvPr>
+          <p:cNvSpPr>
+            <a:spLocks noGrp="1"/>
+          </p:cNvSpPr>
+          <p:nvPr>
+            <p:ph idx="1"/>
+          </p:nvPr>
+        </p:nvSpPr>
+        <p:spPr/>
+        <p:txBody>
+          <a:bodyPr/>
+          <a:lstStyle/>
+          <a:p>
+            <a:endParaRPr lang="it-IT"/>
+          </a:p>
+        </p:txBody>
+      </p:sp>
+    </p:spTree>
+    <p:extLst>
+      <p:ext uri="{BB962C8B-B14F-4D97-AF65-F5344CB8AC3E}">
+        <p14:creationId xmlns:p14="http://schemas.microsoft.com/office/powerpoint/2010/main" val="1988831465"/>
+      </p:ext>
+    </p:extLst>
+  </p:cSld>
+  <p:clrMapOvr>
+    <a:masterClrMapping/>
+  </p:clrMapOvr>
+</p:sld>
+</file>
+
 <file path=ppt/theme/theme1.xml><?xml version="1.0" encoding="utf-8"?>
 <a:theme xmlns:a="http://schemas.openxmlformats.org/drawingml/2006/main" name="Facet">
   <a:themeElements>

--- a/presentazione.pptx
+++ b/presentazione.pptx
@@ -6,14 +6,20 @@
   </p:sldMasterIdLst>
   <p:sldIdLst>
     <p:sldId id="256" r:id="rId2"/>
-    <p:sldId id="257" r:id="rId3"/>
-    <p:sldId id="258" r:id="rId4"/>
-    <p:sldId id="262" r:id="rId5"/>
-    <p:sldId id="259" r:id="rId6"/>
-    <p:sldId id="261" r:id="rId7"/>
+    <p:sldId id="258" r:id="rId3"/>
+    <p:sldId id="262" r:id="rId4"/>
+    <p:sldId id="259" r:id="rId5"/>
+    <p:sldId id="261" r:id="rId6"/>
+    <p:sldId id="266" r:id="rId7"/>
     <p:sldId id="260" r:id="rId8"/>
-    <p:sldId id="263" r:id="rId9"/>
-    <p:sldId id="264" r:id="rId10"/>
+    <p:sldId id="265" r:id="rId9"/>
+    <p:sldId id="263" r:id="rId10"/>
+    <p:sldId id="267" r:id="rId11"/>
+    <p:sldId id="268" r:id="rId12"/>
+    <p:sldId id="269" r:id="rId13"/>
+    <p:sldId id="270" r:id="rId14"/>
+    <p:sldId id="271" r:id="rId15"/>
+    <p:sldId id="264" r:id="rId16"/>
   </p:sldIdLst>
   <p:sldSz cx="12192000" cy="6858000"/>
   <p:notesSz cx="6858000" cy="9144000"/>
@@ -5803,8 +5809,13 @@
           <a:p>
             <a:r>
               <a:rPr lang="it-IT" sz="4400" dirty="0"/>
-              <a:t>Progetto Modelli Probabilistici per le Decisioni</a:t>
-            </a:r>
+              <a:t>Progetto Modelli Probabilistici per le Decisioni - </a:t>
+            </a:r>
+            <a:r>
+              <a:rPr lang="it-IT" sz="4400" dirty="0" err="1"/>
+              <a:t>Smarthouse</a:t>
+            </a:r>
+            <a:endParaRPr lang="it-IT" sz="4400" dirty="0"/>
           </a:p>
         </p:txBody>
       </p:sp>
@@ -5846,6 +5857,2204 @@
     <p:extLst>
       <p:ext uri="{BB962C8B-B14F-4D97-AF65-F5344CB8AC3E}">
         <p14:creationId xmlns:p14="http://schemas.microsoft.com/office/powerpoint/2010/main" val="1000177904"/>
+      </p:ext>
+    </p:extLst>
+  </p:cSld>
+  <p:clrMapOvr>
+    <a:masterClrMapping/>
+  </p:clrMapOvr>
+</p:sld>
+</file>
+
+<file path=ppt/slides/slide10.xml><?xml version="1.0" encoding="utf-8"?>
+<p:sld xmlns:a="http://schemas.openxmlformats.org/drawingml/2006/main" xmlns:r="http://schemas.openxmlformats.org/officeDocument/2006/relationships" xmlns:p="http://schemas.openxmlformats.org/presentationml/2006/main">
+  <p:cSld>
+    <p:spTree>
+      <p:nvGrpSpPr>
+        <p:cNvPr id="1" name=""/>
+        <p:cNvGrpSpPr/>
+        <p:nvPr/>
+      </p:nvGrpSpPr>
+      <p:grpSpPr>
+        <a:xfrm>
+          <a:off x="0" y="0"/>
+          <a:ext cx="0" cy="0"/>
+          <a:chOff x="0" y="0"/>
+          <a:chExt cx="0" cy="0"/>
+        </a:xfrm>
+      </p:grpSpPr>
+      <p:sp>
+        <p:nvSpPr>
+          <p:cNvPr id="2" name="Title 1">
+            <a:extLst>
+              <a:ext uri="{FF2B5EF4-FFF2-40B4-BE49-F238E27FC236}">
+                <a16:creationId xmlns:a16="http://schemas.microsoft.com/office/drawing/2014/main" id="{ED6F87B8-C56D-DC48-806F-8E022539B171}"/>
+              </a:ext>
+            </a:extLst>
+          </p:cNvPr>
+          <p:cNvSpPr>
+            <a:spLocks noGrp="1"/>
+          </p:cNvSpPr>
+          <p:nvPr>
+            <p:ph type="title"/>
+          </p:nvPr>
+        </p:nvSpPr>
+        <p:spPr/>
+        <p:txBody>
+          <a:bodyPr/>
+          <a:lstStyle/>
+          <a:p>
+            <a:r>
+              <a:rPr lang="it-IT" dirty="0"/>
+              <a:t>Risultati – Previsione 3 giorni</a:t>
+            </a:r>
+          </a:p>
+        </p:txBody>
+      </p:sp>
+      <p:sp>
+        <p:nvSpPr>
+          <p:cNvPr id="3" name="Content Placeholder 2">
+            <a:extLst>
+              <a:ext uri="{FF2B5EF4-FFF2-40B4-BE49-F238E27FC236}">
+                <a16:creationId xmlns:a16="http://schemas.microsoft.com/office/drawing/2014/main" id="{26DA0C2F-8B8A-C54A-9F9E-793E8F44EBD9}"/>
+              </a:ext>
+            </a:extLst>
+          </p:cNvPr>
+          <p:cNvSpPr>
+            <a:spLocks noGrp="1"/>
+          </p:cNvSpPr>
+          <p:nvPr>
+            <p:ph idx="1"/>
+          </p:nvPr>
+        </p:nvSpPr>
+        <p:spPr>
+          <a:xfrm>
+            <a:off x="677333" y="1828800"/>
+            <a:ext cx="3694969" cy="525517"/>
+          </a:xfrm>
+        </p:spPr>
+        <p:txBody>
+          <a:bodyPr>
+            <a:normAutofit/>
+          </a:bodyPr>
+          <a:lstStyle/>
+          <a:p>
+            <a:r>
+              <a:rPr lang="it-IT" dirty="0" err="1"/>
+              <a:t>Accuracy</a:t>
+            </a:r>
+            <a:r>
+              <a:rPr lang="it-IT" dirty="0"/>
+              <a:t> dataset A: 94.9%</a:t>
+            </a:r>
+          </a:p>
+        </p:txBody>
+      </p:sp>
+      <p:sp>
+        <p:nvSpPr>
+          <p:cNvPr id="6" name="Content Placeholder 2">
+            <a:extLst>
+              <a:ext uri="{FF2B5EF4-FFF2-40B4-BE49-F238E27FC236}">
+                <a16:creationId xmlns:a16="http://schemas.microsoft.com/office/drawing/2014/main" id="{30B847EC-F4D1-5C4C-AEF3-3915ECC29E49}"/>
+              </a:ext>
+            </a:extLst>
+          </p:cNvPr>
+          <p:cNvSpPr txBox="1">
+            <a:spLocks/>
+          </p:cNvSpPr>
+          <p:nvPr/>
+        </p:nvSpPr>
+        <p:spPr>
+          <a:xfrm>
+            <a:off x="4802645" y="1812515"/>
+            <a:ext cx="3574100" cy="525517"/>
+          </a:xfrm>
+          <a:prstGeom prst="rect">
+            <a:avLst/>
+          </a:prstGeom>
+        </p:spPr>
+        <p:txBody>
+          <a:bodyPr vert="horz" lIns="91440" tIns="45720" rIns="91440" bIns="45720" rtlCol="0">
+            <a:normAutofit/>
+          </a:bodyPr>
+          <a:lstStyle>
+            <a:lvl1pPr marL="342900" indent="-342900" algn="l" defTabSz="457200" rtl="0" eaLnBrk="1" latinLnBrk="0" hangingPunct="1">
+              <a:spcBef>
+                <a:spcPts val="1000"/>
+              </a:spcBef>
+              <a:spcAft>
+                <a:spcPts val="0"/>
+              </a:spcAft>
+              <a:buClr>
+                <a:schemeClr val="accent1"/>
+              </a:buClr>
+              <a:buSzPct val="80000"/>
+              <a:buFont typeface="Wingdings 3" charset="2"/>
+              <a:buChar char=""/>
+              <a:defRPr sz="1800" kern="1200">
+                <a:solidFill>
+                  <a:schemeClr val="tx1">
+                    <a:lumMod val="75000"/>
+                    <a:lumOff val="25000"/>
+                  </a:schemeClr>
+                </a:solidFill>
+                <a:latin typeface="+mn-lt"/>
+                <a:ea typeface="+mn-ea"/>
+                <a:cs typeface="+mn-cs"/>
+              </a:defRPr>
+            </a:lvl1pPr>
+            <a:lvl2pPr marL="742950" indent="-285750" algn="l" defTabSz="457200" rtl="0" eaLnBrk="1" latinLnBrk="0" hangingPunct="1">
+              <a:spcBef>
+                <a:spcPts val="1000"/>
+              </a:spcBef>
+              <a:spcAft>
+                <a:spcPts val="0"/>
+              </a:spcAft>
+              <a:buClr>
+                <a:schemeClr val="accent1"/>
+              </a:buClr>
+              <a:buSzPct val="80000"/>
+              <a:buFont typeface="Wingdings 3" charset="2"/>
+              <a:buChar char=""/>
+              <a:defRPr sz="1600" kern="1200">
+                <a:solidFill>
+                  <a:schemeClr val="tx1">
+                    <a:lumMod val="75000"/>
+                    <a:lumOff val="25000"/>
+                  </a:schemeClr>
+                </a:solidFill>
+                <a:latin typeface="+mn-lt"/>
+                <a:ea typeface="+mn-ea"/>
+                <a:cs typeface="+mn-cs"/>
+              </a:defRPr>
+            </a:lvl2pPr>
+            <a:lvl3pPr marL="1143000" indent="-228600" algn="l" defTabSz="457200" rtl="0" eaLnBrk="1" latinLnBrk="0" hangingPunct="1">
+              <a:spcBef>
+                <a:spcPts val="1000"/>
+              </a:spcBef>
+              <a:spcAft>
+                <a:spcPts val="0"/>
+              </a:spcAft>
+              <a:buClr>
+                <a:schemeClr val="accent1"/>
+              </a:buClr>
+              <a:buSzPct val="80000"/>
+              <a:buFont typeface="Wingdings 3" charset="2"/>
+              <a:buChar char=""/>
+              <a:defRPr sz="1400" kern="1200">
+                <a:solidFill>
+                  <a:schemeClr val="tx1">
+                    <a:lumMod val="75000"/>
+                    <a:lumOff val="25000"/>
+                  </a:schemeClr>
+                </a:solidFill>
+                <a:latin typeface="+mn-lt"/>
+                <a:ea typeface="+mn-ea"/>
+                <a:cs typeface="+mn-cs"/>
+              </a:defRPr>
+            </a:lvl3pPr>
+            <a:lvl4pPr marL="1600200" indent="-228600" algn="l" defTabSz="457200" rtl="0" eaLnBrk="1" latinLnBrk="0" hangingPunct="1">
+              <a:spcBef>
+                <a:spcPts val="1000"/>
+              </a:spcBef>
+              <a:spcAft>
+                <a:spcPts val="0"/>
+              </a:spcAft>
+              <a:buClr>
+                <a:schemeClr val="accent1"/>
+              </a:buClr>
+              <a:buSzPct val="80000"/>
+              <a:buFont typeface="Wingdings 3" charset="2"/>
+              <a:buChar char=""/>
+              <a:defRPr sz="1200" kern="1200">
+                <a:solidFill>
+                  <a:schemeClr val="tx1">
+                    <a:lumMod val="75000"/>
+                    <a:lumOff val="25000"/>
+                  </a:schemeClr>
+                </a:solidFill>
+                <a:latin typeface="+mn-lt"/>
+                <a:ea typeface="+mn-ea"/>
+                <a:cs typeface="+mn-cs"/>
+              </a:defRPr>
+            </a:lvl4pPr>
+            <a:lvl5pPr marL="2057400" indent="-228600" algn="l" defTabSz="457200" rtl="0" eaLnBrk="1" latinLnBrk="0" hangingPunct="1">
+              <a:spcBef>
+                <a:spcPts val="1000"/>
+              </a:spcBef>
+              <a:spcAft>
+                <a:spcPts val="0"/>
+              </a:spcAft>
+              <a:buClr>
+                <a:schemeClr val="accent1"/>
+              </a:buClr>
+              <a:buSzPct val="80000"/>
+              <a:buFont typeface="Wingdings 3" charset="2"/>
+              <a:buChar char=""/>
+              <a:defRPr sz="1200" kern="1200">
+                <a:solidFill>
+                  <a:schemeClr val="tx1">
+                    <a:lumMod val="75000"/>
+                    <a:lumOff val="25000"/>
+                  </a:schemeClr>
+                </a:solidFill>
+                <a:latin typeface="+mn-lt"/>
+                <a:ea typeface="+mn-ea"/>
+                <a:cs typeface="+mn-cs"/>
+              </a:defRPr>
+            </a:lvl5pPr>
+            <a:lvl6pPr marL="2514600" indent="-228600" algn="l" defTabSz="457200" rtl="0" eaLnBrk="1" latinLnBrk="0" hangingPunct="1">
+              <a:spcBef>
+                <a:spcPts val="1000"/>
+              </a:spcBef>
+              <a:spcAft>
+                <a:spcPts val="0"/>
+              </a:spcAft>
+              <a:buClr>
+                <a:schemeClr val="accent1"/>
+              </a:buClr>
+              <a:buSzPct val="80000"/>
+              <a:buFont typeface="Wingdings 3" charset="2"/>
+              <a:buChar char=""/>
+              <a:defRPr sz="1200" kern="1200">
+                <a:solidFill>
+                  <a:schemeClr val="tx1">
+                    <a:lumMod val="75000"/>
+                    <a:lumOff val="25000"/>
+                  </a:schemeClr>
+                </a:solidFill>
+                <a:latin typeface="+mn-lt"/>
+                <a:ea typeface="+mn-ea"/>
+                <a:cs typeface="+mn-cs"/>
+              </a:defRPr>
+            </a:lvl6pPr>
+            <a:lvl7pPr marL="2971800" indent="-228600" algn="l" defTabSz="457200" rtl="0" eaLnBrk="1" latinLnBrk="0" hangingPunct="1">
+              <a:spcBef>
+                <a:spcPts val="1000"/>
+              </a:spcBef>
+              <a:spcAft>
+                <a:spcPts val="0"/>
+              </a:spcAft>
+              <a:buClr>
+                <a:schemeClr val="accent1"/>
+              </a:buClr>
+              <a:buSzPct val="80000"/>
+              <a:buFont typeface="Wingdings 3" charset="2"/>
+              <a:buChar char=""/>
+              <a:defRPr sz="1200" kern="1200">
+                <a:solidFill>
+                  <a:schemeClr val="tx1">
+                    <a:lumMod val="75000"/>
+                    <a:lumOff val="25000"/>
+                  </a:schemeClr>
+                </a:solidFill>
+                <a:latin typeface="+mn-lt"/>
+                <a:ea typeface="+mn-ea"/>
+                <a:cs typeface="+mn-cs"/>
+              </a:defRPr>
+            </a:lvl7pPr>
+            <a:lvl8pPr marL="3429000" indent="-228600" algn="l" defTabSz="457200" rtl="0" eaLnBrk="1" latinLnBrk="0" hangingPunct="1">
+              <a:spcBef>
+                <a:spcPts val="1000"/>
+              </a:spcBef>
+              <a:spcAft>
+                <a:spcPts val="0"/>
+              </a:spcAft>
+              <a:buClr>
+                <a:schemeClr val="accent1"/>
+              </a:buClr>
+              <a:buSzPct val="80000"/>
+              <a:buFont typeface="Wingdings 3" charset="2"/>
+              <a:buChar char=""/>
+              <a:defRPr sz="1200" kern="1200">
+                <a:solidFill>
+                  <a:schemeClr val="tx1">
+                    <a:lumMod val="75000"/>
+                    <a:lumOff val="25000"/>
+                  </a:schemeClr>
+                </a:solidFill>
+                <a:latin typeface="+mn-lt"/>
+                <a:ea typeface="+mn-ea"/>
+                <a:cs typeface="+mn-cs"/>
+              </a:defRPr>
+            </a:lvl8pPr>
+            <a:lvl9pPr marL="3886200" indent="-228600" algn="l" defTabSz="457200" rtl="0" eaLnBrk="1" latinLnBrk="0" hangingPunct="1">
+              <a:spcBef>
+                <a:spcPts val="1000"/>
+              </a:spcBef>
+              <a:spcAft>
+                <a:spcPts val="0"/>
+              </a:spcAft>
+              <a:buClr>
+                <a:schemeClr val="accent1"/>
+              </a:buClr>
+              <a:buSzPct val="80000"/>
+              <a:buFont typeface="Wingdings 3" charset="2"/>
+              <a:buChar char=""/>
+              <a:defRPr sz="1200" kern="1200">
+                <a:solidFill>
+                  <a:schemeClr val="tx1">
+                    <a:lumMod val="75000"/>
+                    <a:lumOff val="25000"/>
+                  </a:schemeClr>
+                </a:solidFill>
+                <a:latin typeface="+mn-lt"/>
+                <a:ea typeface="+mn-ea"/>
+                <a:cs typeface="+mn-cs"/>
+              </a:defRPr>
+            </a:lvl9pPr>
+          </a:lstStyle>
+          <a:p>
+            <a:r>
+              <a:rPr lang="it-IT" dirty="0" err="1"/>
+              <a:t>Accuracy</a:t>
+            </a:r>
+            <a:r>
+              <a:rPr lang="it-IT" dirty="0"/>
+              <a:t> dataset B: 92.7%</a:t>
+            </a:r>
+          </a:p>
+        </p:txBody>
+      </p:sp>
+      <p:pic>
+        <p:nvPicPr>
+          <p:cNvPr id="4" name="Picture 3">
+            <a:extLst>
+              <a:ext uri="{FF2B5EF4-FFF2-40B4-BE49-F238E27FC236}">
+                <a16:creationId xmlns:a16="http://schemas.microsoft.com/office/drawing/2014/main" id="{0BAFF342-5E22-7E42-8644-A92C8AB8FB6B}"/>
+              </a:ext>
+            </a:extLst>
+          </p:cNvPr>
+          <p:cNvPicPr>
+            <a:picLocks noChangeAspect="1"/>
+          </p:cNvPicPr>
+          <p:nvPr/>
+        </p:nvPicPr>
+        <p:blipFill>
+          <a:blip r:embed="rId2"/>
+          <a:stretch>
+            <a:fillRect/>
+          </a:stretch>
+        </p:blipFill>
+        <p:spPr>
+          <a:xfrm>
+            <a:off x="326698" y="2490952"/>
+            <a:ext cx="4494595" cy="2343807"/>
+          </a:xfrm>
+          <a:prstGeom prst="rect">
+            <a:avLst/>
+          </a:prstGeom>
+        </p:spPr>
+      </p:pic>
+      <p:pic>
+        <p:nvPicPr>
+          <p:cNvPr id="5" name="Picture 4">
+            <a:extLst>
+              <a:ext uri="{FF2B5EF4-FFF2-40B4-BE49-F238E27FC236}">
+                <a16:creationId xmlns:a16="http://schemas.microsoft.com/office/drawing/2014/main" id="{66653463-DBB7-804A-B04D-B245E1898C90}"/>
+              </a:ext>
+            </a:extLst>
+          </p:cNvPr>
+          <p:cNvPicPr>
+            <a:picLocks noChangeAspect="1"/>
+          </p:cNvPicPr>
+          <p:nvPr/>
+        </p:nvPicPr>
+        <p:blipFill>
+          <a:blip r:embed="rId3"/>
+          <a:stretch>
+            <a:fillRect/>
+          </a:stretch>
+        </p:blipFill>
+        <p:spPr>
+          <a:xfrm>
+            <a:off x="5027673" y="2554013"/>
+            <a:ext cx="4228175" cy="2343807"/>
+          </a:xfrm>
+          <a:prstGeom prst="rect">
+            <a:avLst/>
+          </a:prstGeom>
+        </p:spPr>
+      </p:pic>
+    </p:spTree>
+    <p:extLst>
+      <p:ext uri="{BB962C8B-B14F-4D97-AF65-F5344CB8AC3E}">
+        <p14:creationId xmlns:p14="http://schemas.microsoft.com/office/powerpoint/2010/main" val="3074281642"/>
+      </p:ext>
+    </p:extLst>
+  </p:cSld>
+  <p:clrMapOvr>
+    <a:masterClrMapping/>
+  </p:clrMapOvr>
+</p:sld>
+</file>
+
+<file path=ppt/slides/slide11.xml><?xml version="1.0" encoding="utf-8"?>
+<p:sld xmlns:a="http://schemas.openxmlformats.org/drawingml/2006/main" xmlns:r="http://schemas.openxmlformats.org/officeDocument/2006/relationships" xmlns:p="http://schemas.openxmlformats.org/presentationml/2006/main">
+  <p:cSld>
+    <p:spTree>
+      <p:nvGrpSpPr>
+        <p:cNvPr id="1" name=""/>
+        <p:cNvGrpSpPr/>
+        <p:nvPr/>
+      </p:nvGrpSpPr>
+      <p:grpSpPr>
+        <a:xfrm>
+          <a:off x="0" y="0"/>
+          <a:ext cx="0" cy="0"/>
+          <a:chOff x="0" y="0"/>
+          <a:chExt cx="0" cy="0"/>
+        </a:xfrm>
+      </p:grpSpPr>
+      <p:sp>
+        <p:nvSpPr>
+          <p:cNvPr id="2" name="Title 1">
+            <a:extLst>
+              <a:ext uri="{FF2B5EF4-FFF2-40B4-BE49-F238E27FC236}">
+                <a16:creationId xmlns:a16="http://schemas.microsoft.com/office/drawing/2014/main" id="{ED6F87B8-C56D-DC48-806F-8E022539B171}"/>
+              </a:ext>
+            </a:extLst>
+          </p:cNvPr>
+          <p:cNvSpPr>
+            <a:spLocks noGrp="1"/>
+          </p:cNvSpPr>
+          <p:nvPr>
+            <p:ph type="title"/>
+          </p:nvPr>
+        </p:nvSpPr>
+        <p:spPr/>
+        <p:txBody>
+          <a:bodyPr/>
+          <a:lstStyle/>
+          <a:p>
+            <a:r>
+              <a:rPr lang="it-IT" dirty="0"/>
+              <a:t>Risultati – Previsione 9/16 giorni</a:t>
+            </a:r>
+          </a:p>
+        </p:txBody>
+      </p:sp>
+      <p:sp>
+        <p:nvSpPr>
+          <p:cNvPr id="3" name="Content Placeholder 2">
+            <a:extLst>
+              <a:ext uri="{FF2B5EF4-FFF2-40B4-BE49-F238E27FC236}">
+                <a16:creationId xmlns:a16="http://schemas.microsoft.com/office/drawing/2014/main" id="{26DA0C2F-8B8A-C54A-9F9E-793E8F44EBD9}"/>
+              </a:ext>
+            </a:extLst>
+          </p:cNvPr>
+          <p:cNvSpPr>
+            <a:spLocks noGrp="1"/>
+          </p:cNvSpPr>
+          <p:nvPr>
+            <p:ph idx="1"/>
+          </p:nvPr>
+        </p:nvSpPr>
+        <p:spPr>
+          <a:xfrm>
+            <a:off x="677333" y="1828800"/>
+            <a:ext cx="3694969" cy="525517"/>
+          </a:xfrm>
+        </p:spPr>
+        <p:txBody>
+          <a:bodyPr>
+            <a:normAutofit/>
+          </a:bodyPr>
+          <a:lstStyle/>
+          <a:p>
+            <a:r>
+              <a:rPr lang="it-IT" dirty="0" err="1"/>
+              <a:t>Accuracy</a:t>
+            </a:r>
+            <a:r>
+              <a:rPr lang="it-IT" dirty="0"/>
+              <a:t> dataset A: 95.7%</a:t>
+            </a:r>
+          </a:p>
+        </p:txBody>
+      </p:sp>
+      <p:sp>
+        <p:nvSpPr>
+          <p:cNvPr id="6" name="Content Placeholder 2">
+            <a:extLst>
+              <a:ext uri="{FF2B5EF4-FFF2-40B4-BE49-F238E27FC236}">
+                <a16:creationId xmlns:a16="http://schemas.microsoft.com/office/drawing/2014/main" id="{30B847EC-F4D1-5C4C-AEF3-3915ECC29E49}"/>
+              </a:ext>
+            </a:extLst>
+          </p:cNvPr>
+          <p:cNvSpPr txBox="1">
+            <a:spLocks/>
+          </p:cNvSpPr>
+          <p:nvPr/>
+        </p:nvSpPr>
+        <p:spPr>
+          <a:xfrm>
+            <a:off x="4802645" y="1812515"/>
+            <a:ext cx="3574100" cy="525517"/>
+          </a:xfrm>
+          <a:prstGeom prst="rect">
+            <a:avLst/>
+          </a:prstGeom>
+        </p:spPr>
+        <p:txBody>
+          <a:bodyPr vert="horz" lIns="91440" tIns="45720" rIns="91440" bIns="45720" rtlCol="0">
+            <a:normAutofit/>
+          </a:bodyPr>
+          <a:lstStyle>
+            <a:lvl1pPr marL="342900" indent="-342900" algn="l" defTabSz="457200" rtl="0" eaLnBrk="1" latinLnBrk="0" hangingPunct="1">
+              <a:spcBef>
+                <a:spcPts val="1000"/>
+              </a:spcBef>
+              <a:spcAft>
+                <a:spcPts val="0"/>
+              </a:spcAft>
+              <a:buClr>
+                <a:schemeClr val="accent1"/>
+              </a:buClr>
+              <a:buSzPct val="80000"/>
+              <a:buFont typeface="Wingdings 3" charset="2"/>
+              <a:buChar char=""/>
+              <a:defRPr sz="1800" kern="1200">
+                <a:solidFill>
+                  <a:schemeClr val="tx1">
+                    <a:lumMod val="75000"/>
+                    <a:lumOff val="25000"/>
+                  </a:schemeClr>
+                </a:solidFill>
+                <a:latin typeface="+mn-lt"/>
+                <a:ea typeface="+mn-ea"/>
+                <a:cs typeface="+mn-cs"/>
+              </a:defRPr>
+            </a:lvl1pPr>
+            <a:lvl2pPr marL="742950" indent="-285750" algn="l" defTabSz="457200" rtl="0" eaLnBrk="1" latinLnBrk="0" hangingPunct="1">
+              <a:spcBef>
+                <a:spcPts val="1000"/>
+              </a:spcBef>
+              <a:spcAft>
+                <a:spcPts val="0"/>
+              </a:spcAft>
+              <a:buClr>
+                <a:schemeClr val="accent1"/>
+              </a:buClr>
+              <a:buSzPct val="80000"/>
+              <a:buFont typeface="Wingdings 3" charset="2"/>
+              <a:buChar char=""/>
+              <a:defRPr sz="1600" kern="1200">
+                <a:solidFill>
+                  <a:schemeClr val="tx1">
+                    <a:lumMod val="75000"/>
+                    <a:lumOff val="25000"/>
+                  </a:schemeClr>
+                </a:solidFill>
+                <a:latin typeface="+mn-lt"/>
+                <a:ea typeface="+mn-ea"/>
+                <a:cs typeface="+mn-cs"/>
+              </a:defRPr>
+            </a:lvl2pPr>
+            <a:lvl3pPr marL="1143000" indent="-228600" algn="l" defTabSz="457200" rtl="0" eaLnBrk="1" latinLnBrk="0" hangingPunct="1">
+              <a:spcBef>
+                <a:spcPts val="1000"/>
+              </a:spcBef>
+              <a:spcAft>
+                <a:spcPts val="0"/>
+              </a:spcAft>
+              <a:buClr>
+                <a:schemeClr val="accent1"/>
+              </a:buClr>
+              <a:buSzPct val="80000"/>
+              <a:buFont typeface="Wingdings 3" charset="2"/>
+              <a:buChar char=""/>
+              <a:defRPr sz="1400" kern="1200">
+                <a:solidFill>
+                  <a:schemeClr val="tx1">
+                    <a:lumMod val="75000"/>
+                    <a:lumOff val="25000"/>
+                  </a:schemeClr>
+                </a:solidFill>
+                <a:latin typeface="+mn-lt"/>
+                <a:ea typeface="+mn-ea"/>
+                <a:cs typeface="+mn-cs"/>
+              </a:defRPr>
+            </a:lvl3pPr>
+            <a:lvl4pPr marL="1600200" indent="-228600" algn="l" defTabSz="457200" rtl="0" eaLnBrk="1" latinLnBrk="0" hangingPunct="1">
+              <a:spcBef>
+                <a:spcPts val="1000"/>
+              </a:spcBef>
+              <a:spcAft>
+                <a:spcPts val="0"/>
+              </a:spcAft>
+              <a:buClr>
+                <a:schemeClr val="accent1"/>
+              </a:buClr>
+              <a:buSzPct val="80000"/>
+              <a:buFont typeface="Wingdings 3" charset="2"/>
+              <a:buChar char=""/>
+              <a:defRPr sz="1200" kern="1200">
+                <a:solidFill>
+                  <a:schemeClr val="tx1">
+                    <a:lumMod val="75000"/>
+                    <a:lumOff val="25000"/>
+                  </a:schemeClr>
+                </a:solidFill>
+                <a:latin typeface="+mn-lt"/>
+                <a:ea typeface="+mn-ea"/>
+                <a:cs typeface="+mn-cs"/>
+              </a:defRPr>
+            </a:lvl4pPr>
+            <a:lvl5pPr marL="2057400" indent="-228600" algn="l" defTabSz="457200" rtl="0" eaLnBrk="1" latinLnBrk="0" hangingPunct="1">
+              <a:spcBef>
+                <a:spcPts val="1000"/>
+              </a:spcBef>
+              <a:spcAft>
+                <a:spcPts val="0"/>
+              </a:spcAft>
+              <a:buClr>
+                <a:schemeClr val="accent1"/>
+              </a:buClr>
+              <a:buSzPct val="80000"/>
+              <a:buFont typeface="Wingdings 3" charset="2"/>
+              <a:buChar char=""/>
+              <a:defRPr sz="1200" kern="1200">
+                <a:solidFill>
+                  <a:schemeClr val="tx1">
+                    <a:lumMod val="75000"/>
+                    <a:lumOff val="25000"/>
+                  </a:schemeClr>
+                </a:solidFill>
+                <a:latin typeface="+mn-lt"/>
+                <a:ea typeface="+mn-ea"/>
+                <a:cs typeface="+mn-cs"/>
+              </a:defRPr>
+            </a:lvl5pPr>
+            <a:lvl6pPr marL="2514600" indent="-228600" algn="l" defTabSz="457200" rtl="0" eaLnBrk="1" latinLnBrk="0" hangingPunct="1">
+              <a:spcBef>
+                <a:spcPts val="1000"/>
+              </a:spcBef>
+              <a:spcAft>
+                <a:spcPts val="0"/>
+              </a:spcAft>
+              <a:buClr>
+                <a:schemeClr val="accent1"/>
+              </a:buClr>
+              <a:buSzPct val="80000"/>
+              <a:buFont typeface="Wingdings 3" charset="2"/>
+              <a:buChar char=""/>
+              <a:defRPr sz="1200" kern="1200">
+                <a:solidFill>
+                  <a:schemeClr val="tx1">
+                    <a:lumMod val="75000"/>
+                    <a:lumOff val="25000"/>
+                  </a:schemeClr>
+                </a:solidFill>
+                <a:latin typeface="+mn-lt"/>
+                <a:ea typeface="+mn-ea"/>
+                <a:cs typeface="+mn-cs"/>
+              </a:defRPr>
+            </a:lvl6pPr>
+            <a:lvl7pPr marL="2971800" indent="-228600" algn="l" defTabSz="457200" rtl="0" eaLnBrk="1" latinLnBrk="0" hangingPunct="1">
+              <a:spcBef>
+                <a:spcPts val="1000"/>
+              </a:spcBef>
+              <a:spcAft>
+                <a:spcPts val="0"/>
+              </a:spcAft>
+              <a:buClr>
+                <a:schemeClr val="accent1"/>
+              </a:buClr>
+              <a:buSzPct val="80000"/>
+              <a:buFont typeface="Wingdings 3" charset="2"/>
+              <a:buChar char=""/>
+              <a:defRPr sz="1200" kern="1200">
+                <a:solidFill>
+                  <a:schemeClr val="tx1">
+                    <a:lumMod val="75000"/>
+                    <a:lumOff val="25000"/>
+                  </a:schemeClr>
+                </a:solidFill>
+                <a:latin typeface="+mn-lt"/>
+                <a:ea typeface="+mn-ea"/>
+                <a:cs typeface="+mn-cs"/>
+              </a:defRPr>
+            </a:lvl7pPr>
+            <a:lvl8pPr marL="3429000" indent="-228600" algn="l" defTabSz="457200" rtl="0" eaLnBrk="1" latinLnBrk="0" hangingPunct="1">
+              <a:spcBef>
+                <a:spcPts val="1000"/>
+              </a:spcBef>
+              <a:spcAft>
+                <a:spcPts val="0"/>
+              </a:spcAft>
+              <a:buClr>
+                <a:schemeClr val="accent1"/>
+              </a:buClr>
+              <a:buSzPct val="80000"/>
+              <a:buFont typeface="Wingdings 3" charset="2"/>
+              <a:buChar char=""/>
+              <a:defRPr sz="1200" kern="1200">
+                <a:solidFill>
+                  <a:schemeClr val="tx1">
+                    <a:lumMod val="75000"/>
+                    <a:lumOff val="25000"/>
+                  </a:schemeClr>
+                </a:solidFill>
+                <a:latin typeface="+mn-lt"/>
+                <a:ea typeface="+mn-ea"/>
+                <a:cs typeface="+mn-cs"/>
+              </a:defRPr>
+            </a:lvl8pPr>
+            <a:lvl9pPr marL="3886200" indent="-228600" algn="l" defTabSz="457200" rtl="0" eaLnBrk="1" latinLnBrk="0" hangingPunct="1">
+              <a:spcBef>
+                <a:spcPts val="1000"/>
+              </a:spcBef>
+              <a:spcAft>
+                <a:spcPts val="0"/>
+              </a:spcAft>
+              <a:buClr>
+                <a:schemeClr val="accent1"/>
+              </a:buClr>
+              <a:buSzPct val="80000"/>
+              <a:buFont typeface="Wingdings 3" charset="2"/>
+              <a:buChar char=""/>
+              <a:defRPr sz="1200" kern="1200">
+                <a:solidFill>
+                  <a:schemeClr val="tx1">
+                    <a:lumMod val="75000"/>
+                    <a:lumOff val="25000"/>
+                  </a:schemeClr>
+                </a:solidFill>
+                <a:latin typeface="+mn-lt"/>
+                <a:ea typeface="+mn-ea"/>
+                <a:cs typeface="+mn-cs"/>
+              </a:defRPr>
+            </a:lvl9pPr>
+          </a:lstStyle>
+          <a:p>
+            <a:r>
+              <a:rPr lang="it-IT" dirty="0" err="1"/>
+              <a:t>Accuracy</a:t>
+            </a:r>
+            <a:r>
+              <a:rPr lang="it-IT" dirty="0"/>
+              <a:t> dataset B: 89.1%</a:t>
+            </a:r>
+          </a:p>
+        </p:txBody>
+      </p:sp>
+      <p:pic>
+        <p:nvPicPr>
+          <p:cNvPr id="4" name="Picture 3">
+            <a:extLst>
+              <a:ext uri="{FF2B5EF4-FFF2-40B4-BE49-F238E27FC236}">
+                <a16:creationId xmlns:a16="http://schemas.microsoft.com/office/drawing/2014/main" id="{FA95B0D4-D5BC-B149-8722-BAF9C5F4D56B}"/>
+              </a:ext>
+            </a:extLst>
+          </p:cNvPr>
+          <p:cNvPicPr>
+            <a:picLocks noChangeAspect="1"/>
+          </p:cNvPicPr>
+          <p:nvPr/>
+        </p:nvPicPr>
+        <p:blipFill>
+          <a:blip r:embed="rId2"/>
+          <a:stretch>
+            <a:fillRect/>
+          </a:stretch>
+        </p:blipFill>
+        <p:spPr>
+          <a:xfrm>
+            <a:off x="505566" y="2254357"/>
+            <a:ext cx="3866736" cy="3973057"/>
+          </a:xfrm>
+          <a:prstGeom prst="rect">
+            <a:avLst/>
+          </a:prstGeom>
+        </p:spPr>
+      </p:pic>
+      <p:pic>
+        <p:nvPicPr>
+          <p:cNvPr id="5" name="Picture 4">
+            <a:extLst>
+              <a:ext uri="{FF2B5EF4-FFF2-40B4-BE49-F238E27FC236}">
+                <a16:creationId xmlns:a16="http://schemas.microsoft.com/office/drawing/2014/main" id="{37AED115-4676-6E41-ACAF-7D7E32EC26D3}"/>
+              </a:ext>
+            </a:extLst>
+          </p:cNvPr>
+          <p:cNvPicPr>
+            <a:picLocks noChangeAspect="1"/>
+          </p:cNvPicPr>
+          <p:nvPr/>
+        </p:nvPicPr>
+        <p:blipFill>
+          <a:blip r:embed="rId3"/>
+          <a:stretch>
+            <a:fillRect/>
+          </a:stretch>
+        </p:blipFill>
+        <p:spPr>
+          <a:xfrm>
+            <a:off x="4565090" y="2264867"/>
+            <a:ext cx="4599931" cy="3944399"/>
+          </a:xfrm>
+          <a:prstGeom prst="rect">
+            <a:avLst/>
+          </a:prstGeom>
+        </p:spPr>
+      </p:pic>
+    </p:spTree>
+    <p:extLst>
+      <p:ext uri="{BB962C8B-B14F-4D97-AF65-F5344CB8AC3E}">
+        <p14:creationId xmlns:p14="http://schemas.microsoft.com/office/powerpoint/2010/main" val="4066391829"/>
+      </p:ext>
+    </p:extLst>
+  </p:cSld>
+  <p:clrMapOvr>
+    <a:masterClrMapping/>
+  </p:clrMapOvr>
+</p:sld>
+</file>
+
+<file path=ppt/slides/slide12.xml><?xml version="1.0" encoding="utf-8"?>
+<p:sld xmlns:a="http://schemas.openxmlformats.org/drawingml/2006/main" xmlns:r="http://schemas.openxmlformats.org/officeDocument/2006/relationships" xmlns:p="http://schemas.openxmlformats.org/presentationml/2006/main">
+  <p:cSld>
+    <p:spTree>
+      <p:nvGrpSpPr>
+        <p:cNvPr id="1" name=""/>
+        <p:cNvGrpSpPr/>
+        <p:nvPr/>
+      </p:nvGrpSpPr>
+      <p:grpSpPr>
+        <a:xfrm>
+          <a:off x="0" y="0"/>
+          <a:ext cx="0" cy="0"/>
+          <a:chOff x="0" y="0"/>
+          <a:chExt cx="0" cy="0"/>
+        </a:xfrm>
+      </p:grpSpPr>
+      <p:sp>
+        <p:nvSpPr>
+          <p:cNvPr id="2" name="Title 1">
+            <a:extLst>
+              <a:ext uri="{FF2B5EF4-FFF2-40B4-BE49-F238E27FC236}">
+                <a16:creationId xmlns:a16="http://schemas.microsoft.com/office/drawing/2014/main" id="{ED6F87B8-C56D-DC48-806F-8E022539B171}"/>
+              </a:ext>
+            </a:extLst>
+          </p:cNvPr>
+          <p:cNvSpPr>
+            <a:spLocks noGrp="1"/>
+          </p:cNvSpPr>
+          <p:nvPr>
+            <p:ph type="title"/>
+          </p:nvPr>
+        </p:nvSpPr>
+        <p:spPr/>
+        <p:txBody>
+          <a:bodyPr/>
+          <a:lstStyle/>
+          <a:p>
+            <a:r>
+              <a:rPr lang="it-IT" dirty="0"/>
+              <a:t>Risultati – Previsione 9/16 giorni</a:t>
+            </a:r>
+          </a:p>
+        </p:txBody>
+      </p:sp>
+      <p:sp>
+        <p:nvSpPr>
+          <p:cNvPr id="3" name="Content Placeholder 2">
+            <a:extLst>
+              <a:ext uri="{FF2B5EF4-FFF2-40B4-BE49-F238E27FC236}">
+                <a16:creationId xmlns:a16="http://schemas.microsoft.com/office/drawing/2014/main" id="{26DA0C2F-8B8A-C54A-9F9E-793E8F44EBD9}"/>
+              </a:ext>
+            </a:extLst>
+          </p:cNvPr>
+          <p:cNvSpPr>
+            <a:spLocks noGrp="1"/>
+          </p:cNvSpPr>
+          <p:nvPr>
+            <p:ph idx="1"/>
+          </p:nvPr>
+        </p:nvSpPr>
+        <p:spPr>
+          <a:xfrm>
+            <a:off x="677333" y="1828800"/>
+            <a:ext cx="3694969" cy="525517"/>
+          </a:xfrm>
+        </p:spPr>
+        <p:txBody>
+          <a:bodyPr>
+            <a:normAutofit/>
+          </a:bodyPr>
+          <a:lstStyle/>
+          <a:p>
+            <a:r>
+              <a:rPr lang="it-IT" dirty="0" err="1"/>
+              <a:t>Accuracy</a:t>
+            </a:r>
+            <a:r>
+              <a:rPr lang="it-IT" dirty="0"/>
+              <a:t> dataset A: 94.9%</a:t>
+            </a:r>
+          </a:p>
+        </p:txBody>
+      </p:sp>
+      <p:sp>
+        <p:nvSpPr>
+          <p:cNvPr id="6" name="Content Placeholder 2">
+            <a:extLst>
+              <a:ext uri="{FF2B5EF4-FFF2-40B4-BE49-F238E27FC236}">
+                <a16:creationId xmlns:a16="http://schemas.microsoft.com/office/drawing/2014/main" id="{30B847EC-F4D1-5C4C-AEF3-3915ECC29E49}"/>
+              </a:ext>
+            </a:extLst>
+          </p:cNvPr>
+          <p:cNvSpPr txBox="1">
+            <a:spLocks/>
+          </p:cNvSpPr>
+          <p:nvPr/>
+        </p:nvSpPr>
+        <p:spPr>
+          <a:xfrm>
+            <a:off x="4802645" y="1812515"/>
+            <a:ext cx="3574100" cy="525517"/>
+          </a:xfrm>
+          <a:prstGeom prst="rect">
+            <a:avLst/>
+          </a:prstGeom>
+        </p:spPr>
+        <p:txBody>
+          <a:bodyPr vert="horz" lIns="91440" tIns="45720" rIns="91440" bIns="45720" rtlCol="0">
+            <a:normAutofit/>
+          </a:bodyPr>
+          <a:lstStyle>
+            <a:lvl1pPr marL="342900" indent="-342900" algn="l" defTabSz="457200" rtl="0" eaLnBrk="1" latinLnBrk="0" hangingPunct="1">
+              <a:spcBef>
+                <a:spcPts val="1000"/>
+              </a:spcBef>
+              <a:spcAft>
+                <a:spcPts val="0"/>
+              </a:spcAft>
+              <a:buClr>
+                <a:schemeClr val="accent1"/>
+              </a:buClr>
+              <a:buSzPct val="80000"/>
+              <a:buFont typeface="Wingdings 3" charset="2"/>
+              <a:buChar char=""/>
+              <a:defRPr sz="1800" kern="1200">
+                <a:solidFill>
+                  <a:schemeClr val="tx1">
+                    <a:lumMod val="75000"/>
+                    <a:lumOff val="25000"/>
+                  </a:schemeClr>
+                </a:solidFill>
+                <a:latin typeface="+mn-lt"/>
+                <a:ea typeface="+mn-ea"/>
+                <a:cs typeface="+mn-cs"/>
+              </a:defRPr>
+            </a:lvl1pPr>
+            <a:lvl2pPr marL="742950" indent="-285750" algn="l" defTabSz="457200" rtl="0" eaLnBrk="1" latinLnBrk="0" hangingPunct="1">
+              <a:spcBef>
+                <a:spcPts val="1000"/>
+              </a:spcBef>
+              <a:spcAft>
+                <a:spcPts val="0"/>
+              </a:spcAft>
+              <a:buClr>
+                <a:schemeClr val="accent1"/>
+              </a:buClr>
+              <a:buSzPct val="80000"/>
+              <a:buFont typeface="Wingdings 3" charset="2"/>
+              <a:buChar char=""/>
+              <a:defRPr sz="1600" kern="1200">
+                <a:solidFill>
+                  <a:schemeClr val="tx1">
+                    <a:lumMod val="75000"/>
+                    <a:lumOff val="25000"/>
+                  </a:schemeClr>
+                </a:solidFill>
+                <a:latin typeface="+mn-lt"/>
+                <a:ea typeface="+mn-ea"/>
+                <a:cs typeface="+mn-cs"/>
+              </a:defRPr>
+            </a:lvl2pPr>
+            <a:lvl3pPr marL="1143000" indent="-228600" algn="l" defTabSz="457200" rtl="0" eaLnBrk="1" latinLnBrk="0" hangingPunct="1">
+              <a:spcBef>
+                <a:spcPts val="1000"/>
+              </a:spcBef>
+              <a:spcAft>
+                <a:spcPts val="0"/>
+              </a:spcAft>
+              <a:buClr>
+                <a:schemeClr val="accent1"/>
+              </a:buClr>
+              <a:buSzPct val="80000"/>
+              <a:buFont typeface="Wingdings 3" charset="2"/>
+              <a:buChar char=""/>
+              <a:defRPr sz="1400" kern="1200">
+                <a:solidFill>
+                  <a:schemeClr val="tx1">
+                    <a:lumMod val="75000"/>
+                    <a:lumOff val="25000"/>
+                  </a:schemeClr>
+                </a:solidFill>
+                <a:latin typeface="+mn-lt"/>
+                <a:ea typeface="+mn-ea"/>
+                <a:cs typeface="+mn-cs"/>
+              </a:defRPr>
+            </a:lvl3pPr>
+            <a:lvl4pPr marL="1600200" indent="-228600" algn="l" defTabSz="457200" rtl="0" eaLnBrk="1" latinLnBrk="0" hangingPunct="1">
+              <a:spcBef>
+                <a:spcPts val="1000"/>
+              </a:spcBef>
+              <a:spcAft>
+                <a:spcPts val="0"/>
+              </a:spcAft>
+              <a:buClr>
+                <a:schemeClr val="accent1"/>
+              </a:buClr>
+              <a:buSzPct val="80000"/>
+              <a:buFont typeface="Wingdings 3" charset="2"/>
+              <a:buChar char=""/>
+              <a:defRPr sz="1200" kern="1200">
+                <a:solidFill>
+                  <a:schemeClr val="tx1">
+                    <a:lumMod val="75000"/>
+                    <a:lumOff val="25000"/>
+                  </a:schemeClr>
+                </a:solidFill>
+                <a:latin typeface="+mn-lt"/>
+                <a:ea typeface="+mn-ea"/>
+                <a:cs typeface="+mn-cs"/>
+              </a:defRPr>
+            </a:lvl4pPr>
+            <a:lvl5pPr marL="2057400" indent="-228600" algn="l" defTabSz="457200" rtl="0" eaLnBrk="1" latinLnBrk="0" hangingPunct="1">
+              <a:spcBef>
+                <a:spcPts val="1000"/>
+              </a:spcBef>
+              <a:spcAft>
+                <a:spcPts val="0"/>
+              </a:spcAft>
+              <a:buClr>
+                <a:schemeClr val="accent1"/>
+              </a:buClr>
+              <a:buSzPct val="80000"/>
+              <a:buFont typeface="Wingdings 3" charset="2"/>
+              <a:buChar char=""/>
+              <a:defRPr sz="1200" kern="1200">
+                <a:solidFill>
+                  <a:schemeClr val="tx1">
+                    <a:lumMod val="75000"/>
+                    <a:lumOff val="25000"/>
+                  </a:schemeClr>
+                </a:solidFill>
+                <a:latin typeface="+mn-lt"/>
+                <a:ea typeface="+mn-ea"/>
+                <a:cs typeface="+mn-cs"/>
+              </a:defRPr>
+            </a:lvl5pPr>
+            <a:lvl6pPr marL="2514600" indent="-228600" algn="l" defTabSz="457200" rtl="0" eaLnBrk="1" latinLnBrk="0" hangingPunct="1">
+              <a:spcBef>
+                <a:spcPts val="1000"/>
+              </a:spcBef>
+              <a:spcAft>
+                <a:spcPts val="0"/>
+              </a:spcAft>
+              <a:buClr>
+                <a:schemeClr val="accent1"/>
+              </a:buClr>
+              <a:buSzPct val="80000"/>
+              <a:buFont typeface="Wingdings 3" charset="2"/>
+              <a:buChar char=""/>
+              <a:defRPr sz="1200" kern="1200">
+                <a:solidFill>
+                  <a:schemeClr val="tx1">
+                    <a:lumMod val="75000"/>
+                    <a:lumOff val="25000"/>
+                  </a:schemeClr>
+                </a:solidFill>
+                <a:latin typeface="+mn-lt"/>
+                <a:ea typeface="+mn-ea"/>
+                <a:cs typeface="+mn-cs"/>
+              </a:defRPr>
+            </a:lvl6pPr>
+            <a:lvl7pPr marL="2971800" indent="-228600" algn="l" defTabSz="457200" rtl="0" eaLnBrk="1" latinLnBrk="0" hangingPunct="1">
+              <a:spcBef>
+                <a:spcPts val="1000"/>
+              </a:spcBef>
+              <a:spcAft>
+                <a:spcPts val="0"/>
+              </a:spcAft>
+              <a:buClr>
+                <a:schemeClr val="accent1"/>
+              </a:buClr>
+              <a:buSzPct val="80000"/>
+              <a:buFont typeface="Wingdings 3" charset="2"/>
+              <a:buChar char=""/>
+              <a:defRPr sz="1200" kern="1200">
+                <a:solidFill>
+                  <a:schemeClr val="tx1">
+                    <a:lumMod val="75000"/>
+                    <a:lumOff val="25000"/>
+                  </a:schemeClr>
+                </a:solidFill>
+                <a:latin typeface="+mn-lt"/>
+                <a:ea typeface="+mn-ea"/>
+                <a:cs typeface="+mn-cs"/>
+              </a:defRPr>
+            </a:lvl7pPr>
+            <a:lvl8pPr marL="3429000" indent="-228600" algn="l" defTabSz="457200" rtl="0" eaLnBrk="1" latinLnBrk="0" hangingPunct="1">
+              <a:spcBef>
+                <a:spcPts val="1000"/>
+              </a:spcBef>
+              <a:spcAft>
+                <a:spcPts val="0"/>
+              </a:spcAft>
+              <a:buClr>
+                <a:schemeClr val="accent1"/>
+              </a:buClr>
+              <a:buSzPct val="80000"/>
+              <a:buFont typeface="Wingdings 3" charset="2"/>
+              <a:buChar char=""/>
+              <a:defRPr sz="1200" kern="1200">
+                <a:solidFill>
+                  <a:schemeClr val="tx1">
+                    <a:lumMod val="75000"/>
+                    <a:lumOff val="25000"/>
+                  </a:schemeClr>
+                </a:solidFill>
+                <a:latin typeface="+mn-lt"/>
+                <a:ea typeface="+mn-ea"/>
+                <a:cs typeface="+mn-cs"/>
+              </a:defRPr>
+            </a:lvl8pPr>
+            <a:lvl9pPr marL="3886200" indent="-228600" algn="l" defTabSz="457200" rtl="0" eaLnBrk="1" latinLnBrk="0" hangingPunct="1">
+              <a:spcBef>
+                <a:spcPts val="1000"/>
+              </a:spcBef>
+              <a:spcAft>
+                <a:spcPts val="0"/>
+              </a:spcAft>
+              <a:buClr>
+                <a:schemeClr val="accent1"/>
+              </a:buClr>
+              <a:buSzPct val="80000"/>
+              <a:buFont typeface="Wingdings 3" charset="2"/>
+              <a:buChar char=""/>
+              <a:defRPr sz="1200" kern="1200">
+                <a:solidFill>
+                  <a:schemeClr val="tx1">
+                    <a:lumMod val="75000"/>
+                    <a:lumOff val="25000"/>
+                  </a:schemeClr>
+                </a:solidFill>
+                <a:latin typeface="+mn-lt"/>
+                <a:ea typeface="+mn-ea"/>
+                <a:cs typeface="+mn-cs"/>
+              </a:defRPr>
+            </a:lvl9pPr>
+          </a:lstStyle>
+          <a:p>
+            <a:r>
+              <a:rPr lang="it-IT" dirty="0" err="1"/>
+              <a:t>Accuracy</a:t>
+            </a:r>
+            <a:r>
+              <a:rPr lang="it-IT" dirty="0"/>
+              <a:t> dataset B: 92.7%</a:t>
+            </a:r>
+          </a:p>
+        </p:txBody>
+      </p:sp>
+      <p:pic>
+        <p:nvPicPr>
+          <p:cNvPr id="7" name="Picture 6">
+            <a:extLst>
+              <a:ext uri="{FF2B5EF4-FFF2-40B4-BE49-F238E27FC236}">
+                <a16:creationId xmlns:a16="http://schemas.microsoft.com/office/drawing/2014/main" id="{E4551BFC-81AB-754F-87B8-026C8E1E181C}"/>
+              </a:ext>
+            </a:extLst>
+          </p:cNvPr>
+          <p:cNvPicPr>
+            <a:picLocks noChangeAspect="1"/>
+          </p:cNvPicPr>
+          <p:nvPr/>
+        </p:nvPicPr>
+        <p:blipFill>
+          <a:blip r:embed="rId2"/>
+          <a:stretch>
+            <a:fillRect/>
+          </a:stretch>
+        </p:blipFill>
+        <p:spPr>
+          <a:xfrm>
+            <a:off x="449975" y="2499520"/>
+            <a:ext cx="4658053" cy="2452791"/>
+          </a:xfrm>
+          <a:prstGeom prst="rect">
+            <a:avLst/>
+          </a:prstGeom>
+        </p:spPr>
+      </p:pic>
+      <p:pic>
+        <p:nvPicPr>
+          <p:cNvPr id="8" name="Picture 7">
+            <a:extLst>
+              <a:ext uri="{FF2B5EF4-FFF2-40B4-BE49-F238E27FC236}">
+                <a16:creationId xmlns:a16="http://schemas.microsoft.com/office/drawing/2014/main" id="{ED712958-25CE-4841-A27F-C8AA0C20D3C6}"/>
+              </a:ext>
+            </a:extLst>
+          </p:cNvPr>
+          <p:cNvPicPr>
+            <a:picLocks noChangeAspect="1"/>
+          </p:cNvPicPr>
+          <p:nvPr/>
+        </p:nvPicPr>
+        <p:blipFill>
+          <a:blip r:embed="rId3"/>
+          <a:stretch>
+            <a:fillRect/>
+          </a:stretch>
+        </p:blipFill>
+        <p:spPr>
+          <a:xfrm>
+            <a:off x="5225395" y="2501458"/>
+            <a:ext cx="4413189" cy="2492893"/>
+          </a:xfrm>
+          <a:prstGeom prst="rect">
+            <a:avLst/>
+          </a:prstGeom>
+        </p:spPr>
+      </p:pic>
+    </p:spTree>
+    <p:extLst>
+      <p:ext uri="{BB962C8B-B14F-4D97-AF65-F5344CB8AC3E}">
+        <p14:creationId xmlns:p14="http://schemas.microsoft.com/office/powerpoint/2010/main" val="3345675971"/>
+      </p:ext>
+    </p:extLst>
+  </p:cSld>
+  <p:clrMapOvr>
+    <a:masterClrMapping/>
+  </p:clrMapOvr>
+</p:sld>
+</file>
+
+<file path=ppt/slides/slide13.xml><?xml version="1.0" encoding="utf-8"?>
+<p:sld xmlns:a="http://schemas.openxmlformats.org/drawingml/2006/main" xmlns:r="http://schemas.openxmlformats.org/officeDocument/2006/relationships" xmlns:p="http://schemas.openxmlformats.org/presentationml/2006/main">
+  <p:cSld>
+    <p:spTree>
+      <p:nvGrpSpPr>
+        <p:cNvPr id="1" name=""/>
+        <p:cNvGrpSpPr/>
+        <p:nvPr/>
+      </p:nvGrpSpPr>
+      <p:grpSpPr>
+        <a:xfrm>
+          <a:off x="0" y="0"/>
+          <a:ext cx="0" cy="0"/>
+          <a:chOff x="0" y="0"/>
+          <a:chExt cx="0" cy="0"/>
+        </a:xfrm>
+      </p:grpSpPr>
+      <p:sp>
+        <p:nvSpPr>
+          <p:cNvPr id="2" name="Title 1">
+            <a:extLst>
+              <a:ext uri="{FF2B5EF4-FFF2-40B4-BE49-F238E27FC236}">
+                <a16:creationId xmlns:a16="http://schemas.microsoft.com/office/drawing/2014/main" id="{ED6F87B8-C56D-DC48-806F-8E022539B171}"/>
+              </a:ext>
+            </a:extLst>
+          </p:cNvPr>
+          <p:cNvSpPr>
+            <a:spLocks noGrp="1"/>
+          </p:cNvSpPr>
+          <p:nvPr>
+            <p:ph type="title"/>
+          </p:nvPr>
+        </p:nvSpPr>
+        <p:spPr/>
+        <p:txBody>
+          <a:bodyPr/>
+          <a:lstStyle/>
+          <a:p>
+            <a:r>
+              <a:rPr lang="it-IT" dirty="0"/>
+              <a:t>Risultati – Previsione casuale (3000 stati)</a:t>
+            </a:r>
+          </a:p>
+        </p:txBody>
+      </p:sp>
+      <p:sp>
+        <p:nvSpPr>
+          <p:cNvPr id="3" name="Content Placeholder 2">
+            <a:extLst>
+              <a:ext uri="{FF2B5EF4-FFF2-40B4-BE49-F238E27FC236}">
+                <a16:creationId xmlns:a16="http://schemas.microsoft.com/office/drawing/2014/main" id="{26DA0C2F-8B8A-C54A-9F9E-793E8F44EBD9}"/>
+              </a:ext>
+            </a:extLst>
+          </p:cNvPr>
+          <p:cNvSpPr>
+            <a:spLocks noGrp="1"/>
+          </p:cNvSpPr>
+          <p:nvPr>
+            <p:ph idx="1"/>
+          </p:nvPr>
+        </p:nvSpPr>
+        <p:spPr>
+          <a:xfrm>
+            <a:off x="677333" y="1828800"/>
+            <a:ext cx="3694969" cy="525517"/>
+          </a:xfrm>
+        </p:spPr>
+        <p:txBody>
+          <a:bodyPr>
+            <a:normAutofit/>
+          </a:bodyPr>
+          <a:lstStyle/>
+          <a:p>
+            <a:r>
+              <a:rPr lang="it-IT" dirty="0" err="1"/>
+              <a:t>Accuracy</a:t>
+            </a:r>
+            <a:r>
+              <a:rPr lang="it-IT" dirty="0"/>
+              <a:t> dataset A: 96.8%</a:t>
+            </a:r>
+          </a:p>
+        </p:txBody>
+      </p:sp>
+      <p:sp>
+        <p:nvSpPr>
+          <p:cNvPr id="6" name="Content Placeholder 2">
+            <a:extLst>
+              <a:ext uri="{FF2B5EF4-FFF2-40B4-BE49-F238E27FC236}">
+                <a16:creationId xmlns:a16="http://schemas.microsoft.com/office/drawing/2014/main" id="{30B847EC-F4D1-5C4C-AEF3-3915ECC29E49}"/>
+              </a:ext>
+            </a:extLst>
+          </p:cNvPr>
+          <p:cNvSpPr txBox="1">
+            <a:spLocks/>
+          </p:cNvSpPr>
+          <p:nvPr/>
+        </p:nvSpPr>
+        <p:spPr>
+          <a:xfrm>
+            <a:off x="4802645" y="1812515"/>
+            <a:ext cx="3574100" cy="525517"/>
+          </a:xfrm>
+          <a:prstGeom prst="rect">
+            <a:avLst/>
+          </a:prstGeom>
+        </p:spPr>
+        <p:txBody>
+          <a:bodyPr vert="horz" lIns="91440" tIns="45720" rIns="91440" bIns="45720" rtlCol="0">
+            <a:normAutofit/>
+          </a:bodyPr>
+          <a:lstStyle>
+            <a:lvl1pPr marL="342900" indent="-342900" algn="l" defTabSz="457200" rtl="0" eaLnBrk="1" latinLnBrk="0" hangingPunct="1">
+              <a:spcBef>
+                <a:spcPts val="1000"/>
+              </a:spcBef>
+              <a:spcAft>
+                <a:spcPts val="0"/>
+              </a:spcAft>
+              <a:buClr>
+                <a:schemeClr val="accent1"/>
+              </a:buClr>
+              <a:buSzPct val="80000"/>
+              <a:buFont typeface="Wingdings 3" charset="2"/>
+              <a:buChar char=""/>
+              <a:defRPr sz="1800" kern="1200">
+                <a:solidFill>
+                  <a:schemeClr val="tx1">
+                    <a:lumMod val="75000"/>
+                    <a:lumOff val="25000"/>
+                  </a:schemeClr>
+                </a:solidFill>
+                <a:latin typeface="+mn-lt"/>
+                <a:ea typeface="+mn-ea"/>
+                <a:cs typeface="+mn-cs"/>
+              </a:defRPr>
+            </a:lvl1pPr>
+            <a:lvl2pPr marL="742950" indent="-285750" algn="l" defTabSz="457200" rtl="0" eaLnBrk="1" latinLnBrk="0" hangingPunct="1">
+              <a:spcBef>
+                <a:spcPts val="1000"/>
+              </a:spcBef>
+              <a:spcAft>
+                <a:spcPts val="0"/>
+              </a:spcAft>
+              <a:buClr>
+                <a:schemeClr val="accent1"/>
+              </a:buClr>
+              <a:buSzPct val="80000"/>
+              <a:buFont typeface="Wingdings 3" charset="2"/>
+              <a:buChar char=""/>
+              <a:defRPr sz="1600" kern="1200">
+                <a:solidFill>
+                  <a:schemeClr val="tx1">
+                    <a:lumMod val="75000"/>
+                    <a:lumOff val="25000"/>
+                  </a:schemeClr>
+                </a:solidFill>
+                <a:latin typeface="+mn-lt"/>
+                <a:ea typeface="+mn-ea"/>
+                <a:cs typeface="+mn-cs"/>
+              </a:defRPr>
+            </a:lvl2pPr>
+            <a:lvl3pPr marL="1143000" indent="-228600" algn="l" defTabSz="457200" rtl="0" eaLnBrk="1" latinLnBrk="0" hangingPunct="1">
+              <a:spcBef>
+                <a:spcPts val="1000"/>
+              </a:spcBef>
+              <a:spcAft>
+                <a:spcPts val="0"/>
+              </a:spcAft>
+              <a:buClr>
+                <a:schemeClr val="accent1"/>
+              </a:buClr>
+              <a:buSzPct val="80000"/>
+              <a:buFont typeface="Wingdings 3" charset="2"/>
+              <a:buChar char=""/>
+              <a:defRPr sz="1400" kern="1200">
+                <a:solidFill>
+                  <a:schemeClr val="tx1">
+                    <a:lumMod val="75000"/>
+                    <a:lumOff val="25000"/>
+                  </a:schemeClr>
+                </a:solidFill>
+                <a:latin typeface="+mn-lt"/>
+                <a:ea typeface="+mn-ea"/>
+                <a:cs typeface="+mn-cs"/>
+              </a:defRPr>
+            </a:lvl3pPr>
+            <a:lvl4pPr marL="1600200" indent="-228600" algn="l" defTabSz="457200" rtl="0" eaLnBrk="1" latinLnBrk="0" hangingPunct="1">
+              <a:spcBef>
+                <a:spcPts val="1000"/>
+              </a:spcBef>
+              <a:spcAft>
+                <a:spcPts val="0"/>
+              </a:spcAft>
+              <a:buClr>
+                <a:schemeClr val="accent1"/>
+              </a:buClr>
+              <a:buSzPct val="80000"/>
+              <a:buFont typeface="Wingdings 3" charset="2"/>
+              <a:buChar char=""/>
+              <a:defRPr sz="1200" kern="1200">
+                <a:solidFill>
+                  <a:schemeClr val="tx1">
+                    <a:lumMod val="75000"/>
+                    <a:lumOff val="25000"/>
+                  </a:schemeClr>
+                </a:solidFill>
+                <a:latin typeface="+mn-lt"/>
+                <a:ea typeface="+mn-ea"/>
+                <a:cs typeface="+mn-cs"/>
+              </a:defRPr>
+            </a:lvl4pPr>
+            <a:lvl5pPr marL="2057400" indent="-228600" algn="l" defTabSz="457200" rtl="0" eaLnBrk="1" latinLnBrk="0" hangingPunct="1">
+              <a:spcBef>
+                <a:spcPts val="1000"/>
+              </a:spcBef>
+              <a:spcAft>
+                <a:spcPts val="0"/>
+              </a:spcAft>
+              <a:buClr>
+                <a:schemeClr val="accent1"/>
+              </a:buClr>
+              <a:buSzPct val="80000"/>
+              <a:buFont typeface="Wingdings 3" charset="2"/>
+              <a:buChar char=""/>
+              <a:defRPr sz="1200" kern="1200">
+                <a:solidFill>
+                  <a:schemeClr val="tx1">
+                    <a:lumMod val="75000"/>
+                    <a:lumOff val="25000"/>
+                  </a:schemeClr>
+                </a:solidFill>
+                <a:latin typeface="+mn-lt"/>
+                <a:ea typeface="+mn-ea"/>
+                <a:cs typeface="+mn-cs"/>
+              </a:defRPr>
+            </a:lvl5pPr>
+            <a:lvl6pPr marL="2514600" indent="-228600" algn="l" defTabSz="457200" rtl="0" eaLnBrk="1" latinLnBrk="0" hangingPunct="1">
+              <a:spcBef>
+                <a:spcPts val="1000"/>
+              </a:spcBef>
+              <a:spcAft>
+                <a:spcPts val="0"/>
+              </a:spcAft>
+              <a:buClr>
+                <a:schemeClr val="accent1"/>
+              </a:buClr>
+              <a:buSzPct val="80000"/>
+              <a:buFont typeface="Wingdings 3" charset="2"/>
+              <a:buChar char=""/>
+              <a:defRPr sz="1200" kern="1200">
+                <a:solidFill>
+                  <a:schemeClr val="tx1">
+                    <a:lumMod val="75000"/>
+                    <a:lumOff val="25000"/>
+                  </a:schemeClr>
+                </a:solidFill>
+                <a:latin typeface="+mn-lt"/>
+                <a:ea typeface="+mn-ea"/>
+                <a:cs typeface="+mn-cs"/>
+              </a:defRPr>
+            </a:lvl6pPr>
+            <a:lvl7pPr marL="2971800" indent="-228600" algn="l" defTabSz="457200" rtl="0" eaLnBrk="1" latinLnBrk="0" hangingPunct="1">
+              <a:spcBef>
+                <a:spcPts val="1000"/>
+              </a:spcBef>
+              <a:spcAft>
+                <a:spcPts val="0"/>
+              </a:spcAft>
+              <a:buClr>
+                <a:schemeClr val="accent1"/>
+              </a:buClr>
+              <a:buSzPct val="80000"/>
+              <a:buFont typeface="Wingdings 3" charset="2"/>
+              <a:buChar char=""/>
+              <a:defRPr sz="1200" kern="1200">
+                <a:solidFill>
+                  <a:schemeClr val="tx1">
+                    <a:lumMod val="75000"/>
+                    <a:lumOff val="25000"/>
+                  </a:schemeClr>
+                </a:solidFill>
+                <a:latin typeface="+mn-lt"/>
+                <a:ea typeface="+mn-ea"/>
+                <a:cs typeface="+mn-cs"/>
+              </a:defRPr>
+            </a:lvl7pPr>
+            <a:lvl8pPr marL="3429000" indent="-228600" algn="l" defTabSz="457200" rtl="0" eaLnBrk="1" latinLnBrk="0" hangingPunct="1">
+              <a:spcBef>
+                <a:spcPts val="1000"/>
+              </a:spcBef>
+              <a:spcAft>
+                <a:spcPts val="0"/>
+              </a:spcAft>
+              <a:buClr>
+                <a:schemeClr val="accent1"/>
+              </a:buClr>
+              <a:buSzPct val="80000"/>
+              <a:buFont typeface="Wingdings 3" charset="2"/>
+              <a:buChar char=""/>
+              <a:defRPr sz="1200" kern="1200">
+                <a:solidFill>
+                  <a:schemeClr val="tx1">
+                    <a:lumMod val="75000"/>
+                    <a:lumOff val="25000"/>
+                  </a:schemeClr>
+                </a:solidFill>
+                <a:latin typeface="+mn-lt"/>
+                <a:ea typeface="+mn-ea"/>
+                <a:cs typeface="+mn-cs"/>
+              </a:defRPr>
+            </a:lvl8pPr>
+            <a:lvl9pPr marL="3886200" indent="-228600" algn="l" defTabSz="457200" rtl="0" eaLnBrk="1" latinLnBrk="0" hangingPunct="1">
+              <a:spcBef>
+                <a:spcPts val="1000"/>
+              </a:spcBef>
+              <a:spcAft>
+                <a:spcPts val="0"/>
+              </a:spcAft>
+              <a:buClr>
+                <a:schemeClr val="accent1"/>
+              </a:buClr>
+              <a:buSzPct val="80000"/>
+              <a:buFont typeface="Wingdings 3" charset="2"/>
+              <a:buChar char=""/>
+              <a:defRPr sz="1200" kern="1200">
+                <a:solidFill>
+                  <a:schemeClr val="tx1">
+                    <a:lumMod val="75000"/>
+                    <a:lumOff val="25000"/>
+                  </a:schemeClr>
+                </a:solidFill>
+                <a:latin typeface="+mn-lt"/>
+                <a:ea typeface="+mn-ea"/>
+                <a:cs typeface="+mn-cs"/>
+              </a:defRPr>
+            </a:lvl9pPr>
+          </a:lstStyle>
+          <a:p>
+            <a:r>
+              <a:rPr lang="it-IT" dirty="0" err="1"/>
+              <a:t>Accuracy</a:t>
+            </a:r>
+            <a:r>
+              <a:rPr lang="it-IT" dirty="0"/>
+              <a:t> dataset B: 96,7%</a:t>
+            </a:r>
+          </a:p>
+        </p:txBody>
+      </p:sp>
+      <p:pic>
+        <p:nvPicPr>
+          <p:cNvPr id="7" name="Picture 6">
+            <a:extLst>
+              <a:ext uri="{FF2B5EF4-FFF2-40B4-BE49-F238E27FC236}">
+                <a16:creationId xmlns:a16="http://schemas.microsoft.com/office/drawing/2014/main" id="{38257362-396D-5246-A18A-BC7BE1D2350B}"/>
+              </a:ext>
+            </a:extLst>
+          </p:cNvPr>
+          <p:cNvPicPr>
+            <a:picLocks noChangeAspect="1"/>
+          </p:cNvPicPr>
+          <p:nvPr/>
+        </p:nvPicPr>
+        <p:blipFill>
+          <a:blip r:embed="rId2"/>
+          <a:stretch>
+            <a:fillRect/>
+          </a:stretch>
+        </p:blipFill>
+        <p:spPr>
+          <a:xfrm>
+            <a:off x="573345" y="2254357"/>
+            <a:ext cx="3872532" cy="3968081"/>
+          </a:xfrm>
+          <a:prstGeom prst="rect">
+            <a:avLst/>
+          </a:prstGeom>
+        </p:spPr>
+      </p:pic>
+      <p:pic>
+        <p:nvPicPr>
+          <p:cNvPr id="9" name="Picture 8">
+            <a:extLst>
+              <a:ext uri="{FF2B5EF4-FFF2-40B4-BE49-F238E27FC236}">
+                <a16:creationId xmlns:a16="http://schemas.microsoft.com/office/drawing/2014/main" id="{366C1A96-873B-5443-9C79-D3FCB106D712}"/>
+              </a:ext>
+            </a:extLst>
+          </p:cNvPr>
+          <p:cNvPicPr>
+            <a:picLocks noChangeAspect="1"/>
+          </p:cNvPicPr>
+          <p:nvPr/>
+        </p:nvPicPr>
+        <p:blipFill>
+          <a:blip r:embed="rId3"/>
+          <a:stretch>
+            <a:fillRect/>
+          </a:stretch>
+        </p:blipFill>
+        <p:spPr>
+          <a:xfrm>
+            <a:off x="4581133" y="2254357"/>
+            <a:ext cx="4708563" cy="3968081"/>
+          </a:xfrm>
+          <a:prstGeom prst="rect">
+            <a:avLst/>
+          </a:prstGeom>
+        </p:spPr>
+      </p:pic>
+    </p:spTree>
+    <p:extLst>
+      <p:ext uri="{BB962C8B-B14F-4D97-AF65-F5344CB8AC3E}">
+        <p14:creationId xmlns:p14="http://schemas.microsoft.com/office/powerpoint/2010/main" val="2530732821"/>
+      </p:ext>
+    </p:extLst>
+  </p:cSld>
+  <p:clrMapOvr>
+    <a:masterClrMapping/>
+  </p:clrMapOvr>
+</p:sld>
+</file>
+
+<file path=ppt/slides/slide14.xml><?xml version="1.0" encoding="utf-8"?>
+<p:sld xmlns:a="http://schemas.openxmlformats.org/drawingml/2006/main" xmlns:r="http://schemas.openxmlformats.org/officeDocument/2006/relationships" xmlns:p="http://schemas.openxmlformats.org/presentationml/2006/main">
+  <p:cSld>
+    <p:spTree>
+      <p:nvGrpSpPr>
+        <p:cNvPr id="1" name=""/>
+        <p:cNvGrpSpPr/>
+        <p:nvPr/>
+      </p:nvGrpSpPr>
+      <p:grpSpPr>
+        <a:xfrm>
+          <a:off x="0" y="0"/>
+          <a:ext cx="0" cy="0"/>
+          <a:chOff x="0" y="0"/>
+          <a:chExt cx="0" cy="0"/>
+        </a:xfrm>
+      </p:grpSpPr>
+      <p:sp>
+        <p:nvSpPr>
+          <p:cNvPr id="2" name="Title 1">
+            <a:extLst>
+              <a:ext uri="{FF2B5EF4-FFF2-40B4-BE49-F238E27FC236}">
+                <a16:creationId xmlns:a16="http://schemas.microsoft.com/office/drawing/2014/main" id="{ED6F87B8-C56D-DC48-806F-8E022539B171}"/>
+              </a:ext>
+            </a:extLst>
+          </p:cNvPr>
+          <p:cNvSpPr>
+            <a:spLocks noGrp="1"/>
+          </p:cNvSpPr>
+          <p:nvPr>
+            <p:ph type="title"/>
+          </p:nvPr>
+        </p:nvSpPr>
+        <p:spPr/>
+        <p:txBody>
+          <a:bodyPr/>
+          <a:lstStyle/>
+          <a:p>
+            <a:r>
+              <a:rPr lang="it-IT" dirty="0"/>
+              <a:t>Risultati – Previsione casuale (3000 stati)</a:t>
+            </a:r>
+          </a:p>
+        </p:txBody>
+      </p:sp>
+      <p:sp>
+        <p:nvSpPr>
+          <p:cNvPr id="3" name="Content Placeholder 2">
+            <a:extLst>
+              <a:ext uri="{FF2B5EF4-FFF2-40B4-BE49-F238E27FC236}">
+                <a16:creationId xmlns:a16="http://schemas.microsoft.com/office/drawing/2014/main" id="{26DA0C2F-8B8A-C54A-9F9E-793E8F44EBD9}"/>
+              </a:ext>
+            </a:extLst>
+          </p:cNvPr>
+          <p:cNvSpPr>
+            <a:spLocks noGrp="1"/>
+          </p:cNvSpPr>
+          <p:nvPr>
+            <p:ph idx="1"/>
+          </p:nvPr>
+        </p:nvSpPr>
+        <p:spPr>
+          <a:xfrm>
+            <a:off x="677333" y="1828800"/>
+            <a:ext cx="3694969" cy="525517"/>
+          </a:xfrm>
+        </p:spPr>
+        <p:txBody>
+          <a:bodyPr>
+            <a:normAutofit/>
+          </a:bodyPr>
+          <a:lstStyle/>
+          <a:p>
+            <a:r>
+              <a:rPr lang="it-IT" dirty="0" err="1"/>
+              <a:t>Accuracy</a:t>
+            </a:r>
+            <a:r>
+              <a:rPr lang="it-IT" dirty="0"/>
+              <a:t> dataset A: 94.9%</a:t>
+            </a:r>
+          </a:p>
+        </p:txBody>
+      </p:sp>
+      <p:sp>
+        <p:nvSpPr>
+          <p:cNvPr id="6" name="Content Placeholder 2">
+            <a:extLst>
+              <a:ext uri="{FF2B5EF4-FFF2-40B4-BE49-F238E27FC236}">
+                <a16:creationId xmlns:a16="http://schemas.microsoft.com/office/drawing/2014/main" id="{30B847EC-F4D1-5C4C-AEF3-3915ECC29E49}"/>
+              </a:ext>
+            </a:extLst>
+          </p:cNvPr>
+          <p:cNvSpPr txBox="1">
+            <a:spLocks/>
+          </p:cNvSpPr>
+          <p:nvPr/>
+        </p:nvSpPr>
+        <p:spPr>
+          <a:xfrm>
+            <a:off x="4802645" y="1812515"/>
+            <a:ext cx="3574100" cy="525517"/>
+          </a:xfrm>
+          <a:prstGeom prst="rect">
+            <a:avLst/>
+          </a:prstGeom>
+        </p:spPr>
+        <p:txBody>
+          <a:bodyPr vert="horz" lIns="91440" tIns="45720" rIns="91440" bIns="45720" rtlCol="0">
+            <a:normAutofit/>
+          </a:bodyPr>
+          <a:lstStyle>
+            <a:lvl1pPr marL="342900" indent="-342900" algn="l" defTabSz="457200" rtl="0" eaLnBrk="1" latinLnBrk="0" hangingPunct="1">
+              <a:spcBef>
+                <a:spcPts val="1000"/>
+              </a:spcBef>
+              <a:spcAft>
+                <a:spcPts val="0"/>
+              </a:spcAft>
+              <a:buClr>
+                <a:schemeClr val="accent1"/>
+              </a:buClr>
+              <a:buSzPct val="80000"/>
+              <a:buFont typeface="Wingdings 3" charset="2"/>
+              <a:buChar char=""/>
+              <a:defRPr sz="1800" kern="1200">
+                <a:solidFill>
+                  <a:schemeClr val="tx1">
+                    <a:lumMod val="75000"/>
+                    <a:lumOff val="25000"/>
+                  </a:schemeClr>
+                </a:solidFill>
+                <a:latin typeface="+mn-lt"/>
+                <a:ea typeface="+mn-ea"/>
+                <a:cs typeface="+mn-cs"/>
+              </a:defRPr>
+            </a:lvl1pPr>
+            <a:lvl2pPr marL="742950" indent="-285750" algn="l" defTabSz="457200" rtl="0" eaLnBrk="1" latinLnBrk="0" hangingPunct="1">
+              <a:spcBef>
+                <a:spcPts val="1000"/>
+              </a:spcBef>
+              <a:spcAft>
+                <a:spcPts val="0"/>
+              </a:spcAft>
+              <a:buClr>
+                <a:schemeClr val="accent1"/>
+              </a:buClr>
+              <a:buSzPct val="80000"/>
+              <a:buFont typeface="Wingdings 3" charset="2"/>
+              <a:buChar char=""/>
+              <a:defRPr sz="1600" kern="1200">
+                <a:solidFill>
+                  <a:schemeClr val="tx1">
+                    <a:lumMod val="75000"/>
+                    <a:lumOff val="25000"/>
+                  </a:schemeClr>
+                </a:solidFill>
+                <a:latin typeface="+mn-lt"/>
+                <a:ea typeface="+mn-ea"/>
+                <a:cs typeface="+mn-cs"/>
+              </a:defRPr>
+            </a:lvl2pPr>
+            <a:lvl3pPr marL="1143000" indent="-228600" algn="l" defTabSz="457200" rtl="0" eaLnBrk="1" latinLnBrk="0" hangingPunct="1">
+              <a:spcBef>
+                <a:spcPts val="1000"/>
+              </a:spcBef>
+              <a:spcAft>
+                <a:spcPts val="0"/>
+              </a:spcAft>
+              <a:buClr>
+                <a:schemeClr val="accent1"/>
+              </a:buClr>
+              <a:buSzPct val="80000"/>
+              <a:buFont typeface="Wingdings 3" charset="2"/>
+              <a:buChar char=""/>
+              <a:defRPr sz="1400" kern="1200">
+                <a:solidFill>
+                  <a:schemeClr val="tx1">
+                    <a:lumMod val="75000"/>
+                    <a:lumOff val="25000"/>
+                  </a:schemeClr>
+                </a:solidFill>
+                <a:latin typeface="+mn-lt"/>
+                <a:ea typeface="+mn-ea"/>
+                <a:cs typeface="+mn-cs"/>
+              </a:defRPr>
+            </a:lvl3pPr>
+            <a:lvl4pPr marL="1600200" indent="-228600" algn="l" defTabSz="457200" rtl="0" eaLnBrk="1" latinLnBrk="0" hangingPunct="1">
+              <a:spcBef>
+                <a:spcPts val="1000"/>
+              </a:spcBef>
+              <a:spcAft>
+                <a:spcPts val="0"/>
+              </a:spcAft>
+              <a:buClr>
+                <a:schemeClr val="accent1"/>
+              </a:buClr>
+              <a:buSzPct val="80000"/>
+              <a:buFont typeface="Wingdings 3" charset="2"/>
+              <a:buChar char=""/>
+              <a:defRPr sz="1200" kern="1200">
+                <a:solidFill>
+                  <a:schemeClr val="tx1">
+                    <a:lumMod val="75000"/>
+                    <a:lumOff val="25000"/>
+                  </a:schemeClr>
+                </a:solidFill>
+                <a:latin typeface="+mn-lt"/>
+                <a:ea typeface="+mn-ea"/>
+                <a:cs typeface="+mn-cs"/>
+              </a:defRPr>
+            </a:lvl4pPr>
+            <a:lvl5pPr marL="2057400" indent="-228600" algn="l" defTabSz="457200" rtl="0" eaLnBrk="1" latinLnBrk="0" hangingPunct="1">
+              <a:spcBef>
+                <a:spcPts val="1000"/>
+              </a:spcBef>
+              <a:spcAft>
+                <a:spcPts val="0"/>
+              </a:spcAft>
+              <a:buClr>
+                <a:schemeClr val="accent1"/>
+              </a:buClr>
+              <a:buSzPct val="80000"/>
+              <a:buFont typeface="Wingdings 3" charset="2"/>
+              <a:buChar char=""/>
+              <a:defRPr sz="1200" kern="1200">
+                <a:solidFill>
+                  <a:schemeClr val="tx1">
+                    <a:lumMod val="75000"/>
+                    <a:lumOff val="25000"/>
+                  </a:schemeClr>
+                </a:solidFill>
+                <a:latin typeface="+mn-lt"/>
+                <a:ea typeface="+mn-ea"/>
+                <a:cs typeface="+mn-cs"/>
+              </a:defRPr>
+            </a:lvl5pPr>
+            <a:lvl6pPr marL="2514600" indent="-228600" algn="l" defTabSz="457200" rtl="0" eaLnBrk="1" latinLnBrk="0" hangingPunct="1">
+              <a:spcBef>
+                <a:spcPts val="1000"/>
+              </a:spcBef>
+              <a:spcAft>
+                <a:spcPts val="0"/>
+              </a:spcAft>
+              <a:buClr>
+                <a:schemeClr val="accent1"/>
+              </a:buClr>
+              <a:buSzPct val="80000"/>
+              <a:buFont typeface="Wingdings 3" charset="2"/>
+              <a:buChar char=""/>
+              <a:defRPr sz="1200" kern="1200">
+                <a:solidFill>
+                  <a:schemeClr val="tx1">
+                    <a:lumMod val="75000"/>
+                    <a:lumOff val="25000"/>
+                  </a:schemeClr>
+                </a:solidFill>
+                <a:latin typeface="+mn-lt"/>
+                <a:ea typeface="+mn-ea"/>
+                <a:cs typeface="+mn-cs"/>
+              </a:defRPr>
+            </a:lvl6pPr>
+            <a:lvl7pPr marL="2971800" indent="-228600" algn="l" defTabSz="457200" rtl="0" eaLnBrk="1" latinLnBrk="0" hangingPunct="1">
+              <a:spcBef>
+                <a:spcPts val="1000"/>
+              </a:spcBef>
+              <a:spcAft>
+                <a:spcPts val="0"/>
+              </a:spcAft>
+              <a:buClr>
+                <a:schemeClr val="accent1"/>
+              </a:buClr>
+              <a:buSzPct val="80000"/>
+              <a:buFont typeface="Wingdings 3" charset="2"/>
+              <a:buChar char=""/>
+              <a:defRPr sz="1200" kern="1200">
+                <a:solidFill>
+                  <a:schemeClr val="tx1">
+                    <a:lumMod val="75000"/>
+                    <a:lumOff val="25000"/>
+                  </a:schemeClr>
+                </a:solidFill>
+                <a:latin typeface="+mn-lt"/>
+                <a:ea typeface="+mn-ea"/>
+                <a:cs typeface="+mn-cs"/>
+              </a:defRPr>
+            </a:lvl7pPr>
+            <a:lvl8pPr marL="3429000" indent="-228600" algn="l" defTabSz="457200" rtl="0" eaLnBrk="1" latinLnBrk="0" hangingPunct="1">
+              <a:spcBef>
+                <a:spcPts val="1000"/>
+              </a:spcBef>
+              <a:spcAft>
+                <a:spcPts val="0"/>
+              </a:spcAft>
+              <a:buClr>
+                <a:schemeClr val="accent1"/>
+              </a:buClr>
+              <a:buSzPct val="80000"/>
+              <a:buFont typeface="Wingdings 3" charset="2"/>
+              <a:buChar char=""/>
+              <a:defRPr sz="1200" kern="1200">
+                <a:solidFill>
+                  <a:schemeClr val="tx1">
+                    <a:lumMod val="75000"/>
+                    <a:lumOff val="25000"/>
+                  </a:schemeClr>
+                </a:solidFill>
+                <a:latin typeface="+mn-lt"/>
+                <a:ea typeface="+mn-ea"/>
+                <a:cs typeface="+mn-cs"/>
+              </a:defRPr>
+            </a:lvl8pPr>
+            <a:lvl9pPr marL="3886200" indent="-228600" algn="l" defTabSz="457200" rtl="0" eaLnBrk="1" latinLnBrk="0" hangingPunct="1">
+              <a:spcBef>
+                <a:spcPts val="1000"/>
+              </a:spcBef>
+              <a:spcAft>
+                <a:spcPts val="0"/>
+              </a:spcAft>
+              <a:buClr>
+                <a:schemeClr val="accent1"/>
+              </a:buClr>
+              <a:buSzPct val="80000"/>
+              <a:buFont typeface="Wingdings 3" charset="2"/>
+              <a:buChar char=""/>
+              <a:defRPr sz="1200" kern="1200">
+                <a:solidFill>
+                  <a:schemeClr val="tx1">
+                    <a:lumMod val="75000"/>
+                    <a:lumOff val="25000"/>
+                  </a:schemeClr>
+                </a:solidFill>
+                <a:latin typeface="+mn-lt"/>
+                <a:ea typeface="+mn-ea"/>
+                <a:cs typeface="+mn-cs"/>
+              </a:defRPr>
+            </a:lvl9pPr>
+          </a:lstStyle>
+          <a:p>
+            <a:r>
+              <a:rPr lang="it-IT" dirty="0" err="1"/>
+              <a:t>Accuracy</a:t>
+            </a:r>
+            <a:r>
+              <a:rPr lang="it-IT" dirty="0"/>
+              <a:t> dataset B: 92.7%</a:t>
+            </a:r>
+          </a:p>
+        </p:txBody>
+      </p:sp>
+      <p:pic>
+        <p:nvPicPr>
+          <p:cNvPr id="4" name="Picture 3">
+            <a:extLst>
+              <a:ext uri="{FF2B5EF4-FFF2-40B4-BE49-F238E27FC236}">
+                <a16:creationId xmlns:a16="http://schemas.microsoft.com/office/drawing/2014/main" id="{6829F329-BD6F-2441-BBDE-7EDC239503AC}"/>
+              </a:ext>
+            </a:extLst>
+          </p:cNvPr>
+          <p:cNvPicPr>
+            <a:picLocks noChangeAspect="1"/>
+          </p:cNvPicPr>
+          <p:nvPr/>
+        </p:nvPicPr>
+        <p:blipFill>
+          <a:blip r:embed="rId2"/>
+          <a:stretch>
+            <a:fillRect/>
+          </a:stretch>
+        </p:blipFill>
+        <p:spPr>
+          <a:xfrm>
+            <a:off x="396046" y="2514337"/>
+            <a:ext cx="4406599" cy="2309911"/>
+          </a:xfrm>
+          <a:prstGeom prst="rect">
+            <a:avLst/>
+          </a:prstGeom>
+        </p:spPr>
+      </p:pic>
+      <p:pic>
+        <p:nvPicPr>
+          <p:cNvPr id="5" name="Picture 4">
+            <a:extLst>
+              <a:ext uri="{FF2B5EF4-FFF2-40B4-BE49-F238E27FC236}">
+                <a16:creationId xmlns:a16="http://schemas.microsoft.com/office/drawing/2014/main" id="{3DCDABA2-073A-754D-BCA9-C17042F907E4}"/>
+              </a:ext>
+            </a:extLst>
+          </p:cNvPr>
+          <p:cNvPicPr>
+            <a:picLocks noChangeAspect="1"/>
+          </p:cNvPicPr>
+          <p:nvPr/>
+        </p:nvPicPr>
+        <p:blipFill>
+          <a:blip r:embed="rId3"/>
+          <a:stretch>
+            <a:fillRect/>
+          </a:stretch>
+        </p:blipFill>
+        <p:spPr>
+          <a:xfrm>
+            <a:off x="4802645" y="2459418"/>
+            <a:ext cx="4839975" cy="2469931"/>
+          </a:xfrm>
+          <a:prstGeom prst="rect">
+            <a:avLst/>
+          </a:prstGeom>
+        </p:spPr>
+      </p:pic>
+    </p:spTree>
+    <p:extLst>
+      <p:ext uri="{BB962C8B-B14F-4D97-AF65-F5344CB8AC3E}">
+        <p14:creationId xmlns:p14="http://schemas.microsoft.com/office/powerpoint/2010/main" val="2311668197"/>
+      </p:ext>
+    </p:extLst>
+  </p:cSld>
+  <p:clrMapOvr>
+    <a:masterClrMapping/>
+  </p:clrMapOvr>
+</p:sld>
+</file>
+
+<file path=ppt/slides/slide15.xml><?xml version="1.0" encoding="utf-8"?>
+<p:sld xmlns:a="http://schemas.openxmlformats.org/drawingml/2006/main" xmlns:r="http://schemas.openxmlformats.org/officeDocument/2006/relationships" xmlns:p="http://schemas.openxmlformats.org/presentationml/2006/main">
+  <p:cSld>
+    <p:spTree>
+      <p:nvGrpSpPr>
+        <p:cNvPr id="1" name=""/>
+        <p:cNvGrpSpPr/>
+        <p:nvPr/>
+      </p:nvGrpSpPr>
+      <p:grpSpPr>
+        <a:xfrm>
+          <a:off x="0" y="0"/>
+          <a:ext cx="0" cy="0"/>
+          <a:chOff x="0" y="0"/>
+          <a:chExt cx="0" cy="0"/>
+        </a:xfrm>
+      </p:grpSpPr>
+      <p:sp>
+        <p:nvSpPr>
+          <p:cNvPr id="2" name="Title 1">
+            <a:extLst>
+              <a:ext uri="{FF2B5EF4-FFF2-40B4-BE49-F238E27FC236}">
+                <a16:creationId xmlns:a16="http://schemas.microsoft.com/office/drawing/2014/main" id="{512B551A-F926-E34B-99EA-14D72B5BD3E6}"/>
+              </a:ext>
+            </a:extLst>
+          </p:cNvPr>
+          <p:cNvSpPr>
+            <a:spLocks noGrp="1"/>
+          </p:cNvSpPr>
+          <p:nvPr>
+            <p:ph type="title"/>
+          </p:nvPr>
+        </p:nvSpPr>
+        <p:spPr/>
+        <p:txBody>
+          <a:bodyPr/>
+          <a:lstStyle/>
+          <a:p>
+            <a:r>
+              <a:rPr lang="it-IT" dirty="0"/>
+              <a:t>Conclusioni</a:t>
+            </a:r>
+          </a:p>
+        </p:txBody>
+      </p:sp>
+      <p:sp>
+        <p:nvSpPr>
+          <p:cNvPr id="3" name="Content Placeholder 2">
+            <a:extLst>
+              <a:ext uri="{FF2B5EF4-FFF2-40B4-BE49-F238E27FC236}">
+                <a16:creationId xmlns:a16="http://schemas.microsoft.com/office/drawing/2014/main" id="{F9B395B6-DE20-FA48-8F24-A78A7245F32C}"/>
+              </a:ext>
+            </a:extLst>
+          </p:cNvPr>
+          <p:cNvSpPr>
+            <a:spLocks noGrp="1"/>
+          </p:cNvSpPr>
+          <p:nvPr>
+            <p:ph idx="1"/>
+          </p:nvPr>
+        </p:nvSpPr>
+        <p:spPr/>
+        <p:txBody>
+          <a:bodyPr/>
+          <a:lstStyle/>
+          <a:p>
+            <a:endParaRPr lang="it-IT" dirty="0"/>
+          </a:p>
+        </p:txBody>
+      </p:sp>
+    </p:spTree>
+    <p:extLst>
+      <p:ext uri="{BB962C8B-B14F-4D97-AF65-F5344CB8AC3E}">
+        <p14:creationId xmlns:p14="http://schemas.microsoft.com/office/powerpoint/2010/main" val="1988831465"/>
       </p:ext>
     </p:extLst>
   </p:cSld>
@@ -5877,7 +8086,7 @@
           <p:cNvPr id="2" name="Title 1">
             <a:extLst>
               <a:ext uri="{FF2B5EF4-FFF2-40B4-BE49-F238E27FC236}">
-                <a16:creationId xmlns:a16="http://schemas.microsoft.com/office/drawing/2014/main" id="{8B9BB449-1F1D-7948-A5EE-32957D94ED2F}"/>
+                <a16:creationId xmlns:a16="http://schemas.microsoft.com/office/drawing/2014/main" id="{303A90F8-D0F1-F94A-9840-03E46DF56F0C}"/>
               </a:ext>
             </a:extLst>
           </p:cNvPr>
@@ -5894,8 +8103,8 @@
           <a:lstStyle/>
           <a:p>
             <a:r>
-              <a:rPr lang="it-IT"/>
-              <a:t>Smarthouse</a:t>
+              <a:rPr lang="it-IT" dirty="0"/>
+              <a:t>Dataset Iniziali</a:t>
             </a:r>
           </a:p>
         </p:txBody>
@@ -5905,7 +8114,7 @@
           <p:cNvPr id="3" name="Content Placeholder 2">
             <a:extLst>
               <a:ext uri="{FF2B5EF4-FFF2-40B4-BE49-F238E27FC236}">
-                <a16:creationId xmlns:a16="http://schemas.microsoft.com/office/drawing/2014/main" id="{CBBA958A-FD74-8C41-BF72-4B6A4E0FB470}"/>
+                <a16:creationId xmlns:a16="http://schemas.microsoft.com/office/drawing/2014/main" id="{299E2872-545D-584E-8860-D6B2C9FDF21B}"/>
               </a:ext>
             </a:extLst>
           </p:cNvPr>
@@ -5916,19 +8125,662 @@
             <p:ph idx="1"/>
           </p:nvPr>
         </p:nvSpPr>
-        <p:spPr/>
-        <p:txBody>
-          <a:bodyPr/>
+        <p:spPr>
+          <a:xfrm>
+            <a:off x="677334" y="1414356"/>
+            <a:ext cx="9212900" cy="5049506"/>
+          </a:xfrm>
+        </p:spPr>
+        <p:txBody>
+          <a:bodyPr>
+            <a:normAutofit/>
+          </a:bodyPr>
           <a:lstStyle/>
           <a:p>
-            <a:endParaRPr lang="it-IT"/>
+            <a:r>
+              <a:rPr lang="it-IT" sz="2400" dirty="0"/>
+              <a:t>Due dataset relativi a due abitazioni separate (A e B)</a:t>
+            </a:r>
+          </a:p>
+          <a:p>
+            <a:pPr lvl="1"/>
+            <a:r>
+              <a:rPr lang="it-IT" sz="2200" dirty="0"/>
+              <a:t>14 giorni per il dataset A, 21 giorni per il dataset B</a:t>
+            </a:r>
+          </a:p>
+          <a:p>
+            <a:r>
+              <a:rPr lang="it-IT" sz="2400" dirty="0"/>
+              <a:t>Per ognuna due dataset in formato testuale:</a:t>
+            </a:r>
+          </a:p>
+          <a:p>
+            <a:endParaRPr lang="it-IT" sz="2400" dirty="0"/>
+          </a:p>
+          <a:p>
+            <a:endParaRPr lang="it-IT" sz="2400" dirty="0"/>
+          </a:p>
+          <a:p>
+            <a:endParaRPr lang="it-IT" sz="2400" dirty="0"/>
+          </a:p>
+          <a:p>
+            <a:pPr marL="0" indent="0">
+              <a:buNone/>
+            </a:pPr>
+            <a:endParaRPr lang="it-IT" sz="2800" dirty="0"/>
+          </a:p>
+          <a:p>
+            <a:r>
+              <a:rPr lang="it-IT" sz="2400" dirty="0"/>
+              <a:t>12 sensori</a:t>
+            </a:r>
+          </a:p>
+          <a:p>
+            <a:r>
+              <a:rPr lang="it-IT" sz="2400" dirty="0"/>
+              <a:t>10 attività</a:t>
+            </a:r>
+          </a:p>
+        </p:txBody>
+      </p:sp>
+      <p:sp>
+        <p:nvSpPr>
+          <p:cNvPr id="5" name="Content Placeholder 2">
+            <a:extLst>
+              <a:ext uri="{FF2B5EF4-FFF2-40B4-BE49-F238E27FC236}">
+                <a16:creationId xmlns:a16="http://schemas.microsoft.com/office/drawing/2014/main" id="{7D6DC3BE-684C-D948-981A-CE0653420004}"/>
+              </a:ext>
+            </a:extLst>
+          </p:cNvPr>
+          <p:cNvSpPr txBox="1">
+            <a:spLocks/>
+          </p:cNvSpPr>
+          <p:nvPr/>
+        </p:nvSpPr>
+        <p:spPr>
+          <a:xfrm>
+            <a:off x="677334" y="2974429"/>
+            <a:ext cx="4682942" cy="3217202"/>
+          </a:xfrm>
+          <a:prstGeom prst="rect">
+            <a:avLst/>
+          </a:prstGeom>
+        </p:spPr>
+        <p:txBody>
+          <a:bodyPr vert="horz" lIns="91440" tIns="45720" rIns="91440" bIns="45720" rtlCol="0">
+            <a:normAutofit/>
+          </a:bodyPr>
+          <a:lstStyle>
+            <a:lvl1pPr marL="342900" indent="-342900" algn="l" defTabSz="457200" rtl="0" eaLnBrk="1" latinLnBrk="0" hangingPunct="1">
+              <a:spcBef>
+                <a:spcPts val="1000"/>
+              </a:spcBef>
+              <a:spcAft>
+                <a:spcPts val="0"/>
+              </a:spcAft>
+              <a:buClr>
+                <a:schemeClr val="accent1"/>
+              </a:buClr>
+              <a:buSzPct val="80000"/>
+              <a:buFont typeface="Wingdings 3" charset="2"/>
+              <a:buChar char=""/>
+              <a:defRPr sz="1800" kern="1200">
+                <a:solidFill>
+                  <a:schemeClr val="tx1">
+                    <a:lumMod val="75000"/>
+                    <a:lumOff val="25000"/>
+                  </a:schemeClr>
+                </a:solidFill>
+                <a:latin typeface="+mn-lt"/>
+                <a:ea typeface="+mn-ea"/>
+                <a:cs typeface="+mn-cs"/>
+              </a:defRPr>
+            </a:lvl1pPr>
+            <a:lvl2pPr marL="742950" indent="-285750" algn="l" defTabSz="457200" rtl="0" eaLnBrk="1" latinLnBrk="0" hangingPunct="1">
+              <a:spcBef>
+                <a:spcPts val="1000"/>
+              </a:spcBef>
+              <a:spcAft>
+                <a:spcPts val="0"/>
+              </a:spcAft>
+              <a:buClr>
+                <a:schemeClr val="accent1"/>
+              </a:buClr>
+              <a:buSzPct val="80000"/>
+              <a:buFont typeface="Wingdings 3" charset="2"/>
+              <a:buChar char=""/>
+              <a:defRPr sz="1600" kern="1200">
+                <a:solidFill>
+                  <a:schemeClr val="tx1">
+                    <a:lumMod val="75000"/>
+                    <a:lumOff val="25000"/>
+                  </a:schemeClr>
+                </a:solidFill>
+                <a:latin typeface="+mn-lt"/>
+                <a:ea typeface="+mn-ea"/>
+                <a:cs typeface="+mn-cs"/>
+              </a:defRPr>
+            </a:lvl2pPr>
+            <a:lvl3pPr marL="1143000" indent="-228600" algn="l" defTabSz="457200" rtl="0" eaLnBrk="1" latinLnBrk="0" hangingPunct="1">
+              <a:spcBef>
+                <a:spcPts val="1000"/>
+              </a:spcBef>
+              <a:spcAft>
+                <a:spcPts val="0"/>
+              </a:spcAft>
+              <a:buClr>
+                <a:schemeClr val="accent1"/>
+              </a:buClr>
+              <a:buSzPct val="80000"/>
+              <a:buFont typeface="Wingdings 3" charset="2"/>
+              <a:buChar char=""/>
+              <a:defRPr sz="1400" kern="1200">
+                <a:solidFill>
+                  <a:schemeClr val="tx1">
+                    <a:lumMod val="75000"/>
+                    <a:lumOff val="25000"/>
+                  </a:schemeClr>
+                </a:solidFill>
+                <a:latin typeface="+mn-lt"/>
+                <a:ea typeface="+mn-ea"/>
+                <a:cs typeface="+mn-cs"/>
+              </a:defRPr>
+            </a:lvl3pPr>
+            <a:lvl4pPr marL="1600200" indent="-228600" algn="l" defTabSz="457200" rtl="0" eaLnBrk="1" latinLnBrk="0" hangingPunct="1">
+              <a:spcBef>
+                <a:spcPts val="1000"/>
+              </a:spcBef>
+              <a:spcAft>
+                <a:spcPts val="0"/>
+              </a:spcAft>
+              <a:buClr>
+                <a:schemeClr val="accent1"/>
+              </a:buClr>
+              <a:buSzPct val="80000"/>
+              <a:buFont typeface="Wingdings 3" charset="2"/>
+              <a:buChar char=""/>
+              <a:defRPr sz="1200" kern="1200">
+                <a:solidFill>
+                  <a:schemeClr val="tx1">
+                    <a:lumMod val="75000"/>
+                    <a:lumOff val="25000"/>
+                  </a:schemeClr>
+                </a:solidFill>
+                <a:latin typeface="+mn-lt"/>
+                <a:ea typeface="+mn-ea"/>
+                <a:cs typeface="+mn-cs"/>
+              </a:defRPr>
+            </a:lvl4pPr>
+            <a:lvl5pPr marL="2057400" indent="-228600" algn="l" defTabSz="457200" rtl="0" eaLnBrk="1" latinLnBrk="0" hangingPunct="1">
+              <a:spcBef>
+                <a:spcPts val="1000"/>
+              </a:spcBef>
+              <a:spcAft>
+                <a:spcPts val="0"/>
+              </a:spcAft>
+              <a:buClr>
+                <a:schemeClr val="accent1"/>
+              </a:buClr>
+              <a:buSzPct val="80000"/>
+              <a:buFont typeface="Wingdings 3" charset="2"/>
+              <a:buChar char=""/>
+              <a:defRPr sz="1200" kern="1200">
+                <a:solidFill>
+                  <a:schemeClr val="tx1">
+                    <a:lumMod val="75000"/>
+                    <a:lumOff val="25000"/>
+                  </a:schemeClr>
+                </a:solidFill>
+                <a:latin typeface="+mn-lt"/>
+                <a:ea typeface="+mn-ea"/>
+                <a:cs typeface="+mn-cs"/>
+              </a:defRPr>
+            </a:lvl5pPr>
+            <a:lvl6pPr marL="2514600" indent="-228600" algn="l" defTabSz="457200" rtl="0" eaLnBrk="1" latinLnBrk="0" hangingPunct="1">
+              <a:spcBef>
+                <a:spcPts val="1000"/>
+              </a:spcBef>
+              <a:spcAft>
+                <a:spcPts val="0"/>
+              </a:spcAft>
+              <a:buClr>
+                <a:schemeClr val="accent1"/>
+              </a:buClr>
+              <a:buSzPct val="80000"/>
+              <a:buFont typeface="Wingdings 3" charset="2"/>
+              <a:buChar char=""/>
+              <a:defRPr sz="1200" kern="1200">
+                <a:solidFill>
+                  <a:schemeClr val="tx1">
+                    <a:lumMod val="75000"/>
+                    <a:lumOff val="25000"/>
+                  </a:schemeClr>
+                </a:solidFill>
+                <a:latin typeface="+mn-lt"/>
+                <a:ea typeface="+mn-ea"/>
+                <a:cs typeface="+mn-cs"/>
+              </a:defRPr>
+            </a:lvl6pPr>
+            <a:lvl7pPr marL="2971800" indent="-228600" algn="l" defTabSz="457200" rtl="0" eaLnBrk="1" latinLnBrk="0" hangingPunct="1">
+              <a:spcBef>
+                <a:spcPts val="1000"/>
+              </a:spcBef>
+              <a:spcAft>
+                <a:spcPts val="0"/>
+              </a:spcAft>
+              <a:buClr>
+                <a:schemeClr val="accent1"/>
+              </a:buClr>
+              <a:buSzPct val="80000"/>
+              <a:buFont typeface="Wingdings 3" charset="2"/>
+              <a:buChar char=""/>
+              <a:defRPr sz="1200" kern="1200">
+                <a:solidFill>
+                  <a:schemeClr val="tx1">
+                    <a:lumMod val="75000"/>
+                    <a:lumOff val="25000"/>
+                  </a:schemeClr>
+                </a:solidFill>
+                <a:latin typeface="+mn-lt"/>
+                <a:ea typeface="+mn-ea"/>
+                <a:cs typeface="+mn-cs"/>
+              </a:defRPr>
+            </a:lvl7pPr>
+            <a:lvl8pPr marL="3429000" indent="-228600" algn="l" defTabSz="457200" rtl="0" eaLnBrk="1" latinLnBrk="0" hangingPunct="1">
+              <a:spcBef>
+                <a:spcPts val="1000"/>
+              </a:spcBef>
+              <a:spcAft>
+                <a:spcPts val="0"/>
+              </a:spcAft>
+              <a:buClr>
+                <a:schemeClr val="accent1"/>
+              </a:buClr>
+              <a:buSzPct val="80000"/>
+              <a:buFont typeface="Wingdings 3" charset="2"/>
+              <a:buChar char=""/>
+              <a:defRPr sz="1200" kern="1200">
+                <a:solidFill>
+                  <a:schemeClr val="tx1">
+                    <a:lumMod val="75000"/>
+                    <a:lumOff val="25000"/>
+                  </a:schemeClr>
+                </a:solidFill>
+                <a:latin typeface="+mn-lt"/>
+                <a:ea typeface="+mn-ea"/>
+                <a:cs typeface="+mn-cs"/>
+              </a:defRPr>
+            </a:lvl8pPr>
+            <a:lvl9pPr marL="3886200" indent="-228600" algn="l" defTabSz="457200" rtl="0" eaLnBrk="1" latinLnBrk="0" hangingPunct="1">
+              <a:spcBef>
+                <a:spcPts val="1000"/>
+              </a:spcBef>
+              <a:spcAft>
+                <a:spcPts val="0"/>
+              </a:spcAft>
+              <a:buClr>
+                <a:schemeClr val="accent1"/>
+              </a:buClr>
+              <a:buSzPct val="80000"/>
+              <a:buFont typeface="Wingdings 3" charset="2"/>
+              <a:buChar char=""/>
+              <a:defRPr sz="1200" kern="1200">
+                <a:solidFill>
+                  <a:schemeClr val="tx1">
+                    <a:lumMod val="75000"/>
+                    <a:lumOff val="25000"/>
+                  </a:schemeClr>
+                </a:solidFill>
+                <a:latin typeface="+mn-lt"/>
+                <a:ea typeface="+mn-ea"/>
+                <a:cs typeface="+mn-cs"/>
+              </a:defRPr>
+            </a:lvl9pPr>
+          </a:lstStyle>
+          <a:p>
+            <a:pPr lvl="1"/>
+            <a:r>
+              <a:rPr lang="it-IT" sz="2000" dirty="0"/>
+              <a:t>Attività rilevate:</a:t>
+            </a:r>
+          </a:p>
+          <a:p>
+            <a:pPr lvl="2"/>
+            <a:r>
+              <a:rPr lang="it-IT" sz="1800" dirty="0" err="1"/>
+              <a:t>start_time</a:t>
+            </a:r>
+            <a:endParaRPr lang="it-IT" sz="1800" dirty="0"/>
+          </a:p>
+          <a:p>
+            <a:pPr lvl="2"/>
+            <a:r>
+              <a:rPr lang="it-IT" sz="1800" dirty="0" err="1"/>
+              <a:t>end_time</a:t>
+            </a:r>
+            <a:endParaRPr lang="it-IT" sz="1800" dirty="0"/>
+          </a:p>
+          <a:p>
+            <a:pPr lvl="2"/>
+            <a:r>
+              <a:rPr lang="it-IT" sz="1800" dirty="0" err="1"/>
+              <a:t>activity</a:t>
+            </a:r>
+            <a:endParaRPr lang="it-IT" sz="1800" dirty="0"/>
+          </a:p>
+        </p:txBody>
+      </p:sp>
+      <p:sp>
+        <p:nvSpPr>
+          <p:cNvPr id="6" name="Content Placeholder 2">
+            <a:extLst>
+              <a:ext uri="{FF2B5EF4-FFF2-40B4-BE49-F238E27FC236}">
+                <a16:creationId xmlns:a16="http://schemas.microsoft.com/office/drawing/2014/main" id="{5CE2D472-7A48-F245-9005-AE5042BCD6C3}"/>
+              </a:ext>
+            </a:extLst>
+          </p:cNvPr>
+          <p:cNvSpPr txBox="1">
+            <a:spLocks/>
+          </p:cNvSpPr>
+          <p:nvPr/>
+        </p:nvSpPr>
+        <p:spPr>
+          <a:xfrm>
+            <a:off x="4087941" y="2974429"/>
+            <a:ext cx="4682942" cy="3217202"/>
+          </a:xfrm>
+          <a:prstGeom prst="rect">
+            <a:avLst/>
+          </a:prstGeom>
+        </p:spPr>
+        <p:txBody>
+          <a:bodyPr vert="horz" lIns="91440" tIns="45720" rIns="91440" bIns="45720" rtlCol="0">
+            <a:normAutofit/>
+          </a:bodyPr>
+          <a:lstStyle>
+            <a:lvl1pPr marL="342900" indent="-342900" algn="l" defTabSz="457200" rtl="0" eaLnBrk="1" latinLnBrk="0" hangingPunct="1">
+              <a:spcBef>
+                <a:spcPts val="1000"/>
+              </a:spcBef>
+              <a:spcAft>
+                <a:spcPts val="0"/>
+              </a:spcAft>
+              <a:buClr>
+                <a:schemeClr val="accent1"/>
+              </a:buClr>
+              <a:buSzPct val="80000"/>
+              <a:buFont typeface="Wingdings 3" charset="2"/>
+              <a:buChar char=""/>
+              <a:defRPr sz="1800" kern="1200">
+                <a:solidFill>
+                  <a:schemeClr val="tx1">
+                    <a:lumMod val="75000"/>
+                    <a:lumOff val="25000"/>
+                  </a:schemeClr>
+                </a:solidFill>
+                <a:latin typeface="+mn-lt"/>
+                <a:ea typeface="+mn-ea"/>
+                <a:cs typeface="+mn-cs"/>
+              </a:defRPr>
+            </a:lvl1pPr>
+            <a:lvl2pPr marL="742950" indent="-285750" algn="l" defTabSz="457200" rtl="0" eaLnBrk="1" latinLnBrk="0" hangingPunct="1">
+              <a:spcBef>
+                <a:spcPts val="1000"/>
+              </a:spcBef>
+              <a:spcAft>
+                <a:spcPts val="0"/>
+              </a:spcAft>
+              <a:buClr>
+                <a:schemeClr val="accent1"/>
+              </a:buClr>
+              <a:buSzPct val="80000"/>
+              <a:buFont typeface="Wingdings 3" charset="2"/>
+              <a:buChar char=""/>
+              <a:defRPr sz="1600" kern="1200">
+                <a:solidFill>
+                  <a:schemeClr val="tx1">
+                    <a:lumMod val="75000"/>
+                    <a:lumOff val="25000"/>
+                  </a:schemeClr>
+                </a:solidFill>
+                <a:latin typeface="+mn-lt"/>
+                <a:ea typeface="+mn-ea"/>
+                <a:cs typeface="+mn-cs"/>
+              </a:defRPr>
+            </a:lvl2pPr>
+            <a:lvl3pPr marL="1143000" indent="-228600" algn="l" defTabSz="457200" rtl="0" eaLnBrk="1" latinLnBrk="0" hangingPunct="1">
+              <a:spcBef>
+                <a:spcPts val="1000"/>
+              </a:spcBef>
+              <a:spcAft>
+                <a:spcPts val="0"/>
+              </a:spcAft>
+              <a:buClr>
+                <a:schemeClr val="accent1"/>
+              </a:buClr>
+              <a:buSzPct val="80000"/>
+              <a:buFont typeface="Wingdings 3" charset="2"/>
+              <a:buChar char=""/>
+              <a:defRPr sz="1400" kern="1200">
+                <a:solidFill>
+                  <a:schemeClr val="tx1">
+                    <a:lumMod val="75000"/>
+                    <a:lumOff val="25000"/>
+                  </a:schemeClr>
+                </a:solidFill>
+                <a:latin typeface="+mn-lt"/>
+                <a:ea typeface="+mn-ea"/>
+                <a:cs typeface="+mn-cs"/>
+              </a:defRPr>
+            </a:lvl3pPr>
+            <a:lvl4pPr marL="1600200" indent="-228600" algn="l" defTabSz="457200" rtl="0" eaLnBrk="1" latinLnBrk="0" hangingPunct="1">
+              <a:spcBef>
+                <a:spcPts val="1000"/>
+              </a:spcBef>
+              <a:spcAft>
+                <a:spcPts val="0"/>
+              </a:spcAft>
+              <a:buClr>
+                <a:schemeClr val="accent1"/>
+              </a:buClr>
+              <a:buSzPct val="80000"/>
+              <a:buFont typeface="Wingdings 3" charset="2"/>
+              <a:buChar char=""/>
+              <a:defRPr sz="1200" kern="1200">
+                <a:solidFill>
+                  <a:schemeClr val="tx1">
+                    <a:lumMod val="75000"/>
+                    <a:lumOff val="25000"/>
+                  </a:schemeClr>
+                </a:solidFill>
+                <a:latin typeface="+mn-lt"/>
+                <a:ea typeface="+mn-ea"/>
+                <a:cs typeface="+mn-cs"/>
+              </a:defRPr>
+            </a:lvl4pPr>
+            <a:lvl5pPr marL="2057400" indent="-228600" algn="l" defTabSz="457200" rtl="0" eaLnBrk="1" latinLnBrk="0" hangingPunct="1">
+              <a:spcBef>
+                <a:spcPts val="1000"/>
+              </a:spcBef>
+              <a:spcAft>
+                <a:spcPts val="0"/>
+              </a:spcAft>
+              <a:buClr>
+                <a:schemeClr val="accent1"/>
+              </a:buClr>
+              <a:buSzPct val="80000"/>
+              <a:buFont typeface="Wingdings 3" charset="2"/>
+              <a:buChar char=""/>
+              <a:defRPr sz="1200" kern="1200">
+                <a:solidFill>
+                  <a:schemeClr val="tx1">
+                    <a:lumMod val="75000"/>
+                    <a:lumOff val="25000"/>
+                  </a:schemeClr>
+                </a:solidFill>
+                <a:latin typeface="+mn-lt"/>
+                <a:ea typeface="+mn-ea"/>
+                <a:cs typeface="+mn-cs"/>
+              </a:defRPr>
+            </a:lvl5pPr>
+            <a:lvl6pPr marL="2514600" indent="-228600" algn="l" defTabSz="457200" rtl="0" eaLnBrk="1" latinLnBrk="0" hangingPunct="1">
+              <a:spcBef>
+                <a:spcPts val="1000"/>
+              </a:spcBef>
+              <a:spcAft>
+                <a:spcPts val="0"/>
+              </a:spcAft>
+              <a:buClr>
+                <a:schemeClr val="accent1"/>
+              </a:buClr>
+              <a:buSzPct val="80000"/>
+              <a:buFont typeface="Wingdings 3" charset="2"/>
+              <a:buChar char=""/>
+              <a:defRPr sz="1200" kern="1200">
+                <a:solidFill>
+                  <a:schemeClr val="tx1">
+                    <a:lumMod val="75000"/>
+                    <a:lumOff val="25000"/>
+                  </a:schemeClr>
+                </a:solidFill>
+                <a:latin typeface="+mn-lt"/>
+                <a:ea typeface="+mn-ea"/>
+                <a:cs typeface="+mn-cs"/>
+              </a:defRPr>
+            </a:lvl6pPr>
+            <a:lvl7pPr marL="2971800" indent="-228600" algn="l" defTabSz="457200" rtl="0" eaLnBrk="1" latinLnBrk="0" hangingPunct="1">
+              <a:spcBef>
+                <a:spcPts val="1000"/>
+              </a:spcBef>
+              <a:spcAft>
+                <a:spcPts val="0"/>
+              </a:spcAft>
+              <a:buClr>
+                <a:schemeClr val="accent1"/>
+              </a:buClr>
+              <a:buSzPct val="80000"/>
+              <a:buFont typeface="Wingdings 3" charset="2"/>
+              <a:buChar char=""/>
+              <a:defRPr sz="1200" kern="1200">
+                <a:solidFill>
+                  <a:schemeClr val="tx1">
+                    <a:lumMod val="75000"/>
+                    <a:lumOff val="25000"/>
+                  </a:schemeClr>
+                </a:solidFill>
+                <a:latin typeface="+mn-lt"/>
+                <a:ea typeface="+mn-ea"/>
+                <a:cs typeface="+mn-cs"/>
+              </a:defRPr>
+            </a:lvl7pPr>
+            <a:lvl8pPr marL="3429000" indent="-228600" algn="l" defTabSz="457200" rtl="0" eaLnBrk="1" latinLnBrk="0" hangingPunct="1">
+              <a:spcBef>
+                <a:spcPts val="1000"/>
+              </a:spcBef>
+              <a:spcAft>
+                <a:spcPts val="0"/>
+              </a:spcAft>
+              <a:buClr>
+                <a:schemeClr val="accent1"/>
+              </a:buClr>
+              <a:buSzPct val="80000"/>
+              <a:buFont typeface="Wingdings 3" charset="2"/>
+              <a:buChar char=""/>
+              <a:defRPr sz="1200" kern="1200">
+                <a:solidFill>
+                  <a:schemeClr val="tx1">
+                    <a:lumMod val="75000"/>
+                    <a:lumOff val="25000"/>
+                  </a:schemeClr>
+                </a:solidFill>
+                <a:latin typeface="+mn-lt"/>
+                <a:ea typeface="+mn-ea"/>
+                <a:cs typeface="+mn-cs"/>
+              </a:defRPr>
+            </a:lvl8pPr>
+            <a:lvl9pPr marL="3886200" indent="-228600" algn="l" defTabSz="457200" rtl="0" eaLnBrk="1" latinLnBrk="0" hangingPunct="1">
+              <a:spcBef>
+                <a:spcPts val="1000"/>
+              </a:spcBef>
+              <a:spcAft>
+                <a:spcPts val="0"/>
+              </a:spcAft>
+              <a:buClr>
+                <a:schemeClr val="accent1"/>
+              </a:buClr>
+              <a:buSzPct val="80000"/>
+              <a:buFont typeface="Wingdings 3" charset="2"/>
+              <a:buChar char=""/>
+              <a:defRPr sz="1200" kern="1200">
+                <a:solidFill>
+                  <a:schemeClr val="tx1">
+                    <a:lumMod val="75000"/>
+                    <a:lumOff val="25000"/>
+                  </a:schemeClr>
+                </a:solidFill>
+                <a:latin typeface="+mn-lt"/>
+                <a:ea typeface="+mn-ea"/>
+                <a:cs typeface="+mn-cs"/>
+              </a:defRPr>
+            </a:lvl9pPr>
+          </a:lstStyle>
+          <a:p>
+            <a:pPr lvl="1"/>
+            <a:r>
+              <a:rPr lang="it-IT" sz="2000" dirty="0"/>
+              <a:t>Sensori attivi:</a:t>
+            </a:r>
+          </a:p>
+          <a:p>
+            <a:pPr lvl="2"/>
+            <a:r>
+              <a:rPr lang="it-IT" sz="1800" dirty="0" err="1"/>
+              <a:t>start_time</a:t>
+            </a:r>
+            <a:endParaRPr lang="it-IT" sz="1800" dirty="0"/>
+          </a:p>
+          <a:p>
+            <a:pPr lvl="2"/>
+            <a:r>
+              <a:rPr lang="it-IT" sz="1800" dirty="0" err="1"/>
+              <a:t>end_time</a:t>
+            </a:r>
+            <a:endParaRPr lang="it-IT" sz="1800" dirty="0"/>
+          </a:p>
+          <a:p>
+            <a:pPr lvl="2"/>
+            <a:r>
+              <a:rPr lang="it-IT" sz="1800" dirty="0"/>
+              <a:t>location</a:t>
+            </a:r>
+          </a:p>
+          <a:p>
+            <a:pPr lvl="2"/>
+            <a:r>
+              <a:rPr lang="it-IT" sz="1800" dirty="0" err="1"/>
+              <a:t>type</a:t>
+            </a:r>
+            <a:endParaRPr lang="it-IT" sz="1800" dirty="0"/>
+          </a:p>
+          <a:p>
+            <a:pPr lvl="2"/>
+            <a:r>
+              <a:rPr lang="it-IT" sz="1800" dirty="0" err="1"/>
+              <a:t>place</a:t>
+            </a:r>
+            <a:endParaRPr lang="it-IT" sz="1800" dirty="0"/>
+          </a:p>
+          <a:p>
+            <a:pPr lvl="2"/>
+            <a:endParaRPr lang="it-IT" sz="1800" dirty="0"/>
           </a:p>
         </p:txBody>
       </p:sp>
     </p:spTree>
     <p:extLst>
       <p:ext uri="{BB962C8B-B14F-4D97-AF65-F5344CB8AC3E}">
-        <p14:creationId xmlns:p14="http://schemas.microsoft.com/office/powerpoint/2010/main" val="1437948342"/>
+        <p14:creationId xmlns:p14="http://schemas.microsoft.com/office/powerpoint/2010/main" val="378274811"/>
       </p:ext>
     </p:extLst>
   </p:cSld>
@@ -5960,7 +8812,7 @@
           <p:cNvPr id="2" name="Title 1">
             <a:extLst>
               <a:ext uri="{FF2B5EF4-FFF2-40B4-BE49-F238E27FC236}">
-                <a16:creationId xmlns:a16="http://schemas.microsoft.com/office/drawing/2014/main" id="{303A90F8-D0F1-F94A-9840-03E46DF56F0C}"/>
+                <a16:creationId xmlns:a16="http://schemas.microsoft.com/office/drawing/2014/main" id="{55811EB1-DDE3-984A-A81A-F15F527F0D13}"/>
               </a:ext>
             </a:extLst>
           </p:cNvPr>
@@ -5977,9 +8829,10 @@
           <a:lstStyle/>
           <a:p>
             <a:r>
-              <a:rPr lang="it-IT" dirty="0"/>
-              <a:t>Dataset Iniziali</a:t>
-            </a:r>
+              <a:rPr lang="it-IT" dirty="0" err="1"/>
+              <a:t>Preprocessing</a:t>
+            </a:r>
+            <a:endParaRPr lang="it-IT" dirty="0"/>
           </a:p>
         </p:txBody>
       </p:sp>
@@ -5988,7 +8841,7 @@
           <p:cNvPr id="3" name="Content Placeholder 2">
             <a:extLst>
               <a:ext uri="{FF2B5EF4-FFF2-40B4-BE49-F238E27FC236}">
-                <a16:creationId xmlns:a16="http://schemas.microsoft.com/office/drawing/2014/main" id="{299E2872-545D-584E-8860-D6B2C9FDF21B}"/>
+                <a16:creationId xmlns:a16="http://schemas.microsoft.com/office/drawing/2014/main" id="{94CCB9EB-5ABF-EF48-B0C3-0FD7E4A3E38B}"/>
               </a:ext>
             </a:extLst>
           </p:cNvPr>
@@ -5999,19 +8852,91 @@
             <p:ph idx="1"/>
           </p:nvPr>
         </p:nvSpPr>
-        <p:spPr/>
+        <p:spPr>
+          <a:xfrm>
+            <a:off x="677334" y="1930401"/>
+            <a:ext cx="8596668" cy="4110962"/>
+          </a:xfrm>
+        </p:spPr>
         <p:txBody>
           <a:bodyPr/>
           <a:lstStyle/>
           <a:p>
-            <a:endParaRPr lang="it-IT"/>
+            <a:r>
+              <a:rPr lang="it-IT" sz="2000" dirty="0"/>
+              <a:t>Correzione manuale di alcuni </a:t>
+            </a:r>
+            <a:r>
+              <a:rPr lang="it-IT" sz="2000" dirty="0" err="1"/>
+              <a:t>timestamp</a:t>
+            </a:r>
+            <a:endParaRPr lang="it-IT" sz="2000" dirty="0"/>
+          </a:p>
+          <a:p>
+            <a:r>
+              <a:rPr lang="it-IT" sz="2000" dirty="0"/>
+              <a:t>Eliminazione manuale di caratteri superflui</a:t>
+            </a:r>
+          </a:p>
+          <a:p>
+            <a:r>
+              <a:rPr lang="it-IT" sz="2000" dirty="0"/>
+              <a:t>Eliminazione delle righe inconsistenti (finiscono prima di iniziare)</a:t>
+            </a:r>
+          </a:p>
+          <a:p>
+            <a:r>
+              <a:rPr lang="it-IT" sz="2000" dirty="0"/>
+              <a:t>Conversione dei valori categorici in interi (es. attività, sensori)</a:t>
+            </a:r>
+          </a:p>
+          <a:p>
+            <a:r>
+              <a:rPr lang="it-IT" sz="2000" dirty="0"/>
+              <a:t>Divisione di attività e rilevazioni in </a:t>
+            </a:r>
+            <a:r>
+              <a:rPr lang="it-IT" sz="2000" dirty="0" err="1"/>
+              <a:t>timeslice</a:t>
+            </a:r>
+            <a:endParaRPr lang="it-IT" sz="2000" dirty="0"/>
+          </a:p>
+          <a:p>
+            <a:r>
+              <a:rPr lang="it-IT" sz="2000" dirty="0"/>
+              <a:t>Associazione dei sensori attivi durante ogni attività (bit </a:t>
+            </a:r>
+            <a:r>
+              <a:rPr lang="it-IT" sz="2000" dirty="0" err="1"/>
+              <a:t>vector</a:t>
+            </a:r>
+            <a:r>
+              <a:rPr lang="it-IT" sz="2000" dirty="0"/>
+              <a:t>)</a:t>
+            </a:r>
+          </a:p>
+          <a:p>
+            <a:pPr lvl="1"/>
+            <a:r>
+              <a:rPr lang="it-IT" sz="1800" dirty="0"/>
+              <a:t>Modellata assenza di attività</a:t>
+            </a:r>
+          </a:p>
+          <a:p>
+            <a:r>
+              <a:rPr lang="it-IT" sz="2000" dirty="0"/>
+              <a:t>Aggiunto periodo della giornata (divisa in quattro periodi)</a:t>
+            </a:r>
+          </a:p>
+          <a:p>
+            <a:endParaRPr lang="it-IT" dirty="0"/>
           </a:p>
         </p:txBody>
       </p:sp>
     </p:spTree>
     <p:extLst>
       <p:ext uri="{BB962C8B-B14F-4D97-AF65-F5344CB8AC3E}">
-        <p14:creationId xmlns:p14="http://schemas.microsoft.com/office/powerpoint/2010/main" val="378274811"/>
+        <p14:creationId xmlns:p14="http://schemas.microsoft.com/office/powerpoint/2010/main" val="4276758786"/>
       </p:ext>
     </p:extLst>
   </p:cSld>
@@ -6043,7 +8968,7 @@
           <p:cNvPr id="2" name="Title 1">
             <a:extLst>
               <a:ext uri="{FF2B5EF4-FFF2-40B4-BE49-F238E27FC236}">
-                <a16:creationId xmlns:a16="http://schemas.microsoft.com/office/drawing/2014/main" id="{55811EB1-DDE3-984A-A81A-F15F527F0D13}"/>
+                <a16:creationId xmlns:a16="http://schemas.microsoft.com/office/drawing/2014/main" id="{92504B15-1EC5-3F41-BF47-EDF987731E49}"/>
               </a:ext>
             </a:extLst>
           </p:cNvPr>
@@ -6060,10 +8985,9 @@
           <a:lstStyle/>
           <a:p>
             <a:r>
-              <a:rPr lang="it-IT" dirty="0" err="1"/>
-              <a:t>Preprocessing</a:t>
-            </a:r>
-            <a:endParaRPr lang="it-IT" dirty="0"/>
+              <a:rPr lang="it-IT" dirty="0"/>
+              <a:t>Dataset Finali</a:t>
+            </a:r>
           </a:p>
         </p:txBody>
       </p:sp>
@@ -6072,7 +8996,7 @@
           <p:cNvPr id="3" name="Content Placeholder 2">
             <a:extLst>
               <a:ext uri="{FF2B5EF4-FFF2-40B4-BE49-F238E27FC236}">
-                <a16:creationId xmlns:a16="http://schemas.microsoft.com/office/drawing/2014/main" id="{94CCB9EB-5ABF-EF48-B0C3-0FD7E4A3E38B}"/>
+                <a16:creationId xmlns:a16="http://schemas.microsoft.com/office/drawing/2014/main" id="{23C4869D-A264-AE43-8C23-E7177F98E675}"/>
               </a:ext>
             </a:extLst>
           </p:cNvPr>
@@ -6083,19 +9007,209 @@
             <p:ph idx="1"/>
           </p:nvPr>
         </p:nvSpPr>
-        <p:spPr/>
-        <p:txBody>
-          <a:bodyPr/>
+        <p:spPr>
+          <a:xfrm>
+            <a:off x="677333" y="1849821"/>
+            <a:ext cx="9013205" cy="4191541"/>
+          </a:xfrm>
+        </p:spPr>
+        <p:txBody>
+          <a:bodyPr>
+            <a:normAutofit/>
+          </a:bodyPr>
           <a:lstStyle/>
           <a:p>
-            <a:endParaRPr lang="it-IT"/>
+            <a:r>
+              <a:rPr lang="it-IT" dirty="0"/>
+              <a:t>Uno per ogni abitazione</a:t>
+            </a:r>
+          </a:p>
+          <a:p>
+            <a:r>
+              <a:rPr lang="it-IT" dirty="0"/>
+              <a:t>Struttura:</a:t>
+            </a:r>
+          </a:p>
+          <a:p>
+            <a:pPr lvl="1"/>
+            <a:r>
+              <a:rPr lang="it-IT" dirty="0" err="1"/>
+              <a:t>timestamp</a:t>
+            </a:r>
+            <a:r>
+              <a:rPr lang="it-IT" dirty="0"/>
+              <a:t>: ora di inizio del </a:t>
+            </a:r>
+            <a:r>
+              <a:rPr lang="it-IT" dirty="0" err="1"/>
+              <a:t>timeslice</a:t>
+            </a:r>
+            <a:endParaRPr lang="it-IT" dirty="0"/>
+          </a:p>
+          <a:p>
+            <a:pPr lvl="1"/>
+            <a:r>
+              <a:rPr lang="it-IT" dirty="0" err="1"/>
+              <a:t>activity</a:t>
+            </a:r>
+            <a:r>
+              <a:rPr lang="it-IT" dirty="0"/>
+              <a:t>: attività corrente</a:t>
+            </a:r>
+          </a:p>
+          <a:p>
+            <a:pPr lvl="1"/>
+            <a:r>
+              <a:rPr lang="it-IT" dirty="0" err="1"/>
+              <a:t>sensors</a:t>
+            </a:r>
+            <a:r>
+              <a:rPr lang="it-IT" dirty="0"/>
+              <a:t>: bit </a:t>
+            </a:r>
+            <a:r>
+              <a:rPr lang="it-IT" dirty="0" err="1"/>
+              <a:t>vector</a:t>
+            </a:r>
+            <a:r>
+              <a:rPr lang="it-IT" dirty="0"/>
+              <a:t> dei sensori (es. 001010010110)</a:t>
+            </a:r>
+          </a:p>
+          <a:p>
+            <a:pPr lvl="1"/>
+            <a:r>
+              <a:rPr lang="it-IT" dirty="0" err="1"/>
+              <a:t>period</a:t>
+            </a:r>
+            <a:r>
+              <a:rPr lang="it-IT" dirty="0"/>
+              <a:t>: periodo della giornata</a:t>
+            </a:r>
+          </a:p>
+          <a:p>
+            <a:r>
+              <a:rPr lang="it-IT" dirty="0"/>
+              <a:t>Dataset A: 0: Breakfast, 1: </a:t>
+            </a:r>
+            <a:r>
+              <a:rPr lang="it-IT" dirty="0" err="1"/>
+              <a:t>Grooming</a:t>
+            </a:r>
+            <a:r>
+              <a:rPr lang="it-IT" dirty="0"/>
+              <a:t>, 2: </a:t>
+            </a:r>
+            <a:r>
+              <a:rPr lang="it-IT" dirty="0" err="1"/>
+              <a:t>Leaving</a:t>
+            </a:r>
+            <a:r>
+              <a:rPr lang="it-IT" dirty="0"/>
+              <a:t>, 3: Lunch, 4: </a:t>
+            </a:r>
+            <a:r>
+              <a:rPr lang="it-IT" dirty="0" err="1"/>
+              <a:t>Showering</a:t>
+            </a:r>
+            <a:r>
+              <a:rPr lang="it-IT" dirty="0"/>
+              <a:t>, 5: Sleeping, 6: Snack, 7: </a:t>
+            </a:r>
+            <a:r>
+              <a:rPr lang="it-IT" dirty="0" err="1"/>
+              <a:t>Spare_Time</a:t>
+            </a:r>
+            <a:r>
+              <a:rPr lang="it-IT" dirty="0"/>
+              <a:t>/TV, 8: </a:t>
+            </a:r>
+            <a:r>
+              <a:rPr lang="it-IT" dirty="0" err="1"/>
+              <a:t>Toileting</a:t>
+            </a:r>
+            <a:r>
+              <a:rPr lang="it-IT" dirty="0"/>
+              <a:t>, 9: No </a:t>
+            </a:r>
+            <a:r>
+              <a:rPr lang="it-IT" dirty="0" err="1"/>
+              <a:t>activity</a:t>
+            </a:r>
+            <a:endParaRPr lang="it-IT" dirty="0"/>
+          </a:p>
+          <a:p>
+            <a:r>
+              <a:rPr lang="it-IT" dirty="0"/>
+              <a:t>Dataset B: 0: Breakfast, 1: </a:t>
+            </a:r>
+            <a:r>
+              <a:rPr lang="it-IT" dirty="0" err="1"/>
+              <a:t>Dinner</a:t>
+            </a:r>
+            <a:r>
+              <a:rPr lang="it-IT" dirty="0"/>
+              <a:t>, 2: </a:t>
+            </a:r>
+            <a:r>
+              <a:rPr lang="it-IT" dirty="0" err="1"/>
+              <a:t>Grooming</a:t>
+            </a:r>
+            <a:r>
+              <a:rPr lang="it-IT" dirty="0"/>
+              <a:t>, 3: </a:t>
+            </a:r>
+            <a:r>
+              <a:rPr lang="it-IT" dirty="0" err="1"/>
+              <a:t>Leaving</a:t>
+            </a:r>
+            <a:r>
+              <a:rPr lang="it-IT" dirty="0"/>
+              <a:t>, 4: Lunch, 5: </a:t>
+            </a:r>
+            <a:r>
+              <a:rPr lang="it-IT" dirty="0" err="1"/>
+              <a:t>Showering</a:t>
+            </a:r>
+            <a:r>
+              <a:rPr lang="it-IT" dirty="0"/>
+              <a:t>, 6: Sleeping, 7: Snack, 8: </a:t>
+            </a:r>
+            <a:r>
+              <a:rPr lang="it-IT" dirty="0" err="1"/>
+              <a:t>Spare_Time</a:t>
+            </a:r>
+            <a:r>
+              <a:rPr lang="it-IT" dirty="0"/>
+              <a:t>/TV, 9: </a:t>
+            </a:r>
+            <a:r>
+              <a:rPr lang="it-IT" dirty="0" err="1"/>
+              <a:t>Toileting</a:t>
+            </a:r>
+            <a:r>
+              <a:rPr lang="it-IT" dirty="0"/>
+              <a:t>, 10: No </a:t>
+            </a:r>
+            <a:r>
+              <a:rPr lang="it-IT" dirty="0" err="1"/>
+              <a:t>activity</a:t>
+            </a:r>
+            <a:endParaRPr lang="it-IT" dirty="0"/>
+          </a:p>
+          <a:p>
+            <a:pPr lvl="1"/>
+            <a:endParaRPr lang="it-IT" dirty="0"/>
+          </a:p>
+          <a:p>
+            <a:endParaRPr lang="it-IT" dirty="0"/>
           </a:p>
         </p:txBody>
       </p:sp>
     </p:spTree>
     <p:extLst>
       <p:ext uri="{BB962C8B-B14F-4D97-AF65-F5344CB8AC3E}">
-        <p14:creationId xmlns:p14="http://schemas.microsoft.com/office/powerpoint/2010/main" val="4276758786"/>
+        <p14:creationId xmlns:p14="http://schemas.microsoft.com/office/powerpoint/2010/main" val="4012740185"/>
       </p:ext>
     </p:extLst>
   </p:cSld>
@@ -6127,7 +9241,7 @@
           <p:cNvPr id="2" name="Title 1">
             <a:extLst>
               <a:ext uri="{FF2B5EF4-FFF2-40B4-BE49-F238E27FC236}">
-                <a16:creationId xmlns:a16="http://schemas.microsoft.com/office/drawing/2014/main" id="{92504B15-1EC5-3F41-BF47-EDF987731E49}"/>
+                <a16:creationId xmlns:a16="http://schemas.microsoft.com/office/drawing/2014/main" id="{7290DDA0-8DCC-644D-9F79-EE0477493263}"/>
               </a:ext>
             </a:extLst>
           </p:cNvPr>
@@ -6145,7 +9259,23 @@
           <a:p>
             <a:r>
               <a:rPr lang="it-IT" dirty="0"/>
-              <a:t>Dataset Finali</a:t>
+              <a:t>Modello - </a:t>
+            </a:r>
+            <a:r>
+              <a:rPr lang="it-IT" dirty="0" err="1"/>
+              <a:t>Hidden</a:t>
+            </a:r>
+            <a:r>
+              <a:rPr lang="it-IT" dirty="0"/>
+              <a:t> </a:t>
+            </a:r>
+            <a:r>
+              <a:rPr lang="it-IT" dirty="0" err="1"/>
+              <a:t>Markov</a:t>
+            </a:r>
+            <a:r>
+              <a:rPr lang="it-IT" dirty="0"/>
+              <a:t> Model</a:t>
             </a:r>
           </a:p>
         </p:txBody>
@@ -6155,7 +9285,7 @@
           <p:cNvPr id="3" name="Content Placeholder 2">
             <a:extLst>
               <a:ext uri="{FF2B5EF4-FFF2-40B4-BE49-F238E27FC236}">
-                <a16:creationId xmlns:a16="http://schemas.microsoft.com/office/drawing/2014/main" id="{23C4869D-A264-AE43-8C23-E7177F98E675}"/>
+                <a16:creationId xmlns:a16="http://schemas.microsoft.com/office/drawing/2014/main" id="{95BD0733-17BE-744D-8497-77DA64A0B38D}"/>
               </a:ext>
             </a:extLst>
           </p:cNvPr>
@@ -6171,14 +9301,66 @@
           <a:bodyPr/>
           <a:lstStyle/>
           <a:p>
-            <a:endParaRPr lang="it-IT"/>
+            <a:r>
+              <a:rPr lang="it-IT" sz="2000" dirty="0"/>
+              <a:t>Discretizzazione del tempo basata su </a:t>
+            </a:r>
+            <a:r>
+              <a:rPr lang="it-IT" sz="2000" dirty="0" err="1"/>
+              <a:t>timeslice</a:t>
+            </a:r>
+            <a:r>
+              <a:rPr lang="it-IT" sz="2000" dirty="0"/>
+              <a:t> di 60s</a:t>
+            </a:r>
+          </a:p>
+          <a:p>
+            <a:r>
+              <a:rPr lang="it-IT" sz="2000" dirty="0"/>
+              <a:t>Stato nascosto: attività svolta</a:t>
+            </a:r>
+          </a:p>
+          <a:p>
+            <a:r>
+              <a:rPr lang="it-IT" sz="2000" dirty="0"/>
+              <a:t>Osservazione: sensori attivi durante il </a:t>
+            </a:r>
+            <a:r>
+              <a:rPr lang="it-IT" sz="2000" dirty="0" err="1"/>
+              <a:t>timeslice</a:t>
+            </a:r>
+            <a:endParaRPr lang="it-IT" sz="2000" dirty="0"/>
+          </a:p>
+          <a:p>
+            <a:pPr lvl="1"/>
+            <a:r>
+              <a:rPr lang="it-IT" sz="1800" dirty="0"/>
+              <a:t>Facoltativamente il periodo della giornata che non è stato considerato a causa delle prestazioni minori</a:t>
+            </a:r>
+          </a:p>
+          <a:p>
+            <a:pPr lvl="1"/>
+            <a:r>
+              <a:rPr lang="it-IT" sz="1800" dirty="0"/>
+              <a:t>Possibilità di considerare le stanze relative ai sensori o la posizione dei sensori. Non considerato anche in questo caso a causa delle prestazioni.</a:t>
+            </a:r>
+          </a:p>
+          <a:p>
+            <a:pPr lvl="2"/>
+            <a:r>
+              <a:rPr lang="it-IT" sz="1600" dirty="0"/>
+              <a:t>Osservazioni più generiche</a:t>
+            </a:r>
+          </a:p>
+          <a:p>
+            <a:endParaRPr lang="it-IT" dirty="0"/>
           </a:p>
         </p:txBody>
       </p:sp>
     </p:spTree>
     <p:extLst>
       <p:ext uri="{BB962C8B-B14F-4D97-AF65-F5344CB8AC3E}">
-        <p14:creationId xmlns:p14="http://schemas.microsoft.com/office/powerpoint/2010/main" val="4012740185"/>
+        <p14:creationId xmlns:p14="http://schemas.microsoft.com/office/powerpoint/2010/main" val="3513973617"/>
       </p:ext>
     </p:extLst>
   </p:cSld>
@@ -6210,7 +9392,7 @@
           <p:cNvPr id="2" name="Title 1">
             <a:extLst>
               <a:ext uri="{FF2B5EF4-FFF2-40B4-BE49-F238E27FC236}">
-                <a16:creationId xmlns:a16="http://schemas.microsoft.com/office/drawing/2014/main" id="{7290DDA0-8DCC-644D-9F79-EE0477493263}"/>
+                <a16:creationId xmlns:a16="http://schemas.microsoft.com/office/drawing/2014/main" id="{83619F4E-A227-D048-A970-B7332DB61F08}"/>
               </a:ext>
             </a:extLst>
           </p:cNvPr>
@@ -6228,7 +9410,7 @@
           <a:p>
             <a:r>
               <a:rPr lang="it-IT" dirty="0"/>
-              <a:t>Modello utilizzato</a:t>
+              <a:t>Parametri del modello</a:t>
             </a:r>
           </a:p>
         </p:txBody>
@@ -6238,7 +9420,7 @@
           <p:cNvPr id="3" name="Content Placeholder 2">
             <a:extLst>
               <a:ext uri="{FF2B5EF4-FFF2-40B4-BE49-F238E27FC236}">
-                <a16:creationId xmlns:a16="http://schemas.microsoft.com/office/drawing/2014/main" id="{95BD0733-17BE-744D-8497-77DA64A0B38D}"/>
+                <a16:creationId xmlns:a16="http://schemas.microsoft.com/office/drawing/2014/main" id="{5078228B-31E9-2745-94F7-2478AEC0F0DF}"/>
               </a:ext>
             </a:extLst>
           </p:cNvPr>
@@ -6249,19 +9431,115 @@
             <p:ph idx="1"/>
           </p:nvPr>
         </p:nvSpPr>
-        <p:spPr/>
-        <p:txBody>
-          <a:bodyPr/>
+        <p:spPr>
+          <a:xfrm>
+            <a:off x="677334" y="1930401"/>
+            <a:ext cx="8596668" cy="4110962"/>
+          </a:xfrm>
+        </p:spPr>
+        <p:txBody>
+          <a:bodyPr>
+            <a:normAutofit lnSpcReduction="10000"/>
+          </a:bodyPr>
           <a:lstStyle/>
           <a:p>
-            <a:endParaRPr lang="it-IT"/>
+            <a:r>
+              <a:rPr lang="it-IT" dirty="0"/>
+              <a:t>Probabilità a priori:</a:t>
+            </a:r>
+          </a:p>
+          <a:p>
+            <a:pPr lvl="1"/>
+            <a:r>
+              <a:rPr lang="it-IT" dirty="0"/>
+              <a:t>Percentuale di occorrenza di ogni stato nel training set</a:t>
+            </a:r>
+          </a:p>
+          <a:p>
+            <a:r>
+              <a:rPr lang="it-IT" dirty="0"/>
+              <a:t>Probabilità di transizione:</a:t>
+            </a:r>
+          </a:p>
+          <a:p>
+            <a:pPr lvl="1"/>
+            <a:r>
+              <a:rPr lang="it-IT" dirty="0"/>
+              <a:t>Ogni stato del training set confrontato col successivo e calcolate le probabilità di transizione</a:t>
+            </a:r>
+          </a:p>
+          <a:p>
+            <a:pPr lvl="1"/>
+            <a:r>
+              <a:rPr lang="it-IT" dirty="0"/>
+              <a:t>Numero di volte in cui lo stato i è seguito dallo stato </a:t>
+            </a:r>
+            <a:r>
+              <a:rPr lang="it-IT" dirty="0" err="1"/>
+              <a:t>j</a:t>
+            </a:r>
+            <a:r>
+              <a:rPr lang="it-IT" dirty="0"/>
+              <a:t> rapportato al numero di occorrenze dello stato i</a:t>
+            </a:r>
+          </a:p>
+          <a:p>
+            <a:pPr lvl="1"/>
+            <a:r>
+              <a:rPr lang="it-IT" dirty="0" err="1"/>
+              <a:t>P</a:t>
+            </a:r>
+            <a:r>
+              <a:rPr lang="it-IT" dirty="0"/>
+              <a:t>(</a:t>
+            </a:r>
+            <a:r>
+              <a:rPr lang="it-IT" dirty="0" err="1"/>
+              <a:t>i|i</a:t>
+            </a:r>
+            <a:r>
+              <a:rPr lang="it-IT" dirty="0"/>
+              <a:t>) particolarmente alta per alcuni stati a causa della suddivisione in </a:t>
+            </a:r>
+            <a:r>
+              <a:rPr lang="it-IT" dirty="0" err="1"/>
+              <a:t>timeslice</a:t>
+            </a:r>
+            <a:r>
+              <a:rPr lang="it-IT" dirty="0"/>
+              <a:t> di soli 60 secondi</a:t>
+            </a:r>
+          </a:p>
+          <a:p>
+            <a:r>
+              <a:rPr lang="it-IT" dirty="0"/>
+              <a:t>Probabilità di emissione:</a:t>
+            </a:r>
+          </a:p>
+          <a:p>
+            <a:pPr lvl="1"/>
+            <a:r>
+              <a:rPr lang="it-IT" dirty="0"/>
+              <a:t>Probabilità di osservare una configurazione di sensori per una certa attività</a:t>
+            </a:r>
+          </a:p>
+          <a:p>
+            <a:pPr lvl="1"/>
+            <a:r>
+              <a:rPr lang="it-IT" dirty="0"/>
+              <a:t>Calcolo analogo alla matrice di transizione</a:t>
+            </a:r>
+          </a:p>
+          <a:p>
+            <a:pPr lvl="1"/>
+            <a:endParaRPr lang="it-IT" dirty="0"/>
           </a:p>
         </p:txBody>
       </p:sp>
     </p:spTree>
     <p:extLst>
       <p:ext uri="{BB962C8B-B14F-4D97-AF65-F5344CB8AC3E}">
-        <p14:creationId xmlns:p14="http://schemas.microsoft.com/office/powerpoint/2010/main" val="3513973617"/>
+        <p14:creationId xmlns:p14="http://schemas.microsoft.com/office/powerpoint/2010/main" val="1322667326"/>
       </p:ext>
     </p:extLst>
   </p:cSld>
@@ -6311,7 +9589,7 @@
           <a:p>
             <a:r>
               <a:rPr lang="it-IT" dirty="0"/>
-              <a:t>Scelta del Training</a:t>
+              <a:t>Scelta del Training set</a:t>
             </a:r>
           </a:p>
         </p:txBody>
@@ -6332,15 +9610,77 @@
             <p:ph idx="1"/>
           </p:nvPr>
         </p:nvSpPr>
-        <p:spPr/>
-        <p:txBody>
-          <a:bodyPr/>
+        <p:spPr>
+          <a:xfrm>
+            <a:off x="656314" y="1698137"/>
+            <a:ext cx="7184404" cy="2558556"/>
+          </a:xfrm>
+        </p:spPr>
+        <p:txBody>
+          <a:bodyPr>
+            <a:normAutofit/>
+          </a:bodyPr>
           <a:lstStyle/>
           <a:p>
-            <a:endParaRPr lang="it-IT"/>
-          </a:p>
-        </p:txBody>
-      </p:sp>
+            <a:r>
+              <a:rPr lang="it-IT" dirty="0" err="1"/>
+              <a:t>Accuracy</a:t>
+            </a:r>
+            <a:r>
+              <a:rPr lang="it-IT" dirty="0"/>
+              <a:t> in funzione del training set (in giorni)</a:t>
+            </a:r>
+          </a:p>
+          <a:p>
+            <a:r>
+              <a:rPr lang="it-IT" dirty="0"/>
+              <a:t>Divisione in giorni e non casuale o in percentuale causa della dipendenza temporale</a:t>
+            </a:r>
+          </a:p>
+          <a:p>
+            <a:r>
+              <a:rPr lang="it-IT" dirty="0"/>
+              <a:t>Dimensione del training set scelta: 5 giorni</a:t>
+            </a:r>
+          </a:p>
+          <a:p>
+            <a:pPr marL="0" indent="0">
+              <a:buNone/>
+            </a:pPr>
+            <a:endParaRPr lang="it-IT" dirty="0"/>
+          </a:p>
+        </p:txBody>
+      </p:sp>
+      <p:pic>
+        <p:nvPicPr>
+          <p:cNvPr id="11" name="Picture 10">
+            <a:extLst>
+              <a:ext uri="{FF2B5EF4-FFF2-40B4-BE49-F238E27FC236}">
+                <a16:creationId xmlns:a16="http://schemas.microsoft.com/office/drawing/2014/main" id="{45D14DB5-0123-924F-AE35-566E70108B2D}"/>
+              </a:ext>
+            </a:extLst>
+          </p:cNvPr>
+          <p:cNvPicPr>
+            <a:picLocks noChangeAspect="1"/>
+          </p:cNvPicPr>
+          <p:nvPr/>
+        </p:nvPicPr>
+        <p:blipFill>
+          <a:blip r:embed="rId2"/>
+          <a:stretch>
+            <a:fillRect/>
+          </a:stretch>
+        </p:blipFill>
+        <p:spPr>
+          <a:xfrm>
+            <a:off x="1181832" y="3355973"/>
+            <a:ext cx="5671380" cy="3293904"/>
+          </a:xfrm>
+          <a:prstGeom prst="rect">
+            <a:avLst/>
+          </a:prstGeom>
+        </p:spPr>
+      </p:pic>
     </p:spTree>
     <p:extLst>
       <p:ext uri="{BB962C8B-B14F-4D97-AF65-F5344CB8AC3E}">
@@ -6376,7 +9716,7 @@
           <p:cNvPr id="2" name="Title 1">
             <a:extLst>
               <a:ext uri="{FF2B5EF4-FFF2-40B4-BE49-F238E27FC236}">
-                <a16:creationId xmlns:a16="http://schemas.microsoft.com/office/drawing/2014/main" id="{ED6F87B8-C56D-DC48-806F-8E022539B171}"/>
+                <a16:creationId xmlns:a16="http://schemas.microsoft.com/office/drawing/2014/main" id="{0BBEEE50-8497-7049-A1E3-FD5218CDEB90}"/>
               </a:ext>
             </a:extLst>
           </p:cNvPr>
@@ -6394,7 +9734,7 @@
           <a:p>
             <a:r>
               <a:rPr lang="it-IT" dirty="0"/>
-              <a:t>Risultati</a:t>
+              <a:t>Predizioni</a:t>
             </a:r>
           </a:p>
         </p:txBody>
@@ -6404,7 +9744,7 @@
           <p:cNvPr id="3" name="Content Placeholder 2">
             <a:extLst>
               <a:ext uri="{FF2B5EF4-FFF2-40B4-BE49-F238E27FC236}">
-                <a16:creationId xmlns:a16="http://schemas.microsoft.com/office/drawing/2014/main" id="{26DA0C2F-8B8A-C54A-9F9E-793E8F44EBD9}"/>
+                <a16:creationId xmlns:a16="http://schemas.microsoft.com/office/drawing/2014/main" id="{7735A76D-DB7E-8540-8857-A18D638B154A}"/>
               </a:ext>
             </a:extLst>
           </p:cNvPr>
@@ -6415,19 +9755,99 @@
             <p:ph idx="1"/>
           </p:nvPr>
         </p:nvSpPr>
-        <p:spPr/>
+        <p:spPr>
+          <a:xfrm>
+            <a:off x="677334" y="1908348"/>
+            <a:ext cx="8596668" cy="4198170"/>
+          </a:xfrm>
+        </p:spPr>
         <p:txBody>
           <a:bodyPr/>
           <a:lstStyle/>
           <a:p>
-            <a:endParaRPr lang="it-IT"/>
+            <a:r>
+              <a:rPr lang="it-IT" dirty="0"/>
+              <a:t>Predizione a breve termine:</a:t>
+            </a:r>
+          </a:p>
+          <a:p>
+            <a:pPr lvl="1"/>
+            <a:r>
+              <a:rPr lang="it-IT" dirty="0"/>
+              <a:t>Training set: 5 giorni</a:t>
+            </a:r>
+          </a:p>
+          <a:p>
+            <a:pPr lvl="1"/>
+            <a:r>
+              <a:rPr lang="it-IT" dirty="0"/>
+              <a:t>Test set: 3 giorni consecutivi</a:t>
+            </a:r>
+          </a:p>
+          <a:p>
+            <a:r>
+              <a:rPr lang="it-IT" dirty="0"/>
+              <a:t>Predizione a lungo termine:</a:t>
+            </a:r>
+          </a:p>
+          <a:p>
+            <a:pPr lvl="1"/>
+            <a:r>
+              <a:rPr lang="it-IT" dirty="0"/>
+              <a:t>Training set: 5 giorni</a:t>
+            </a:r>
+          </a:p>
+          <a:p>
+            <a:pPr lvl="1"/>
+            <a:r>
+              <a:rPr lang="it-IT" dirty="0"/>
+              <a:t>Test set: 9 giorni nel caso del dataset A, 16 per il dataset B</a:t>
+            </a:r>
+          </a:p>
+          <a:p>
+            <a:r>
+              <a:rPr lang="it-IT" dirty="0"/>
+              <a:t>Predizione su sequenza casuale:</a:t>
+            </a:r>
+          </a:p>
+          <a:p>
+            <a:pPr lvl="1"/>
+            <a:r>
+              <a:rPr lang="it-IT" dirty="0"/>
+              <a:t>Training set: 5 giorni</a:t>
+            </a:r>
+          </a:p>
+          <a:p>
+            <a:pPr lvl="1"/>
+            <a:r>
+              <a:rPr lang="it-IT" dirty="0" err="1"/>
+              <a:t>Testset</a:t>
+            </a:r>
+            <a:r>
+              <a:rPr lang="it-IT" dirty="0"/>
+              <a:t>: 3000/20000 stati</a:t>
+            </a:r>
+          </a:p>
+          <a:p>
+            <a:pPr lvl="1"/>
+            <a:r>
+              <a:rPr lang="it-IT" dirty="0"/>
+              <a:t>Generata dalle distribuzioni di probabilità</a:t>
+            </a:r>
+          </a:p>
+          <a:p>
+            <a:pPr lvl="2"/>
+            <a:r>
+              <a:rPr lang="it-IT" dirty="0"/>
+              <a:t>Poco imprevedibile</a:t>
+            </a:r>
           </a:p>
         </p:txBody>
       </p:sp>
     </p:spTree>
     <p:extLst>
       <p:ext uri="{BB962C8B-B14F-4D97-AF65-F5344CB8AC3E}">
-        <p14:creationId xmlns:p14="http://schemas.microsoft.com/office/powerpoint/2010/main" val="3929718048"/>
+        <p14:creationId xmlns:p14="http://schemas.microsoft.com/office/powerpoint/2010/main" val="3212138720"/>
       </p:ext>
     </p:extLst>
   </p:cSld>
@@ -6459,7 +9879,7 @@
           <p:cNvPr id="2" name="Title 1">
             <a:extLst>
               <a:ext uri="{FF2B5EF4-FFF2-40B4-BE49-F238E27FC236}">
-                <a16:creationId xmlns:a16="http://schemas.microsoft.com/office/drawing/2014/main" id="{512B551A-F926-E34B-99EA-14D72B5BD3E6}"/>
+                <a16:creationId xmlns:a16="http://schemas.microsoft.com/office/drawing/2014/main" id="{ED6F87B8-C56D-DC48-806F-8E022539B171}"/>
               </a:ext>
             </a:extLst>
           </p:cNvPr>
@@ -6477,7 +9897,7 @@
           <a:p>
             <a:r>
               <a:rPr lang="it-IT" dirty="0"/>
-              <a:t>Conclusioni</a:t>
+              <a:t>Risultati – Previsione 3 giorni</a:t>
             </a:r>
           </a:p>
         </p:txBody>
@@ -6487,7 +9907,7 @@
           <p:cNvPr id="3" name="Content Placeholder 2">
             <a:extLst>
               <a:ext uri="{FF2B5EF4-FFF2-40B4-BE49-F238E27FC236}">
-                <a16:creationId xmlns:a16="http://schemas.microsoft.com/office/drawing/2014/main" id="{F9B395B6-DE20-FA48-8F24-A78A7245F32C}"/>
+                <a16:creationId xmlns:a16="http://schemas.microsoft.com/office/drawing/2014/main" id="{26DA0C2F-8B8A-C54A-9F9E-793E8F44EBD9}"/>
               </a:ext>
             </a:extLst>
           </p:cNvPr>
@@ -6498,19 +9918,359 @@
             <p:ph idx="1"/>
           </p:nvPr>
         </p:nvSpPr>
-        <p:spPr/>
-        <p:txBody>
-          <a:bodyPr/>
+        <p:spPr>
+          <a:xfrm>
+            <a:off x="677333" y="1828800"/>
+            <a:ext cx="3694969" cy="525517"/>
+          </a:xfrm>
+        </p:spPr>
+        <p:txBody>
+          <a:bodyPr>
+            <a:normAutofit/>
+          </a:bodyPr>
           <a:lstStyle/>
           <a:p>
-            <a:endParaRPr lang="it-IT"/>
-          </a:p>
-        </p:txBody>
-      </p:sp>
+            <a:r>
+              <a:rPr lang="it-IT" dirty="0" err="1"/>
+              <a:t>Accuracy</a:t>
+            </a:r>
+            <a:r>
+              <a:rPr lang="it-IT" dirty="0"/>
+              <a:t> dataset A: 94.9%</a:t>
+            </a:r>
+          </a:p>
+        </p:txBody>
+      </p:sp>
+      <p:sp>
+        <p:nvSpPr>
+          <p:cNvPr id="6" name="Content Placeholder 2">
+            <a:extLst>
+              <a:ext uri="{FF2B5EF4-FFF2-40B4-BE49-F238E27FC236}">
+                <a16:creationId xmlns:a16="http://schemas.microsoft.com/office/drawing/2014/main" id="{30B847EC-F4D1-5C4C-AEF3-3915ECC29E49}"/>
+              </a:ext>
+            </a:extLst>
+          </p:cNvPr>
+          <p:cNvSpPr txBox="1">
+            <a:spLocks/>
+          </p:cNvSpPr>
+          <p:nvPr/>
+        </p:nvSpPr>
+        <p:spPr>
+          <a:xfrm>
+            <a:off x="4802645" y="1812515"/>
+            <a:ext cx="3574100" cy="525517"/>
+          </a:xfrm>
+          <a:prstGeom prst="rect">
+            <a:avLst/>
+          </a:prstGeom>
+        </p:spPr>
+        <p:txBody>
+          <a:bodyPr vert="horz" lIns="91440" tIns="45720" rIns="91440" bIns="45720" rtlCol="0">
+            <a:normAutofit/>
+          </a:bodyPr>
+          <a:lstStyle>
+            <a:lvl1pPr marL="342900" indent="-342900" algn="l" defTabSz="457200" rtl="0" eaLnBrk="1" latinLnBrk="0" hangingPunct="1">
+              <a:spcBef>
+                <a:spcPts val="1000"/>
+              </a:spcBef>
+              <a:spcAft>
+                <a:spcPts val="0"/>
+              </a:spcAft>
+              <a:buClr>
+                <a:schemeClr val="accent1"/>
+              </a:buClr>
+              <a:buSzPct val="80000"/>
+              <a:buFont typeface="Wingdings 3" charset="2"/>
+              <a:buChar char=""/>
+              <a:defRPr sz="1800" kern="1200">
+                <a:solidFill>
+                  <a:schemeClr val="tx1">
+                    <a:lumMod val="75000"/>
+                    <a:lumOff val="25000"/>
+                  </a:schemeClr>
+                </a:solidFill>
+                <a:latin typeface="+mn-lt"/>
+                <a:ea typeface="+mn-ea"/>
+                <a:cs typeface="+mn-cs"/>
+              </a:defRPr>
+            </a:lvl1pPr>
+            <a:lvl2pPr marL="742950" indent="-285750" algn="l" defTabSz="457200" rtl="0" eaLnBrk="1" latinLnBrk="0" hangingPunct="1">
+              <a:spcBef>
+                <a:spcPts val="1000"/>
+              </a:spcBef>
+              <a:spcAft>
+                <a:spcPts val="0"/>
+              </a:spcAft>
+              <a:buClr>
+                <a:schemeClr val="accent1"/>
+              </a:buClr>
+              <a:buSzPct val="80000"/>
+              <a:buFont typeface="Wingdings 3" charset="2"/>
+              <a:buChar char=""/>
+              <a:defRPr sz="1600" kern="1200">
+                <a:solidFill>
+                  <a:schemeClr val="tx1">
+                    <a:lumMod val="75000"/>
+                    <a:lumOff val="25000"/>
+                  </a:schemeClr>
+                </a:solidFill>
+                <a:latin typeface="+mn-lt"/>
+                <a:ea typeface="+mn-ea"/>
+                <a:cs typeface="+mn-cs"/>
+              </a:defRPr>
+            </a:lvl2pPr>
+            <a:lvl3pPr marL="1143000" indent="-228600" algn="l" defTabSz="457200" rtl="0" eaLnBrk="1" latinLnBrk="0" hangingPunct="1">
+              <a:spcBef>
+                <a:spcPts val="1000"/>
+              </a:spcBef>
+              <a:spcAft>
+                <a:spcPts val="0"/>
+              </a:spcAft>
+              <a:buClr>
+                <a:schemeClr val="accent1"/>
+              </a:buClr>
+              <a:buSzPct val="80000"/>
+              <a:buFont typeface="Wingdings 3" charset="2"/>
+              <a:buChar char=""/>
+              <a:defRPr sz="1400" kern="1200">
+                <a:solidFill>
+                  <a:schemeClr val="tx1">
+                    <a:lumMod val="75000"/>
+                    <a:lumOff val="25000"/>
+                  </a:schemeClr>
+                </a:solidFill>
+                <a:latin typeface="+mn-lt"/>
+                <a:ea typeface="+mn-ea"/>
+                <a:cs typeface="+mn-cs"/>
+              </a:defRPr>
+            </a:lvl3pPr>
+            <a:lvl4pPr marL="1600200" indent="-228600" algn="l" defTabSz="457200" rtl="0" eaLnBrk="1" latinLnBrk="0" hangingPunct="1">
+              <a:spcBef>
+                <a:spcPts val="1000"/>
+              </a:spcBef>
+              <a:spcAft>
+                <a:spcPts val="0"/>
+              </a:spcAft>
+              <a:buClr>
+                <a:schemeClr val="accent1"/>
+              </a:buClr>
+              <a:buSzPct val="80000"/>
+              <a:buFont typeface="Wingdings 3" charset="2"/>
+              <a:buChar char=""/>
+              <a:defRPr sz="1200" kern="1200">
+                <a:solidFill>
+                  <a:schemeClr val="tx1">
+                    <a:lumMod val="75000"/>
+                    <a:lumOff val="25000"/>
+                  </a:schemeClr>
+                </a:solidFill>
+                <a:latin typeface="+mn-lt"/>
+                <a:ea typeface="+mn-ea"/>
+                <a:cs typeface="+mn-cs"/>
+              </a:defRPr>
+            </a:lvl4pPr>
+            <a:lvl5pPr marL="2057400" indent="-228600" algn="l" defTabSz="457200" rtl="0" eaLnBrk="1" latinLnBrk="0" hangingPunct="1">
+              <a:spcBef>
+                <a:spcPts val="1000"/>
+              </a:spcBef>
+              <a:spcAft>
+                <a:spcPts val="0"/>
+              </a:spcAft>
+              <a:buClr>
+                <a:schemeClr val="accent1"/>
+              </a:buClr>
+              <a:buSzPct val="80000"/>
+              <a:buFont typeface="Wingdings 3" charset="2"/>
+              <a:buChar char=""/>
+              <a:defRPr sz="1200" kern="1200">
+                <a:solidFill>
+                  <a:schemeClr val="tx1">
+                    <a:lumMod val="75000"/>
+                    <a:lumOff val="25000"/>
+                  </a:schemeClr>
+                </a:solidFill>
+                <a:latin typeface="+mn-lt"/>
+                <a:ea typeface="+mn-ea"/>
+                <a:cs typeface="+mn-cs"/>
+              </a:defRPr>
+            </a:lvl5pPr>
+            <a:lvl6pPr marL="2514600" indent="-228600" algn="l" defTabSz="457200" rtl="0" eaLnBrk="1" latinLnBrk="0" hangingPunct="1">
+              <a:spcBef>
+                <a:spcPts val="1000"/>
+              </a:spcBef>
+              <a:spcAft>
+                <a:spcPts val="0"/>
+              </a:spcAft>
+              <a:buClr>
+                <a:schemeClr val="accent1"/>
+              </a:buClr>
+              <a:buSzPct val="80000"/>
+              <a:buFont typeface="Wingdings 3" charset="2"/>
+              <a:buChar char=""/>
+              <a:defRPr sz="1200" kern="1200">
+                <a:solidFill>
+                  <a:schemeClr val="tx1">
+                    <a:lumMod val="75000"/>
+                    <a:lumOff val="25000"/>
+                  </a:schemeClr>
+                </a:solidFill>
+                <a:latin typeface="+mn-lt"/>
+                <a:ea typeface="+mn-ea"/>
+                <a:cs typeface="+mn-cs"/>
+              </a:defRPr>
+            </a:lvl6pPr>
+            <a:lvl7pPr marL="2971800" indent="-228600" algn="l" defTabSz="457200" rtl="0" eaLnBrk="1" latinLnBrk="0" hangingPunct="1">
+              <a:spcBef>
+                <a:spcPts val="1000"/>
+              </a:spcBef>
+              <a:spcAft>
+                <a:spcPts val="0"/>
+              </a:spcAft>
+              <a:buClr>
+                <a:schemeClr val="accent1"/>
+              </a:buClr>
+              <a:buSzPct val="80000"/>
+              <a:buFont typeface="Wingdings 3" charset="2"/>
+              <a:buChar char=""/>
+              <a:defRPr sz="1200" kern="1200">
+                <a:solidFill>
+                  <a:schemeClr val="tx1">
+                    <a:lumMod val="75000"/>
+                    <a:lumOff val="25000"/>
+                  </a:schemeClr>
+                </a:solidFill>
+                <a:latin typeface="+mn-lt"/>
+                <a:ea typeface="+mn-ea"/>
+                <a:cs typeface="+mn-cs"/>
+              </a:defRPr>
+            </a:lvl7pPr>
+            <a:lvl8pPr marL="3429000" indent="-228600" algn="l" defTabSz="457200" rtl="0" eaLnBrk="1" latinLnBrk="0" hangingPunct="1">
+              <a:spcBef>
+                <a:spcPts val="1000"/>
+              </a:spcBef>
+              <a:spcAft>
+                <a:spcPts val="0"/>
+              </a:spcAft>
+              <a:buClr>
+                <a:schemeClr val="accent1"/>
+              </a:buClr>
+              <a:buSzPct val="80000"/>
+              <a:buFont typeface="Wingdings 3" charset="2"/>
+              <a:buChar char=""/>
+              <a:defRPr sz="1200" kern="1200">
+                <a:solidFill>
+                  <a:schemeClr val="tx1">
+                    <a:lumMod val="75000"/>
+                    <a:lumOff val="25000"/>
+                  </a:schemeClr>
+                </a:solidFill>
+                <a:latin typeface="+mn-lt"/>
+                <a:ea typeface="+mn-ea"/>
+                <a:cs typeface="+mn-cs"/>
+              </a:defRPr>
+            </a:lvl8pPr>
+            <a:lvl9pPr marL="3886200" indent="-228600" algn="l" defTabSz="457200" rtl="0" eaLnBrk="1" latinLnBrk="0" hangingPunct="1">
+              <a:spcBef>
+                <a:spcPts val="1000"/>
+              </a:spcBef>
+              <a:spcAft>
+                <a:spcPts val="0"/>
+              </a:spcAft>
+              <a:buClr>
+                <a:schemeClr val="accent1"/>
+              </a:buClr>
+              <a:buSzPct val="80000"/>
+              <a:buFont typeface="Wingdings 3" charset="2"/>
+              <a:buChar char=""/>
+              <a:defRPr sz="1200" kern="1200">
+                <a:solidFill>
+                  <a:schemeClr val="tx1">
+                    <a:lumMod val="75000"/>
+                    <a:lumOff val="25000"/>
+                  </a:schemeClr>
+                </a:solidFill>
+                <a:latin typeface="+mn-lt"/>
+                <a:ea typeface="+mn-ea"/>
+                <a:cs typeface="+mn-cs"/>
+              </a:defRPr>
+            </a:lvl9pPr>
+          </a:lstStyle>
+          <a:p>
+            <a:r>
+              <a:rPr lang="it-IT" dirty="0" err="1"/>
+              <a:t>Accuracy</a:t>
+            </a:r>
+            <a:r>
+              <a:rPr lang="it-IT" dirty="0"/>
+              <a:t> dataset B: 92.7%</a:t>
+            </a:r>
+          </a:p>
+        </p:txBody>
+      </p:sp>
+      <p:pic>
+        <p:nvPicPr>
+          <p:cNvPr id="9" name="Picture 8">
+            <a:extLst>
+              <a:ext uri="{FF2B5EF4-FFF2-40B4-BE49-F238E27FC236}">
+                <a16:creationId xmlns:a16="http://schemas.microsoft.com/office/drawing/2014/main" id="{355040F7-59B1-8D44-BEF8-4748B2DDB3AC}"/>
+              </a:ext>
+            </a:extLst>
+          </p:cNvPr>
+          <p:cNvPicPr>
+            <a:picLocks noChangeAspect="1"/>
+          </p:cNvPicPr>
+          <p:nvPr/>
+        </p:nvPicPr>
+        <p:blipFill>
+          <a:blip r:embed="rId2"/>
+          <a:stretch>
+            <a:fillRect/>
+          </a:stretch>
+        </p:blipFill>
+        <p:spPr>
+          <a:xfrm>
+            <a:off x="505566" y="2354317"/>
+            <a:ext cx="4559760" cy="3967655"/>
+          </a:xfrm>
+          <a:prstGeom prst="rect">
+            <a:avLst/>
+          </a:prstGeom>
+        </p:spPr>
+      </p:pic>
+      <p:pic>
+        <p:nvPicPr>
+          <p:cNvPr id="10" name="Picture 9">
+            <a:extLst>
+              <a:ext uri="{FF2B5EF4-FFF2-40B4-BE49-F238E27FC236}">
+                <a16:creationId xmlns:a16="http://schemas.microsoft.com/office/drawing/2014/main" id="{D46C8027-338A-A340-8687-68E89522A807}"/>
+              </a:ext>
+            </a:extLst>
+          </p:cNvPr>
+          <p:cNvPicPr>
+            <a:picLocks noChangeAspect="1"/>
+          </p:cNvPicPr>
+          <p:nvPr/>
+        </p:nvPicPr>
+        <p:blipFill>
+          <a:blip r:embed="rId3"/>
+          <a:stretch>
+            <a:fillRect/>
+          </a:stretch>
+        </p:blipFill>
+        <p:spPr>
+          <a:xfrm>
+            <a:off x="4615276" y="2386886"/>
+            <a:ext cx="4539234" cy="3928076"/>
+          </a:xfrm>
+          <a:prstGeom prst="rect">
+            <a:avLst/>
+          </a:prstGeom>
+        </p:spPr>
+      </p:pic>
     </p:spTree>
     <p:extLst>
       <p:ext uri="{BB962C8B-B14F-4D97-AF65-F5344CB8AC3E}">
-        <p14:creationId xmlns:p14="http://schemas.microsoft.com/office/powerpoint/2010/main" val="1988831465"/>
+        <p14:creationId xmlns:p14="http://schemas.microsoft.com/office/powerpoint/2010/main" val="3929718048"/>
       </p:ext>
     </p:extLst>
   </p:cSld>

--- a/presentazione.pptx
+++ b/presentazione.pptx
@@ -6,20 +6,22 @@
   </p:sldMasterIdLst>
   <p:sldIdLst>
     <p:sldId id="256" r:id="rId2"/>
-    <p:sldId id="258" r:id="rId3"/>
-    <p:sldId id="262" r:id="rId4"/>
-    <p:sldId id="259" r:id="rId5"/>
-    <p:sldId id="261" r:id="rId6"/>
-    <p:sldId id="266" r:id="rId7"/>
-    <p:sldId id="260" r:id="rId8"/>
-    <p:sldId id="265" r:id="rId9"/>
-    <p:sldId id="263" r:id="rId10"/>
-    <p:sldId id="267" r:id="rId11"/>
-    <p:sldId id="268" r:id="rId12"/>
-    <p:sldId id="269" r:id="rId13"/>
-    <p:sldId id="270" r:id="rId14"/>
-    <p:sldId id="271" r:id="rId15"/>
-    <p:sldId id="264" r:id="rId16"/>
+    <p:sldId id="272" r:id="rId3"/>
+    <p:sldId id="258" r:id="rId4"/>
+    <p:sldId id="273" r:id="rId5"/>
+    <p:sldId id="262" r:id="rId6"/>
+    <p:sldId id="259" r:id="rId7"/>
+    <p:sldId id="261" r:id="rId8"/>
+    <p:sldId id="266" r:id="rId9"/>
+    <p:sldId id="260" r:id="rId10"/>
+    <p:sldId id="265" r:id="rId11"/>
+    <p:sldId id="263" r:id="rId12"/>
+    <p:sldId id="267" r:id="rId13"/>
+    <p:sldId id="268" r:id="rId14"/>
+    <p:sldId id="269" r:id="rId15"/>
+    <p:sldId id="270" r:id="rId16"/>
+    <p:sldId id="271" r:id="rId17"/>
+    <p:sldId id="264" r:id="rId18"/>
   </p:sldIdLst>
   <p:sldSz cx="12192000" cy="6858000"/>
   <p:notesSz cx="6858000" cy="9144000"/>
@@ -849,7 +851,7 @@
             <a:fld id="{B61BEF0D-F0BB-DE4B-95CE-6DB70DBA9567}" type="datetimeFigureOut">
               <a:rPr lang="en-US" dirty="0"/>
               <a:pPr/>
-              <a:t>6/14/18</a:t>
+              <a:t>6/15/18</a:t>
             </a:fld>
             <a:endParaRPr lang="en-US" dirty="0"/>
           </a:p>
@@ -1097,7 +1099,7 @@
             <a:fld id="{B61BEF0D-F0BB-DE4B-95CE-6DB70DBA9567}" type="datetimeFigureOut">
               <a:rPr lang="en-US" dirty="0"/>
               <a:pPr/>
-              <a:t>6/14/18</a:t>
+              <a:t>6/15/18</a:t>
             </a:fld>
             <a:endParaRPr lang="en-US" dirty="0"/>
           </a:p>
@@ -1408,7 +1410,7 @@
             <a:fld id="{B61BEF0D-F0BB-DE4B-95CE-6DB70DBA9567}" type="datetimeFigureOut">
               <a:rPr lang="en-US" dirty="0"/>
               <a:pPr/>
-              <a:t>6/14/18</a:t>
+              <a:t>6/15/18</a:t>
             </a:fld>
             <a:endParaRPr lang="en-US" dirty="0"/>
           </a:p>
@@ -1746,7 +1748,7 @@
             <a:fld id="{B61BEF0D-F0BB-DE4B-95CE-6DB70DBA9567}" type="datetimeFigureOut">
               <a:rPr lang="en-US" dirty="0"/>
               <a:pPr/>
-              <a:t>6/14/18</a:t>
+              <a:t>6/15/18</a:t>
             </a:fld>
             <a:endParaRPr lang="en-US" dirty="0"/>
           </a:p>
@@ -2057,7 +2059,7 @@
             <a:fld id="{B61BEF0D-F0BB-DE4B-95CE-6DB70DBA9567}" type="datetimeFigureOut">
               <a:rPr lang="en-US" dirty="0"/>
               <a:pPr/>
-              <a:t>6/14/18</a:t>
+              <a:t>6/15/18</a:t>
             </a:fld>
             <a:endParaRPr lang="en-US" dirty="0"/>
           </a:p>
@@ -2447,7 +2449,7 @@
             <a:fld id="{B61BEF0D-F0BB-DE4B-95CE-6DB70DBA9567}" type="datetimeFigureOut">
               <a:rPr lang="en-US" dirty="0"/>
               <a:pPr/>
-              <a:t>6/14/18</a:t>
+              <a:t>6/15/18</a:t>
             </a:fld>
             <a:endParaRPr lang="en-US" dirty="0"/>
           </a:p>
@@ -2613,7 +2615,7 @@
           <a:p>
             <a:fld id="{55C6B4A9-1611-4792-9094-5F34BCA07E0B}" type="datetimeFigureOut">
               <a:rPr lang="en-US" dirty="0"/>
-              <a:t>6/14/18</a:t>
+              <a:t>6/15/18</a:t>
             </a:fld>
             <a:endParaRPr lang="en-US" dirty="0"/>
           </a:p>
@@ -2789,7 +2791,7 @@
             <a:fld id="{B61BEF0D-F0BB-DE4B-95CE-6DB70DBA9567}" type="datetimeFigureOut">
               <a:rPr lang="en-US" dirty="0"/>
               <a:pPr/>
-              <a:t>6/14/18</a:t>
+              <a:t>6/15/18</a:t>
             </a:fld>
             <a:endParaRPr lang="en-US" dirty="0"/>
           </a:p>
@@ -2962,7 +2964,7 @@
             <a:fld id="{B61BEF0D-F0BB-DE4B-95CE-6DB70DBA9567}" type="datetimeFigureOut">
               <a:rPr lang="en-US" dirty="0"/>
               <a:pPr/>
-              <a:t>6/14/18</a:t>
+              <a:t>6/15/18</a:t>
             </a:fld>
             <a:endParaRPr lang="en-US" dirty="0"/>
           </a:p>
@@ -3206,7 +3208,7 @@
             <a:fld id="{B61BEF0D-F0BB-DE4B-95CE-6DB70DBA9567}" type="datetimeFigureOut">
               <a:rPr lang="en-US" dirty="0"/>
               <a:pPr/>
-              <a:t>6/14/18</a:t>
+              <a:t>6/15/18</a:t>
             </a:fld>
             <a:endParaRPr lang="en-US" dirty="0"/>
           </a:p>
@@ -3434,7 +3436,7 @@
           <a:p>
             <a:fld id="{EB712588-04B1-427B-82EE-E8DB90309F08}" type="datetimeFigureOut">
               <a:rPr lang="en-US" dirty="0"/>
-              <a:t>6/14/18</a:t>
+              <a:t>6/15/18</a:t>
             </a:fld>
             <a:endParaRPr lang="en-US" dirty="0"/>
           </a:p>
@@ -3804,7 +3806,7 @@
             <a:fld id="{B61BEF0D-F0BB-DE4B-95CE-6DB70DBA9567}" type="datetimeFigureOut">
               <a:rPr lang="en-US" dirty="0"/>
               <a:pPr/>
-              <a:t>6/14/18</a:t>
+              <a:t>6/15/18</a:t>
             </a:fld>
             <a:endParaRPr lang="en-US" dirty="0"/>
           </a:p>
@@ -3924,7 +3926,7 @@
             <a:fld id="{B61BEF0D-F0BB-DE4B-95CE-6DB70DBA9567}" type="datetimeFigureOut">
               <a:rPr lang="en-US" dirty="0"/>
               <a:pPr/>
-              <a:t>6/14/18</a:t>
+              <a:t>6/15/18</a:t>
             </a:fld>
             <a:endParaRPr lang="en-US" dirty="0"/>
           </a:p>
@@ -4016,7 +4018,7 @@
             <a:fld id="{B61BEF0D-F0BB-DE4B-95CE-6DB70DBA9567}" type="datetimeFigureOut">
               <a:rPr lang="en-US" dirty="0"/>
               <a:pPr/>
-              <a:t>6/14/18</a:t>
+              <a:t>6/15/18</a:t>
             </a:fld>
             <a:endParaRPr lang="en-US" dirty="0"/>
           </a:p>
@@ -4267,7 +4269,7 @@
           <a:p>
             <a:fld id="{42A54C80-263E-416B-A8E0-580EDEADCBDC}" type="datetimeFigureOut">
               <a:rPr lang="en-US" dirty="0"/>
-              <a:t>6/14/18</a:t>
+              <a:t>6/15/18</a:t>
             </a:fld>
             <a:endParaRPr lang="en-US" dirty="0"/>
           </a:p>
@@ -4526,7 +4528,7 @@
             <a:fld id="{B61BEF0D-F0BB-DE4B-95CE-6DB70DBA9567}" type="datetimeFigureOut">
               <a:rPr lang="en-US" dirty="0"/>
               <a:pPr/>
-              <a:t>6/14/18</a:t>
+              <a:t>6/15/18</a:t>
             </a:fld>
             <a:endParaRPr lang="en-US" dirty="0"/>
           </a:p>
@@ -5266,7 +5268,7 @@
             <a:fld id="{B61BEF0D-F0BB-DE4B-95CE-6DB70DBA9567}" type="datetimeFigureOut">
               <a:rPr lang="en-US" dirty="0"/>
               <a:pPr/>
-              <a:t>6/14/18</a:t>
+              <a:t>6/15/18</a:t>
             </a:fld>
             <a:endParaRPr lang="en-US" dirty="0"/>
           </a:p>
@@ -5888,6 +5890,592 @@
           <p:cNvPr id="2" name="Title 1">
             <a:extLst>
               <a:ext uri="{FF2B5EF4-FFF2-40B4-BE49-F238E27FC236}">
+                <a16:creationId xmlns:a16="http://schemas.microsoft.com/office/drawing/2014/main" id="{0BBEEE50-8497-7049-A1E3-FD5218CDEB90}"/>
+              </a:ext>
+            </a:extLst>
+          </p:cNvPr>
+          <p:cNvSpPr>
+            <a:spLocks noGrp="1"/>
+          </p:cNvSpPr>
+          <p:nvPr>
+            <p:ph type="title"/>
+          </p:nvPr>
+        </p:nvSpPr>
+        <p:spPr/>
+        <p:txBody>
+          <a:bodyPr/>
+          <a:lstStyle/>
+          <a:p>
+            <a:r>
+              <a:rPr lang="it-IT" dirty="0"/>
+              <a:t>Predizioni</a:t>
+            </a:r>
+          </a:p>
+        </p:txBody>
+      </p:sp>
+      <p:sp>
+        <p:nvSpPr>
+          <p:cNvPr id="3" name="Content Placeholder 2">
+            <a:extLst>
+              <a:ext uri="{FF2B5EF4-FFF2-40B4-BE49-F238E27FC236}">
+                <a16:creationId xmlns:a16="http://schemas.microsoft.com/office/drawing/2014/main" id="{7735A76D-DB7E-8540-8857-A18D638B154A}"/>
+              </a:ext>
+            </a:extLst>
+          </p:cNvPr>
+          <p:cNvSpPr>
+            <a:spLocks noGrp="1"/>
+          </p:cNvSpPr>
+          <p:nvPr>
+            <p:ph idx="1"/>
+          </p:nvPr>
+        </p:nvSpPr>
+        <p:spPr>
+          <a:xfrm>
+            <a:off x="677334" y="1908348"/>
+            <a:ext cx="8596668" cy="4198170"/>
+          </a:xfrm>
+        </p:spPr>
+        <p:txBody>
+          <a:bodyPr/>
+          <a:lstStyle/>
+          <a:p>
+            <a:r>
+              <a:rPr lang="it-IT" dirty="0"/>
+              <a:t>Predizione a breve termine:</a:t>
+            </a:r>
+          </a:p>
+          <a:p>
+            <a:pPr lvl="1"/>
+            <a:r>
+              <a:rPr lang="it-IT" dirty="0"/>
+              <a:t>Training set: 5 giorni</a:t>
+            </a:r>
+          </a:p>
+          <a:p>
+            <a:pPr lvl="1"/>
+            <a:r>
+              <a:rPr lang="it-IT" dirty="0"/>
+              <a:t>Test set: 3 giorni consecutivi</a:t>
+            </a:r>
+          </a:p>
+          <a:p>
+            <a:r>
+              <a:rPr lang="it-IT" dirty="0"/>
+              <a:t>Predizione a lungo termine:</a:t>
+            </a:r>
+          </a:p>
+          <a:p>
+            <a:pPr lvl="1"/>
+            <a:r>
+              <a:rPr lang="it-IT" dirty="0"/>
+              <a:t>Training set: 5 giorni</a:t>
+            </a:r>
+          </a:p>
+          <a:p>
+            <a:pPr lvl="1"/>
+            <a:r>
+              <a:rPr lang="it-IT" dirty="0"/>
+              <a:t>Test set: 9 giorni nel caso del dataset A, 16 per il dataset B</a:t>
+            </a:r>
+          </a:p>
+          <a:p>
+            <a:r>
+              <a:rPr lang="it-IT" dirty="0"/>
+              <a:t>Predizione su sequenza casuale:</a:t>
+            </a:r>
+          </a:p>
+          <a:p>
+            <a:pPr lvl="1"/>
+            <a:r>
+              <a:rPr lang="it-IT" dirty="0"/>
+              <a:t>Training set: 5 giorni</a:t>
+            </a:r>
+          </a:p>
+          <a:p>
+            <a:pPr lvl="1"/>
+            <a:r>
+              <a:rPr lang="it-IT" dirty="0" err="1"/>
+              <a:t>Testset</a:t>
+            </a:r>
+            <a:r>
+              <a:rPr lang="it-IT" dirty="0"/>
+              <a:t>: 3000/20000 stati</a:t>
+            </a:r>
+          </a:p>
+          <a:p>
+            <a:pPr lvl="1"/>
+            <a:r>
+              <a:rPr lang="it-IT" dirty="0"/>
+              <a:t>Generata dalle distribuzioni di probabilità</a:t>
+            </a:r>
+          </a:p>
+          <a:p>
+            <a:pPr lvl="2"/>
+            <a:r>
+              <a:rPr lang="it-IT" dirty="0"/>
+              <a:t>Poco imprevedibile</a:t>
+            </a:r>
+          </a:p>
+        </p:txBody>
+      </p:sp>
+    </p:spTree>
+    <p:extLst>
+      <p:ext uri="{BB962C8B-B14F-4D97-AF65-F5344CB8AC3E}">
+        <p14:creationId xmlns:p14="http://schemas.microsoft.com/office/powerpoint/2010/main" val="3212138720"/>
+      </p:ext>
+    </p:extLst>
+  </p:cSld>
+  <p:clrMapOvr>
+    <a:masterClrMapping/>
+  </p:clrMapOvr>
+</p:sld>
+</file>
+
+<file path=ppt/slides/slide11.xml><?xml version="1.0" encoding="utf-8"?>
+<p:sld xmlns:a="http://schemas.openxmlformats.org/drawingml/2006/main" xmlns:r="http://schemas.openxmlformats.org/officeDocument/2006/relationships" xmlns:p="http://schemas.openxmlformats.org/presentationml/2006/main">
+  <p:cSld>
+    <p:spTree>
+      <p:nvGrpSpPr>
+        <p:cNvPr id="1" name=""/>
+        <p:cNvGrpSpPr/>
+        <p:nvPr/>
+      </p:nvGrpSpPr>
+      <p:grpSpPr>
+        <a:xfrm>
+          <a:off x="0" y="0"/>
+          <a:ext cx="0" cy="0"/>
+          <a:chOff x="0" y="0"/>
+          <a:chExt cx="0" cy="0"/>
+        </a:xfrm>
+      </p:grpSpPr>
+      <p:sp>
+        <p:nvSpPr>
+          <p:cNvPr id="2" name="Title 1">
+            <a:extLst>
+              <a:ext uri="{FF2B5EF4-FFF2-40B4-BE49-F238E27FC236}">
+                <a16:creationId xmlns:a16="http://schemas.microsoft.com/office/drawing/2014/main" id="{ED6F87B8-C56D-DC48-806F-8E022539B171}"/>
+              </a:ext>
+            </a:extLst>
+          </p:cNvPr>
+          <p:cNvSpPr>
+            <a:spLocks noGrp="1"/>
+          </p:cNvSpPr>
+          <p:nvPr>
+            <p:ph type="title"/>
+          </p:nvPr>
+        </p:nvSpPr>
+        <p:spPr/>
+        <p:txBody>
+          <a:bodyPr/>
+          <a:lstStyle/>
+          <a:p>
+            <a:r>
+              <a:rPr lang="it-IT" dirty="0"/>
+              <a:t>Risultati – Previsione 3 giorni</a:t>
+            </a:r>
+          </a:p>
+        </p:txBody>
+      </p:sp>
+      <p:sp>
+        <p:nvSpPr>
+          <p:cNvPr id="3" name="Content Placeholder 2">
+            <a:extLst>
+              <a:ext uri="{FF2B5EF4-FFF2-40B4-BE49-F238E27FC236}">
+                <a16:creationId xmlns:a16="http://schemas.microsoft.com/office/drawing/2014/main" id="{26DA0C2F-8B8A-C54A-9F9E-793E8F44EBD9}"/>
+              </a:ext>
+            </a:extLst>
+          </p:cNvPr>
+          <p:cNvSpPr>
+            <a:spLocks noGrp="1"/>
+          </p:cNvSpPr>
+          <p:nvPr>
+            <p:ph idx="1"/>
+          </p:nvPr>
+        </p:nvSpPr>
+        <p:spPr>
+          <a:xfrm>
+            <a:off x="677333" y="1828800"/>
+            <a:ext cx="3694969" cy="525517"/>
+          </a:xfrm>
+        </p:spPr>
+        <p:txBody>
+          <a:bodyPr>
+            <a:normAutofit/>
+          </a:bodyPr>
+          <a:lstStyle/>
+          <a:p>
+            <a:r>
+              <a:rPr lang="it-IT" dirty="0" err="1"/>
+              <a:t>Accuracy</a:t>
+            </a:r>
+            <a:r>
+              <a:rPr lang="it-IT" dirty="0"/>
+              <a:t> dataset A: 94.9%</a:t>
+            </a:r>
+          </a:p>
+        </p:txBody>
+      </p:sp>
+      <p:sp>
+        <p:nvSpPr>
+          <p:cNvPr id="6" name="Content Placeholder 2">
+            <a:extLst>
+              <a:ext uri="{FF2B5EF4-FFF2-40B4-BE49-F238E27FC236}">
+                <a16:creationId xmlns:a16="http://schemas.microsoft.com/office/drawing/2014/main" id="{30B847EC-F4D1-5C4C-AEF3-3915ECC29E49}"/>
+              </a:ext>
+            </a:extLst>
+          </p:cNvPr>
+          <p:cNvSpPr txBox="1">
+            <a:spLocks/>
+          </p:cNvSpPr>
+          <p:nvPr/>
+        </p:nvSpPr>
+        <p:spPr>
+          <a:xfrm>
+            <a:off x="4802645" y="1812515"/>
+            <a:ext cx="3574100" cy="525517"/>
+          </a:xfrm>
+          <a:prstGeom prst="rect">
+            <a:avLst/>
+          </a:prstGeom>
+        </p:spPr>
+        <p:txBody>
+          <a:bodyPr vert="horz" lIns="91440" tIns="45720" rIns="91440" bIns="45720" rtlCol="0">
+            <a:normAutofit/>
+          </a:bodyPr>
+          <a:lstStyle>
+            <a:lvl1pPr marL="342900" indent="-342900" algn="l" defTabSz="457200" rtl="0" eaLnBrk="1" latinLnBrk="0" hangingPunct="1">
+              <a:spcBef>
+                <a:spcPts val="1000"/>
+              </a:spcBef>
+              <a:spcAft>
+                <a:spcPts val="0"/>
+              </a:spcAft>
+              <a:buClr>
+                <a:schemeClr val="accent1"/>
+              </a:buClr>
+              <a:buSzPct val="80000"/>
+              <a:buFont typeface="Wingdings 3" charset="2"/>
+              <a:buChar char=""/>
+              <a:defRPr sz="1800" kern="1200">
+                <a:solidFill>
+                  <a:schemeClr val="tx1">
+                    <a:lumMod val="75000"/>
+                    <a:lumOff val="25000"/>
+                  </a:schemeClr>
+                </a:solidFill>
+                <a:latin typeface="+mn-lt"/>
+                <a:ea typeface="+mn-ea"/>
+                <a:cs typeface="+mn-cs"/>
+              </a:defRPr>
+            </a:lvl1pPr>
+            <a:lvl2pPr marL="742950" indent="-285750" algn="l" defTabSz="457200" rtl="0" eaLnBrk="1" latinLnBrk="0" hangingPunct="1">
+              <a:spcBef>
+                <a:spcPts val="1000"/>
+              </a:spcBef>
+              <a:spcAft>
+                <a:spcPts val="0"/>
+              </a:spcAft>
+              <a:buClr>
+                <a:schemeClr val="accent1"/>
+              </a:buClr>
+              <a:buSzPct val="80000"/>
+              <a:buFont typeface="Wingdings 3" charset="2"/>
+              <a:buChar char=""/>
+              <a:defRPr sz="1600" kern="1200">
+                <a:solidFill>
+                  <a:schemeClr val="tx1">
+                    <a:lumMod val="75000"/>
+                    <a:lumOff val="25000"/>
+                  </a:schemeClr>
+                </a:solidFill>
+                <a:latin typeface="+mn-lt"/>
+                <a:ea typeface="+mn-ea"/>
+                <a:cs typeface="+mn-cs"/>
+              </a:defRPr>
+            </a:lvl2pPr>
+            <a:lvl3pPr marL="1143000" indent="-228600" algn="l" defTabSz="457200" rtl="0" eaLnBrk="1" latinLnBrk="0" hangingPunct="1">
+              <a:spcBef>
+                <a:spcPts val="1000"/>
+              </a:spcBef>
+              <a:spcAft>
+                <a:spcPts val="0"/>
+              </a:spcAft>
+              <a:buClr>
+                <a:schemeClr val="accent1"/>
+              </a:buClr>
+              <a:buSzPct val="80000"/>
+              <a:buFont typeface="Wingdings 3" charset="2"/>
+              <a:buChar char=""/>
+              <a:defRPr sz="1400" kern="1200">
+                <a:solidFill>
+                  <a:schemeClr val="tx1">
+                    <a:lumMod val="75000"/>
+                    <a:lumOff val="25000"/>
+                  </a:schemeClr>
+                </a:solidFill>
+                <a:latin typeface="+mn-lt"/>
+                <a:ea typeface="+mn-ea"/>
+                <a:cs typeface="+mn-cs"/>
+              </a:defRPr>
+            </a:lvl3pPr>
+            <a:lvl4pPr marL="1600200" indent="-228600" algn="l" defTabSz="457200" rtl="0" eaLnBrk="1" latinLnBrk="0" hangingPunct="1">
+              <a:spcBef>
+                <a:spcPts val="1000"/>
+              </a:spcBef>
+              <a:spcAft>
+                <a:spcPts val="0"/>
+              </a:spcAft>
+              <a:buClr>
+                <a:schemeClr val="accent1"/>
+              </a:buClr>
+              <a:buSzPct val="80000"/>
+              <a:buFont typeface="Wingdings 3" charset="2"/>
+              <a:buChar char=""/>
+              <a:defRPr sz="1200" kern="1200">
+                <a:solidFill>
+                  <a:schemeClr val="tx1">
+                    <a:lumMod val="75000"/>
+                    <a:lumOff val="25000"/>
+                  </a:schemeClr>
+                </a:solidFill>
+                <a:latin typeface="+mn-lt"/>
+                <a:ea typeface="+mn-ea"/>
+                <a:cs typeface="+mn-cs"/>
+              </a:defRPr>
+            </a:lvl4pPr>
+            <a:lvl5pPr marL="2057400" indent="-228600" algn="l" defTabSz="457200" rtl="0" eaLnBrk="1" latinLnBrk="0" hangingPunct="1">
+              <a:spcBef>
+                <a:spcPts val="1000"/>
+              </a:spcBef>
+              <a:spcAft>
+                <a:spcPts val="0"/>
+              </a:spcAft>
+              <a:buClr>
+                <a:schemeClr val="accent1"/>
+              </a:buClr>
+              <a:buSzPct val="80000"/>
+              <a:buFont typeface="Wingdings 3" charset="2"/>
+              <a:buChar char=""/>
+              <a:defRPr sz="1200" kern="1200">
+                <a:solidFill>
+                  <a:schemeClr val="tx1">
+                    <a:lumMod val="75000"/>
+                    <a:lumOff val="25000"/>
+                  </a:schemeClr>
+                </a:solidFill>
+                <a:latin typeface="+mn-lt"/>
+                <a:ea typeface="+mn-ea"/>
+                <a:cs typeface="+mn-cs"/>
+              </a:defRPr>
+            </a:lvl5pPr>
+            <a:lvl6pPr marL="2514600" indent="-228600" algn="l" defTabSz="457200" rtl="0" eaLnBrk="1" latinLnBrk="0" hangingPunct="1">
+              <a:spcBef>
+                <a:spcPts val="1000"/>
+              </a:spcBef>
+              <a:spcAft>
+                <a:spcPts val="0"/>
+              </a:spcAft>
+              <a:buClr>
+                <a:schemeClr val="accent1"/>
+              </a:buClr>
+              <a:buSzPct val="80000"/>
+              <a:buFont typeface="Wingdings 3" charset="2"/>
+              <a:buChar char=""/>
+              <a:defRPr sz="1200" kern="1200">
+                <a:solidFill>
+                  <a:schemeClr val="tx1">
+                    <a:lumMod val="75000"/>
+                    <a:lumOff val="25000"/>
+                  </a:schemeClr>
+                </a:solidFill>
+                <a:latin typeface="+mn-lt"/>
+                <a:ea typeface="+mn-ea"/>
+                <a:cs typeface="+mn-cs"/>
+              </a:defRPr>
+            </a:lvl6pPr>
+            <a:lvl7pPr marL="2971800" indent="-228600" algn="l" defTabSz="457200" rtl="0" eaLnBrk="1" latinLnBrk="0" hangingPunct="1">
+              <a:spcBef>
+                <a:spcPts val="1000"/>
+              </a:spcBef>
+              <a:spcAft>
+                <a:spcPts val="0"/>
+              </a:spcAft>
+              <a:buClr>
+                <a:schemeClr val="accent1"/>
+              </a:buClr>
+              <a:buSzPct val="80000"/>
+              <a:buFont typeface="Wingdings 3" charset="2"/>
+              <a:buChar char=""/>
+              <a:defRPr sz="1200" kern="1200">
+                <a:solidFill>
+                  <a:schemeClr val="tx1">
+                    <a:lumMod val="75000"/>
+                    <a:lumOff val="25000"/>
+                  </a:schemeClr>
+                </a:solidFill>
+                <a:latin typeface="+mn-lt"/>
+                <a:ea typeface="+mn-ea"/>
+                <a:cs typeface="+mn-cs"/>
+              </a:defRPr>
+            </a:lvl7pPr>
+            <a:lvl8pPr marL="3429000" indent="-228600" algn="l" defTabSz="457200" rtl="0" eaLnBrk="1" latinLnBrk="0" hangingPunct="1">
+              <a:spcBef>
+                <a:spcPts val="1000"/>
+              </a:spcBef>
+              <a:spcAft>
+                <a:spcPts val="0"/>
+              </a:spcAft>
+              <a:buClr>
+                <a:schemeClr val="accent1"/>
+              </a:buClr>
+              <a:buSzPct val="80000"/>
+              <a:buFont typeface="Wingdings 3" charset="2"/>
+              <a:buChar char=""/>
+              <a:defRPr sz="1200" kern="1200">
+                <a:solidFill>
+                  <a:schemeClr val="tx1">
+                    <a:lumMod val="75000"/>
+                    <a:lumOff val="25000"/>
+                  </a:schemeClr>
+                </a:solidFill>
+                <a:latin typeface="+mn-lt"/>
+                <a:ea typeface="+mn-ea"/>
+                <a:cs typeface="+mn-cs"/>
+              </a:defRPr>
+            </a:lvl8pPr>
+            <a:lvl9pPr marL="3886200" indent="-228600" algn="l" defTabSz="457200" rtl="0" eaLnBrk="1" latinLnBrk="0" hangingPunct="1">
+              <a:spcBef>
+                <a:spcPts val="1000"/>
+              </a:spcBef>
+              <a:spcAft>
+                <a:spcPts val="0"/>
+              </a:spcAft>
+              <a:buClr>
+                <a:schemeClr val="accent1"/>
+              </a:buClr>
+              <a:buSzPct val="80000"/>
+              <a:buFont typeface="Wingdings 3" charset="2"/>
+              <a:buChar char=""/>
+              <a:defRPr sz="1200" kern="1200">
+                <a:solidFill>
+                  <a:schemeClr val="tx1">
+                    <a:lumMod val="75000"/>
+                    <a:lumOff val="25000"/>
+                  </a:schemeClr>
+                </a:solidFill>
+                <a:latin typeface="+mn-lt"/>
+                <a:ea typeface="+mn-ea"/>
+                <a:cs typeface="+mn-cs"/>
+              </a:defRPr>
+            </a:lvl9pPr>
+          </a:lstStyle>
+          <a:p>
+            <a:r>
+              <a:rPr lang="it-IT" dirty="0" err="1"/>
+              <a:t>Accuracy</a:t>
+            </a:r>
+            <a:r>
+              <a:rPr lang="it-IT" dirty="0"/>
+              <a:t> dataset B: 92.7%</a:t>
+            </a:r>
+          </a:p>
+        </p:txBody>
+      </p:sp>
+      <p:pic>
+        <p:nvPicPr>
+          <p:cNvPr id="9" name="Picture 8">
+            <a:extLst>
+              <a:ext uri="{FF2B5EF4-FFF2-40B4-BE49-F238E27FC236}">
+                <a16:creationId xmlns:a16="http://schemas.microsoft.com/office/drawing/2014/main" id="{355040F7-59B1-8D44-BEF8-4748B2DDB3AC}"/>
+              </a:ext>
+            </a:extLst>
+          </p:cNvPr>
+          <p:cNvPicPr>
+            <a:picLocks noChangeAspect="1"/>
+          </p:cNvPicPr>
+          <p:nvPr/>
+        </p:nvPicPr>
+        <p:blipFill>
+          <a:blip r:embed="rId2"/>
+          <a:stretch>
+            <a:fillRect/>
+          </a:stretch>
+        </p:blipFill>
+        <p:spPr>
+          <a:xfrm>
+            <a:off x="505566" y="2354317"/>
+            <a:ext cx="4559760" cy="3967655"/>
+          </a:xfrm>
+          <a:prstGeom prst="rect">
+            <a:avLst/>
+          </a:prstGeom>
+        </p:spPr>
+      </p:pic>
+      <p:pic>
+        <p:nvPicPr>
+          <p:cNvPr id="10" name="Picture 9">
+            <a:extLst>
+              <a:ext uri="{FF2B5EF4-FFF2-40B4-BE49-F238E27FC236}">
+                <a16:creationId xmlns:a16="http://schemas.microsoft.com/office/drawing/2014/main" id="{D46C8027-338A-A340-8687-68E89522A807}"/>
+              </a:ext>
+            </a:extLst>
+          </p:cNvPr>
+          <p:cNvPicPr>
+            <a:picLocks noChangeAspect="1"/>
+          </p:cNvPicPr>
+          <p:nvPr/>
+        </p:nvPicPr>
+        <p:blipFill>
+          <a:blip r:embed="rId3"/>
+          <a:stretch>
+            <a:fillRect/>
+          </a:stretch>
+        </p:blipFill>
+        <p:spPr>
+          <a:xfrm>
+            <a:off x="4615276" y="2386886"/>
+            <a:ext cx="4539234" cy="3928076"/>
+          </a:xfrm>
+          <a:prstGeom prst="rect">
+            <a:avLst/>
+          </a:prstGeom>
+        </p:spPr>
+      </p:pic>
+    </p:spTree>
+    <p:extLst>
+      <p:ext uri="{BB962C8B-B14F-4D97-AF65-F5344CB8AC3E}">
+        <p14:creationId xmlns:p14="http://schemas.microsoft.com/office/powerpoint/2010/main" val="3929718048"/>
+      </p:ext>
+    </p:extLst>
+  </p:cSld>
+  <p:clrMapOvr>
+    <a:masterClrMapping/>
+  </p:clrMapOvr>
+</p:sld>
+</file>
+
+<file path=ppt/slides/slide12.xml><?xml version="1.0" encoding="utf-8"?>
+<p:sld xmlns:a="http://schemas.openxmlformats.org/drawingml/2006/main" xmlns:r="http://schemas.openxmlformats.org/officeDocument/2006/relationships" xmlns:p="http://schemas.openxmlformats.org/presentationml/2006/main">
+  <p:cSld>
+    <p:spTree>
+      <p:nvGrpSpPr>
+        <p:cNvPr id="1" name=""/>
+        <p:cNvGrpSpPr/>
+        <p:nvPr/>
+      </p:nvGrpSpPr>
+      <p:grpSpPr>
+        <a:xfrm>
+          <a:off x="0" y="0"/>
+          <a:ext cx="0" cy="0"/>
+          <a:chOff x="0" y="0"/>
+          <a:chExt cx="0" cy="0"/>
+        </a:xfrm>
+      </p:grpSpPr>
+      <p:sp>
+        <p:nvSpPr>
+          <p:cNvPr id="2" name="Title 1">
+            <a:extLst>
+              <a:ext uri="{FF2B5EF4-FFF2-40B4-BE49-F238E27FC236}">
                 <a16:creationId xmlns:a16="http://schemas.microsoft.com/office/drawing/2014/main" id="{ED6F87B8-C56D-DC48-806F-8E022539B171}"/>
               </a:ext>
             </a:extLst>
@@ -6289,7 +6877,7 @@
 </p:sld>
 </file>
 
-<file path=ppt/slides/slide11.xml><?xml version="1.0" encoding="utf-8"?>
+<file path=ppt/slides/slide13.xml><?xml version="1.0" encoding="utf-8"?>
 <p:sld xmlns:a="http://schemas.openxmlformats.org/drawingml/2006/main" xmlns:r="http://schemas.openxmlformats.org/officeDocument/2006/relationships" xmlns:p="http://schemas.openxmlformats.org/presentationml/2006/main">
   <p:cSld>
     <p:spTree>
@@ -6712,7 +7300,7 @@
 </p:sld>
 </file>
 
-<file path=ppt/slides/slide12.xml><?xml version="1.0" encoding="utf-8"?>
+<file path=ppt/slides/slide14.xml><?xml version="1.0" encoding="utf-8"?>
 <p:sld xmlns:a="http://schemas.openxmlformats.org/drawingml/2006/main" xmlns:r="http://schemas.openxmlformats.org/officeDocument/2006/relationships" xmlns:p="http://schemas.openxmlformats.org/presentationml/2006/main">
   <p:cSld>
     <p:spTree>
@@ -7135,7 +7723,7 @@
 </p:sld>
 </file>
 
-<file path=ppt/slides/slide13.xml><?xml version="1.0" encoding="utf-8"?>
+<file path=ppt/slides/slide15.xml><?xml version="1.0" encoding="utf-8"?>
 <p:sld xmlns:a="http://schemas.openxmlformats.org/drawingml/2006/main" xmlns:r="http://schemas.openxmlformats.org/officeDocument/2006/relationships" xmlns:p="http://schemas.openxmlformats.org/presentationml/2006/main">
   <p:cSld>
     <p:spTree>
@@ -7558,7 +8146,7 @@
 </p:sld>
 </file>
 
-<file path=ppt/slides/slide14.xml><?xml version="1.0" encoding="utf-8"?>
+<file path=ppt/slides/slide16.xml><?xml version="1.0" encoding="utf-8"?>
 <p:sld xmlns:a="http://schemas.openxmlformats.org/drawingml/2006/main" xmlns:r="http://schemas.openxmlformats.org/officeDocument/2006/relationships" xmlns:p="http://schemas.openxmlformats.org/presentationml/2006/main">
   <p:cSld>
     <p:spTree>
@@ -7981,7 +8569,7 @@
 </p:sld>
 </file>
 
-<file path=ppt/slides/slide15.xml><?xml version="1.0" encoding="utf-8"?>
+<file path=ppt/slides/slide17.xml><?xml version="1.0" encoding="utf-8"?>
 <p:sld xmlns:a="http://schemas.openxmlformats.org/drawingml/2006/main" xmlns:r="http://schemas.openxmlformats.org/officeDocument/2006/relationships" xmlns:p="http://schemas.openxmlformats.org/presentationml/2006/main">
   <p:cSld>
     <p:spTree>
@@ -8086,7 +8674,7 @@
           <p:cNvPr id="2" name="Title 1">
             <a:extLst>
               <a:ext uri="{FF2B5EF4-FFF2-40B4-BE49-F238E27FC236}">
-                <a16:creationId xmlns:a16="http://schemas.microsoft.com/office/drawing/2014/main" id="{303A90F8-D0F1-F94A-9840-03E46DF56F0C}"/>
+                <a16:creationId xmlns:a16="http://schemas.microsoft.com/office/drawing/2014/main" id="{C7AA3DDA-1862-8A47-9B18-B8B4CD2E4267}"/>
               </a:ext>
             </a:extLst>
           </p:cNvPr>
@@ -8104,7 +8692,7 @@
           <a:p>
             <a:r>
               <a:rPr lang="it-IT" dirty="0"/>
-              <a:t>Dataset Iniziali</a:t>
+              <a:t>Obiettivi</a:t>
             </a:r>
           </a:p>
         </p:txBody>
@@ -8114,7 +8702,7 @@
           <p:cNvPr id="3" name="Content Placeholder 2">
             <a:extLst>
               <a:ext uri="{FF2B5EF4-FFF2-40B4-BE49-F238E27FC236}">
-                <a16:creationId xmlns:a16="http://schemas.microsoft.com/office/drawing/2014/main" id="{299E2872-545D-584E-8860-D6B2C9FDF21B}"/>
+                <a16:creationId xmlns:a16="http://schemas.microsoft.com/office/drawing/2014/main" id="{F98019A7-C108-8A44-BB30-D223A99DBEDB}"/>
               </a:ext>
             </a:extLst>
           </p:cNvPr>
@@ -8127,8 +8715,8 @@
         </p:nvSpPr>
         <p:spPr>
           <a:xfrm>
-            <a:off x="677334" y="1414356"/>
-            <a:ext cx="9212900" cy="5049506"/>
+            <a:off x="677333" y="1494263"/>
+            <a:ext cx="9046529" cy="5018049"/>
           </a:xfrm>
         </p:spPr>
         <p:txBody>
@@ -8138,641 +8726,86 @@
           <a:lstStyle/>
           <a:p>
             <a:r>
-              <a:rPr lang="it-IT" sz="2400" dirty="0"/>
-              <a:t>Due dataset relativi a due abitazioni separate (A e B)</a:t>
+              <a:rPr lang="it-IT" sz="2000" dirty="0"/>
+              <a:t>1. Definizione della struttura dati </a:t>
             </a:r>
           </a:p>
           <a:p>
             <a:pPr lvl="1"/>
             <a:r>
-              <a:rPr lang="it-IT" sz="2200" dirty="0"/>
-              <a:t>14 giorni per il dataset A, 21 giorni per il dataset B</a:t>
-            </a:r>
-          </a:p>
-          <a:p>
-            <a:r>
-              <a:rPr lang="it-IT" sz="2400" dirty="0"/>
-              <a:t>Per ognuna due dataset in formato testuale:</a:t>
-            </a:r>
-          </a:p>
-          <a:p>
-            <a:endParaRPr lang="it-IT" sz="2400" dirty="0"/>
-          </a:p>
-          <a:p>
-            <a:endParaRPr lang="it-IT" sz="2400" dirty="0"/>
-          </a:p>
-          <a:p>
-            <a:endParaRPr lang="it-IT" sz="2400" dirty="0"/>
-          </a:p>
-          <a:p>
-            <a:pPr marL="0" indent="0">
-              <a:buNone/>
-            </a:pPr>
-            <a:endParaRPr lang="it-IT" sz="2800" dirty="0"/>
-          </a:p>
-          <a:p>
-            <a:r>
-              <a:rPr lang="it-IT" sz="2400" dirty="0"/>
-              <a:t>12 sensori</a:t>
-            </a:r>
-          </a:p>
-          <a:p>
-            <a:r>
-              <a:rPr lang="it-IT" sz="2400" dirty="0"/>
-              <a:t>10 attività</a:t>
-            </a:r>
-          </a:p>
-        </p:txBody>
-      </p:sp>
-      <p:sp>
-        <p:nvSpPr>
-          <p:cNvPr id="5" name="Content Placeholder 2">
-            <a:extLst>
-              <a:ext uri="{FF2B5EF4-FFF2-40B4-BE49-F238E27FC236}">
-                <a16:creationId xmlns:a16="http://schemas.microsoft.com/office/drawing/2014/main" id="{7D6DC3BE-684C-D948-981A-CE0653420004}"/>
-              </a:ext>
-            </a:extLst>
-          </p:cNvPr>
-          <p:cNvSpPr txBox="1">
-            <a:spLocks/>
-          </p:cNvSpPr>
-          <p:nvPr/>
-        </p:nvSpPr>
-        <p:spPr>
-          <a:xfrm>
-            <a:off x="677334" y="2974429"/>
-            <a:ext cx="4682942" cy="3217202"/>
-          </a:xfrm>
-          <a:prstGeom prst="rect">
-            <a:avLst/>
-          </a:prstGeom>
-        </p:spPr>
-        <p:txBody>
-          <a:bodyPr vert="horz" lIns="91440" tIns="45720" rIns="91440" bIns="45720" rtlCol="0">
-            <a:normAutofit/>
-          </a:bodyPr>
-          <a:lstStyle>
-            <a:lvl1pPr marL="342900" indent="-342900" algn="l" defTabSz="457200" rtl="0" eaLnBrk="1" latinLnBrk="0" hangingPunct="1">
-              <a:spcBef>
-                <a:spcPts val="1000"/>
-              </a:spcBef>
-              <a:spcAft>
-                <a:spcPts val="0"/>
-              </a:spcAft>
-              <a:buClr>
-                <a:schemeClr val="accent1"/>
-              </a:buClr>
-              <a:buSzPct val="80000"/>
-              <a:buFont typeface="Wingdings 3" charset="2"/>
-              <a:buChar char=""/>
-              <a:defRPr sz="1800" kern="1200">
-                <a:solidFill>
-                  <a:schemeClr val="tx1">
-                    <a:lumMod val="75000"/>
-                    <a:lumOff val="25000"/>
-                  </a:schemeClr>
-                </a:solidFill>
-                <a:latin typeface="+mn-lt"/>
-                <a:ea typeface="+mn-ea"/>
-                <a:cs typeface="+mn-cs"/>
-              </a:defRPr>
-            </a:lvl1pPr>
-            <a:lvl2pPr marL="742950" indent="-285750" algn="l" defTabSz="457200" rtl="0" eaLnBrk="1" latinLnBrk="0" hangingPunct="1">
-              <a:spcBef>
-                <a:spcPts val="1000"/>
-              </a:spcBef>
-              <a:spcAft>
-                <a:spcPts val="0"/>
-              </a:spcAft>
-              <a:buClr>
-                <a:schemeClr val="accent1"/>
-              </a:buClr>
-              <a:buSzPct val="80000"/>
-              <a:buFont typeface="Wingdings 3" charset="2"/>
-              <a:buChar char=""/>
-              <a:defRPr sz="1600" kern="1200">
-                <a:solidFill>
-                  <a:schemeClr val="tx1">
-                    <a:lumMod val="75000"/>
-                    <a:lumOff val="25000"/>
-                  </a:schemeClr>
-                </a:solidFill>
-                <a:latin typeface="+mn-lt"/>
-                <a:ea typeface="+mn-ea"/>
-                <a:cs typeface="+mn-cs"/>
-              </a:defRPr>
-            </a:lvl2pPr>
-            <a:lvl3pPr marL="1143000" indent="-228600" algn="l" defTabSz="457200" rtl="0" eaLnBrk="1" latinLnBrk="0" hangingPunct="1">
-              <a:spcBef>
-                <a:spcPts val="1000"/>
-              </a:spcBef>
-              <a:spcAft>
-                <a:spcPts val="0"/>
-              </a:spcAft>
-              <a:buClr>
-                <a:schemeClr val="accent1"/>
-              </a:buClr>
-              <a:buSzPct val="80000"/>
-              <a:buFont typeface="Wingdings 3" charset="2"/>
-              <a:buChar char=""/>
-              <a:defRPr sz="1400" kern="1200">
-                <a:solidFill>
-                  <a:schemeClr val="tx1">
-                    <a:lumMod val="75000"/>
-                    <a:lumOff val="25000"/>
-                  </a:schemeClr>
-                </a:solidFill>
-                <a:latin typeface="+mn-lt"/>
-                <a:ea typeface="+mn-ea"/>
-                <a:cs typeface="+mn-cs"/>
-              </a:defRPr>
-            </a:lvl3pPr>
-            <a:lvl4pPr marL="1600200" indent="-228600" algn="l" defTabSz="457200" rtl="0" eaLnBrk="1" latinLnBrk="0" hangingPunct="1">
-              <a:spcBef>
-                <a:spcPts val="1000"/>
-              </a:spcBef>
-              <a:spcAft>
-                <a:spcPts val="0"/>
-              </a:spcAft>
-              <a:buClr>
-                <a:schemeClr val="accent1"/>
-              </a:buClr>
-              <a:buSzPct val="80000"/>
-              <a:buFont typeface="Wingdings 3" charset="2"/>
-              <a:buChar char=""/>
-              <a:defRPr sz="1200" kern="1200">
-                <a:solidFill>
-                  <a:schemeClr val="tx1">
-                    <a:lumMod val="75000"/>
-                    <a:lumOff val="25000"/>
-                  </a:schemeClr>
-                </a:solidFill>
-                <a:latin typeface="+mn-lt"/>
-                <a:ea typeface="+mn-ea"/>
-                <a:cs typeface="+mn-cs"/>
-              </a:defRPr>
-            </a:lvl4pPr>
-            <a:lvl5pPr marL="2057400" indent="-228600" algn="l" defTabSz="457200" rtl="0" eaLnBrk="1" latinLnBrk="0" hangingPunct="1">
-              <a:spcBef>
-                <a:spcPts val="1000"/>
-              </a:spcBef>
-              <a:spcAft>
-                <a:spcPts val="0"/>
-              </a:spcAft>
-              <a:buClr>
-                <a:schemeClr val="accent1"/>
-              </a:buClr>
-              <a:buSzPct val="80000"/>
-              <a:buFont typeface="Wingdings 3" charset="2"/>
-              <a:buChar char=""/>
-              <a:defRPr sz="1200" kern="1200">
-                <a:solidFill>
-                  <a:schemeClr val="tx1">
-                    <a:lumMod val="75000"/>
-                    <a:lumOff val="25000"/>
-                  </a:schemeClr>
-                </a:solidFill>
-                <a:latin typeface="+mn-lt"/>
-                <a:ea typeface="+mn-ea"/>
-                <a:cs typeface="+mn-cs"/>
-              </a:defRPr>
-            </a:lvl5pPr>
-            <a:lvl6pPr marL="2514600" indent="-228600" algn="l" defTabSz="457200" rtl="0" eaLnBrk="1" latinLnBrk="0" hangingPunct="1">
-              <a:spcBef>
-                <a:spcPts val="1000"/>
-              </a:spcBef>
-              <a:spcAft>
-                <a:spcPts val="0"/>
-              </a:spcAft>
-              <a:buClr>
-                <a:schemeClr val="accent1"/>
-              </a:buClr>
-              <a:buSzPct val="80000"/>
-              <a:buFont typeface="Wingdings 3" charset="2"/>
-              <a:buChar char=""/>
-              <a:defRPr sz="1200" kern="1200">
-                <a:solidFill>
-                  <a:schemeClr val="tx1">
-                    <a:lumMod val="75000"/>
-                    <a:lumOff val="25000"/>
-                  </a:schemeClr>
-                </a:solidFill>
-                <a:latin typeface="+mn-lt"/>
-                <a:ea typeface="+mn-ea"/>
-                <a:cs typeface="+mn-cs"/>
-              </a:defRPr>
-            </a:lvl6pPr>
-            <a:lvl7pPr marL="2971800" indent="-228600" algn="l" defTabSz="457200" rtl="0" eaLnBrk="1" latinLnBrk="0" hangingPunct="1">
-              <a:spcBef>
-                <a:spcPts val="1000"/>
-              </a:spcBef>
-              <a:spcAft>
-                <a:spcPts val="0"/>
-              </a:spcAft>
-              <a:buClr>
-                <a:schemeClr val="accent1"/>
-              </a:buClr>
-              <a:buSzPct val="80000"/>
-              <a:buFont typeface="Wingdings 3" charset="2"/>
-              <a:buChar char=""/>
-              <a:defRPr sz="1200" kern="1200">
-                <a:solidFill>
-                  <a:schemeClr val="tx1">
-                    <a:lumMod val="75000"/>
-                    <a:lumOff val="25000"/>
-                  </a:schemeClr>
-                </a:solidFill>
-                <a:latin typeface="+mn-lt"/>
-                <a:ea typeface="+mn-ea"/>
-                <a:cs typeface="+mn-cs"/>
-              </a:defRPr>
-            </a:lvl7pPr>
-            <a:lvl8pPr marL="3429000" indent="-228600" algn="l" defTabSz="457200" rtl="0" eaLnBrk="1" latinLnBrk="0" hangingPunct="1">
-              <a:spcBef>
-                <a:spcPts val="1000"/>
-              </a:spcBef>
-              <a:spcAft>
-                <a:spcPts val="0"/>
-              </a:spcAft>
-              <a:buClr>
-                <a:schemeClr val="accent1"/>
-              </a:buClr>
-              <a:buSzPct val="80000"/>
-              <a:buFont typeface="Wingdings 3" charset="2"/>
-              <a:buChar char=""/>
-              <a:defRPr sz="1200" kern="1200">
-                <a:solidFill>
-                  <a:schemeClr val="tx1">
-                    <a:lumMod val="75000"/>
-                    <a:lumOff val="25000"/>
-                  </a:schemeClr>
-                </a:solidFill>
-                <a:latin typeface="+mn-lt"/>
-                <a:ea typeface="+mn-ea"/>
-                <a:cs typeface="+mn-cs"/>
-              </a:defRPr>
-            </a:lvl8pPr>
-            <a:lvl9pPr marL="3886200" indent="-228600" algn="l" defTabSz="457200" rtl="0" eaLnBrk="1" latinLnBrk="0" hangingPunct="1">
-              <a:spcBef>
-                <a:spcPts val="1000"/>
-              </a:spcBef>
-              <a:spcAft>
-                <a:spcPts val="0"/>
-              </a:spcAft>
-              <a:buClr>
-                <a:schemeClr val="accent1"/>
-              </a:buClr>
-              <a:buSzPct val="80000"/>
-              <a:buFont typeface="Wingdings 3" charset="2"/>
-              <a:buChar char=""/>
-              <a:defRPr sz="1200" kern="1200">
-                <a:solidFill>
-                  <a:schemeClr val="tx1">
-                    <a:lumMod val="75000"/>
-                    <a:lumOff val="25000"/>
-                  </a:schemeClr>
-                </a:solidFill>
-                <a:latin typeface="+mn-lt"/>
-                <a:ea typeface="+mn-ea"/>
-                <a:cs typeface="+mn-cs"/>
-              </a:defRPr>
-            </a:lvl9pPr>
-          </a:lstStyle>
+              <a:rPr lang="it-IT" sz="1800" dirty="0"/>
+              <a:t>Misurazioni derivanti da sensori, con relativi time </a:t>
+            </a:r>
+            <a:r>
+              <a:rPr lang="it-IT" sz="1800" dirty="0" err="1"/>
+              <a:t>stamp</a:t>
+            </a:r>
+            <a:endParaRPr lang="it-IT" sz="1800" dirty="0"/>
+          </a:p>
           <a:p>
             <a:pPr lvl="1"/>
             <a:r>
+              <a:rPr lang="it-IT" sz="1800" dirty="0"/>
+              <a:t>Attività svolte</a:t>
+            </a:r>
+          </a:p>
+          <a:p>
+            <a:r>
               <a:rPr lang="it-IT" sz="2000" dirty="0"/>
-              <a:t>Attività rilevate:</a:t>
-            </a:r>
-          </a:p>
-          <a:p>
-            <a:pPr lvl="2"/>
+              <a:t>2. Modello HMM</a:t>
+            </a:r>
+          </a:p>
+          <a:p>
+            <a:pPr lvl="1"/>
+            <a:r>
+              <a:rPr lang="it-IT" sz="1800" dirty="0"/>
+              <a:t>Definizione della struttura HMM per inferire l’attività date le osservazioni derivanti dai sensori </a:t>
+            </a:r>
+          </a:p>
+          <a:p>
+            <a:pPr lvl="1"/>
+            <a:r>
+              <a:rPr lang="it-IT" sz="1800" dirty="0"/>
+              <a:t>Stima dei parametri </a:t>
+            </a:r>
+          </a:p>
+          <a:p>
+            <a:r>
+              <a:rPr lang="it-IT" sz="2000" dirty="0"/>
+              <a:t>3. Previsione dell’attività svolta  </a:t>
+            </a:r>
+          </a:p>
+          <a:p>
+            <a:pPr lvl="1"/>
+            <a:r>
+              <a:rPr lang="it-IT" sz="1800" dirty="0"/>
+              <a:t>Inferire l’attività dell’utente tramite i dati rilevati dai sensori </a:t>
+            </a:r>
+          </a:p>
+          <a:p>
+            <a:r>
+              <a:rPr lang="it-IT" sz="2000" dirty="0"/>
+              <a:t>4. Analisi dei dati</a:t>
+            </a:r>
+          </a:p>
+          <a:p>
+            <a:pPr lvl="1"/>
+            <a:r>
+              <a:rPr lang="it-IT" sz="1800" dirty="0"/>
+              <a:t>Stimare le capacità predittive del modello rispetto alla </a:t>
+            </a:r>
             <a:r>
               <a:rPr lang="it-IT" sz="1800" dirty="0" err="1"/>
-              <a:t>start_time</a:t>
-            </a:r>
-            <a:endParaRPr lang="it-IT" sz="1800" dirty="0"/>
-          </a:p>
-          <a:p>
-            <a:pPr lvl="2"/>
+              <a:t>ground</a:t>
+            </a:r>
+            <a:r>
+              <a:rPr lang="it-IT" sz="1800" dirty="0"/>
+              <a:t> </a:t>
+            </a:r>
             <a:r>
               <a:rPr lang="it-IT" sz="1800" dirty="0" err="1"/>
-              <a:t>end_time</a:t>
-            </a:r>
-            <a:endParaRPr lang="it-IT" sz="1800" dirty="0"/>
-          </a:p>
-          <a:p>
-            <a:pPr lvl="2"/>
-            <a:r>
-              <a:rPr lang="it-IT" sz="1800" dirty="0" err="1"/>
-              <a:t>activity</a:t>
-            </a:r>
-            <a:endParaRPr lang="it-IT" sz="1800" dirty="0"/>
-          </a:p>
-        </p:txBody>
-      </p:sp>
-      <p:sp>
-        <p:nvSpPr>
-          <p:cNvPr id="6" name="Content Placeholder 2">
-            <a:extLst>
-              <a:ext uri="{FF2B5EF4-FFF2-40B4-BE49-F238E27FC236}">
-                <a16:creationId xmlns:a16="http://schemas.microsoft.com/office/drawing/2014/main" id="{5CE2D472-7A48-F245-9005-AE5042BCD6C3}"/>
-              </a:ext>
-            </a:extLst>
-          </p:cNvPr>
-          <p:cNvSpPr txBox="1">
-            <a:spLocks/>
-          </p:cNvSpPr>
-          <p:nvPr/>
-        </p:nvSpPr>
-        <p:spPr>
-          <a:xfrm>
-            <a:off x="4087941" y="2974429"/>
-            <a:ext cx="4682942" cy="3217202"/>
-          </a:xfrm>
-          <a:prstGeom prst="rect">
-            <a:avLst/>
-          </a:prstGeom>
-        </p:spPr>
-        <p:txBody>
-          <a:bodyPr vert="horz" lIns="91440" tIns="45720" rIns="91440" bIns="45720" rtlCol="0">
-            <a:normAutofit/>
-          </a:bodyPr>
-          <a:lstStyle>
-            <a:lvl1pPr marL="342900" indent="-342900" algn="l" defTabSz="457200" rtl="0" eaLnBrk="1" latinLnBrk="0" hangingPunct="1">
-              <a:spcBef>
-                <a:spcPts val="1000"/>
-              </a:spcBef>
-              <a:spcAft>
-                <a:spcPts val="0"/>
-              </a:spcAft>
-              <a:buClr>
-                <a:schemeClr val="accent1"/>
-              </a:buClr>
-              <a:buSzPct val="80000"/>
-              <a:buFont typeface="Wingdings 3" charset="2"/>
-              <a:buChar char=""/>
-              <a:defRPr sz="1800" kern="1200">
-                <a:solidFill>
-                  <a:schemeClr val="tx1">
-                    <a:lumMod val="75000"/>
-                    <a:lumOff val="25000"/>
-                  </a:schemeClr>
-                </a:solidFill>
-                <a:latin typeface="+mn-lt"/>
-                <a:ea typeface="+mn-ea"/>
-                <a:cs typeface="+mn-cs"/>
-              </a:defRPr>
-            </a:lvl1pPr>
-            <a:lvl2pPr marL="742950" indent="-285750" algn="l" defTabSz="457200" rtl="0" eaLnBrk="1" latinLnBrk="0" hangingPunct="1">
-              <a:spcBef>
-                <a:spcPts val="1000"/>
-              </a:spcBef>
-              <a:spcAft>
-                <a:spcPts val="0"/>
-              </a:spcAft>
-              <a:buClr>
-                <a:schemeClr val="accent1"/>
-              </a:buClr>
-              <a:buSzPct val="80000"/>
-              <a:buFont typeface="Wingdings 3" charset="2"/>
-              <a:buChar char=""/>
-              <a:defRPr sz="1600" kern="1200">
-                <a:solidFill>
-                  <a:schemeClr val="tx1">
-                    <a:lumMod val="75000"/>
-                    <a:lumOff val="25000"/>
-                  </a:schemeClr>
-                </a:solidFill>
-                <a:latin typeface="+mn-lt"/>
-                <a:ea typeface="+mn-ea"/>
-                <a:cs typeface="+mn-cs"/>
-              </a:defRPr>
-            </a:lvl2pPr>
-            <a:lvl3pPr marL="1143000" indent="-228600" algn="l" defTabSz="457200" rtl="0" eaLnBrk="1" latinLnBrk="0" hangingPunct="1">
-              <a:spcBef>
-                <a:spcPts val="1000"/>
-              </a:spcBef>
-              <a:spcAft>
-                <a:spcPts val="0"/>
-              </a:spcAft>
-              <a:buClr>
-                <a:schemeClr val="accent1"/>
-              </a:buClr>
-              <a:buSzPct val="80000"/>
-              <a:buFont typeface="Wingdings 3" charset="2"/>
-              <a:buChar char=""/>
-              <a:defRPr sz="1400" kern="1200">
-                <a:solidFill>
-                  <a:schemeClr val="tx1">
-                    <a:lumMod val="75000"/>
-                    <a:lumOff val="25000"/>
-                  </a:schemeClr>
-                </a:solidFill>
-                <a:latin typeface="+mn-lt"/>
-                <a:ea typeface="+mn-ea"/>
-                <a:cs typeface="+mn-cs"/>
-              </a:defRPr>
-            </a:lvl3pPr>
-            <a:lvl4pPr marL="1600200" indent="-228600" algn="l" defTabSz="457200" rtl="0" eaLnBrk="1" latinLnBrk="0" hangingPunct="1">
-              <a:spcBef>
-                <a:spcPts val="1000"/>
-              </a:spcBef>
-              <a:spcAft>
-                <a:spcPts val="0"/>
-              </a:spcAft>
-              <a:buClr>
-                <a:schemeClr val="accent1"/>
-              </a:buClr>
-              <a:buSzPct val="80000"/>
-              <a:buFont typeface="Wingdings 3" charset="2"/>
-              <a:buChar char=""/>
-              <a:defRPr sz="1200" kern="1200">
-                <a:solidFill>
-                  <a:schemeClr val="tx1">
-                    <a:lumMod val="75000"/>
-                    <a:lumOff val="25000"/>
-                  </a:schemeClr>
-                </a:solidFill>
-                <a:latin typeface="+mn-lt"/>
-                <a:ea typeface="+mn-ea"/>
-                <a:cs typeface="+mn-cs"/>
-              </a:defRPr>
-            </a:lvl4pPr>
-            <a:lvl5pPr marL="2057400" indent="-228600" algn="l" defTabSz="457200" rtl="0" eaLnBrk="1" latinLnBrk="0" hangingPunct="1">
-              <a:spcBef>
-                <a:spcPts val="1000"/>
-              </a:spcBef>
-              <a:spcAft>
-                <a:spcPts val="0"/>
-              </a:spcAft>
-              <a:buClr>
-                <a:schemeClr val="accent1"/>
-              </a:buClr>
-              <a:buSzPct val="80000"/>
-              <a:buFont typeface="Wingdings 3" charset="2"/>
-              <a:buChar char=""/>
-              <a:defRPr sz="1200" kern="1200">
-                <a:solidFill>
-                  <a:schemeClr val="tx1">
-                    <a:lumMod val="75000"/>
-                    <a:lumOff val="25000"/>
-                  </a:schemeClr>
-                </a:solidFill>
-                <a:latin typeface="+mn-lt"/>
-                <a:ea typeface="+mn-ea"/>
-                <a:cs typeface="+mn-cs"/>
-              </a:defRPr>
-            </a:lvl5pPr>
-            <a:lvl6pPr marL="2514600" indent="-228600" algn="l" defTabSz="457200" rtl="0" eaLnBrk="1" latinLnBrk="0" hangingPunct="1">
-              <a:spcBef>
-                <a:spcPts val="1000"/>
-              </a:spcBef>
-              <a:spcAft>
-                <a:spcPts val="0"/>
-              </a:spcAft>
-              <a:buClr>
-                <a:schemeClr val="accent1"/>
-              </a:buClr>
-              <a:buSzPct val="80000"/>
-              <a:buFont typeface="Wingdings 3" charset="2"/>
-              <a:buChar char=""/>
-              <a:defRPr sz="1200" kern="1200">
-                <a:solidFill>
-                  <a:schemeClr val="tx1">
-                    <a:lumMod val="75000"/>
-                    <a:lumOff val="25000"/>
-                  </a:schemeClr>
-                </a:solidFill>
-                <a:latin typeface="+mn-lt"/>
-                <a:ea typeface="+mn-ea"/>
-                <a:cs typeface="+mn-cs"/>
-              </a:defRPr>
-            </a:lvl6pPr>
-            <a:lvl7pPr marL="2971800" indent="-228600" algn="l" defTabSz="457200" rtl="0" eaLnBrk="1" latinLnBrk="0" hangingPunct="1">
-              <a:spcBef>
-                <a:spcPts val="1000"/>
-              </a:spcBef>
-              <a:spcAft>
-                <a:spcPts val="0"/>
-              </a:spcAft>
-              <a:buClr>
-                <a:schemeClr val="accent1"/>
-              </a:buClr>
-              <a:buSzPct val="80000"/>
-              <a:buFont typeface="Wingdings 3" charset="2"/>
-              <a:buChar char=""/>
-              <a:defRPr sz="1200" kern="1200">
-                <a:solidFill>
-                  <a:schemeClr val="tx1">
-                    <a:lumMod val="75000"/>
-                    <a:lumOff val="25000"/>
-                  </a:schemeClr>
-                </a:solidFill>
-                <a:latin typeface="+mn-lt"/>
-                <a:ea typeface="+mn-ea"/>
-                <a:cs typeface="+mn-cs"/>
-              </a:defRPr>
-            </a:lvl7pPr>
-            <a:lvl8pPr marL="3429000" indent="-228600" algn="l" defTabSz="457200" rtl="0" eaLnBrk="1" latinLnBrk="0" hangingPunct="1">
-              <a:spcBef>
-                <a:spcPts val="1000"/>
-              </a:spcBef>
-              <a:spcAft>
-                <a:spcPts val="0"/>
-              </a:spcAft>
-              <a:buClr>
-                <a:schemeClr val="accent1"/>
-              </a:buClr>
-              <a:buSzPct val="80000"/>
-              <a:buFont typeface="Wingdings 3" charset="2"/>
-              <a:buChar char=""/>
-              <a:defRPr sz="1200" kern="1200">
-                <a:solidFill>
-                  <a:schemeClr val="tx1">
-                    <a:lumMod val="75000"/>
-                    <a:lumOff val="25000"/>
-                  </a:schemeClr>
-                </a:solidFill>
-                <a:latin typeface="+mn-lt"/>
-                <a:ea typeface="+mn-ea"/>
-                <a:cs typeface="+mn-cs"/>
-              </a:defRPr>
-            </a:lvl8pPr>
-            <a:lvl9pPr marL="3886200" indent="-228600" algn="l" defTabSz="457200" rtl="0" eaLnBrk="1" latinLnBrk="0" hangingPunct="1">
-              <a:spcBef>
-                <a:spcPts val="1000"/>
-              </a:spcBef>
-              <a:spcAft>
-                <a:spcPts val="0"/>
-              </a:spcAft>
-              <a:buClr>
-                <a:schemeClr val="accent1"/>
-              </a:buClr>
-              <a:buSzPct val="80000"/>
-              <a:buFont typeface="Wingdings 3" charset="2"/>
-              <a:buChar char=""/>
-              <a:defRPr sz="1200" kern="1200">
-                <a:solidFill>
-                  <a:schemeClr val="tx1">
-                    <a:lumMod val="75000"/>
-                    <a:lumOff val="25000"/>
-                  </a:schemeClr>
-                </a:solidFill>
-                <a:latin typeface="+mn-lt"/>
-                <a:ea typeface="+mn-ea"/>
-                <a:cs typeface="+mn-cs"/>
-              </a:defRPr>
-            </a:lvl9pPr>
-          </a:lstStyle>
-          <a:p>
-            <a:pPr lvl="1"/>
-            <a:r>
-              <a:rPr lang="it-IT" sz="2000" dirty="0"/>
-              <a:t>Sensori attivi:</a:t>
-            </a:r>
-          </a:p>
-          <a:p>
-            <a:pPr lvl="2"/>
-            <a:r>
-              <a:rPr lang="it-IT" sz="1800" dirty="0" err="1"/>
-              <a:t>start_time</a:t>
-            </a:r>
-            <a:endParaRPr lang="it-IT" sz="1800" dirty="0"/>
-          </a:p>
-          <a:p>
-            <a:pPr lvl="2"/>
-            <a:r>
-              <a:rPr lang="it-IT" sz="1800" dirty="0" err="1"/>
-              <a:t>end_time</a:t>
-            </a:r>
-            <a:endParaRPr lang="it-IT" sz="1800" dirty="0"/>
-          </a:p>
-          <a:p>
-            <a:pPr lvl="2"/>
-            <a:r>
-              <a:rPr lang="it-IT" sz="1800" dirty="0"/>
-              <a:t>location</a:t>
-            </a:r>
-          </a:p>
-          <a:p>
-            <a:pPr lvl="2"/>
-            <a:r>
-              <a:rPr lang="it-IT" sz="1800" dirty="0" err="1"/>
-              <a:t>type</a:t>
-            </a:r>
-            <a:endParaRPr lang="it-IT" sz="1800" dirty="0"/>
-          </a:p>
-          <a:p>
-            <a:pPr lvl="2"/>
-            <a:r>
-              <a:rPr lang="it-IT" sz="1800" dirty="0" err="1"/>
-              <a:t>place</a:t>
-            </a:r>
-            <a:endParaRPr lang="it-IT" sz="1800" dirty="0"/>
-          </a:p>
-          <a:p>
-            <a:pPr lvl="2"/>
+              <a:t>truth</a:t>
+            </a:r>
             <a:endParaRPr lang="it-IT" sz="1800" dirty="0"/>
           </a:p>
         </p:txBody>
@@ -8780,7 +8813,7 @@
     </p:spTree>
     <p:extLst>
       <p:ext uri="{BB962C8B-B14F-4D97-AF65-F5344CB8AC3E}">
-        <p14:creationId xmlns:p14="http://schemas.microsoft.com/office/powerpoint/2010/main" val="378274811"/>
+        <p14:creationId xmlns:p14="http://schemas.microsoft.com/office/powerpoint/2010/main" val="3739660460"/>
       </p:ext>
     </p:extLst>
   </p:cSld>
@@ -8812,7 +8845,7 @@
           <p:cNvPr id="2" name="Title 1">
             <a:extLst>
               <a:ext uri="{FF2B5EF4-FFF2-40B4-BE49-F238E27FC236}">
-                <a16:creationId xmlns:a16="http://schemas.microsoft.com/office/drawing/2014/main" id="{55811EB1-DDE3-984A-A81A-F15F527F0D13}"/>
+                <a16:creationId xmlns:a16="http://schemas.microsoft.com/office/drawing/2014/main" id="{303A90F8-D0F1-F94A-9840-03E46DF56F0C}"/>
               </a:ext>
             </a:extLst>
           </p:cNvPr>
@@ -8829,10 +8862,9 @@
           <a:lstStyle/>
           <a:p>
             <a:r>
-              <a:rPr lang="it-IT" dirty="0" err="1"/>
-              <a:t>Preprocessing</a:t>
-            </a:r>
-            <a:endParaRPr lang="it-IT" dirty="0"/>
+              <a:rPr lang="it-IT" dirty="0"/>
+              <a:t>Dataset Iniziali</a:t>
+            </a:r>
           </a:p>
         </p:txBody>
       </p:sp>
@@ -8841,7 +8873,7 @@
           <p:cNvPr id="3" name="Content Placeholder 2">
             <a:extLst>
               <a:ext uri="{FF2B5EF4-FFF2-40B4-BE49-F238E27FC236}">
-                <a16:creationId xmlns:a16="http://schemas.microsoft.com/office/drawing/2014/main" id="{94CCB9EB-5ABF-EF48-B0C3-0FD7E4A3E38B}"/>
+                <a16:creationId xmlns:a16="http://schemas.microsoft.com/office/drawing/2014/main" id="{299E2872-545D-584E-8860-D6B2C9FDF21B}"/>
               </a:ext>
             </a:extLst>
           </p:cNvPr>
@@ -8854,89 +8886,660 @@
         </p:nvSpPr>
         <p:spPr>
           <a:xfrm>
-            <a:off x="677334" y="1930401"/>
-            <a:ext cx="8596668" cy="4110962"/>
+            <a:off x="677334" y="1414356"/>
+            <a:ext cx="9212900" cy="5049506"/>
           </a:xfrm>
         </p:spPr>
         <p:txBody>
-          <a:bodyPr/>
+          <a:bodyPr>
+            <a:normAutofit/>
+          </a:bodyPr>
           <a:lstStyle/>
           <a:p>
             <a:r>
+              <a:rPr lang="it-IT" sz="2400" dirty="0"/>
+              <a:t>Due dataset relativi a due abitazioni separate (A e B)</a:t>
+            </a:r>
+          </a:p>
+          <a:p>
+            <a:pPr lvl="1"/>
+            <a:r>
+              <a:rPr lang="it-IT" sz="2200" dirty="0"/>
+              <a:t>14 giorni per il dataset A, 21 giorni per il dataset B</a:t>
+            </a:r>
+          </a:p>
+          <a:p>
+            <a:r>
+              <a:rPr lang="it-IT" sz="2400" dirty="0"/>
+              <a:t>Per ognuna due dataset in formato testuale:</a:t>
+            </a:r>
+          </a:p>
+          <a:p>
+            <a:endParaRPr lang="it-IT" sz="2400" dirty="0"/>
+          </a:p>
+          <a:p>
+            <a:endParaRPr lang="it-IT" sz="2400" dirty="0"/>
+          </a:p>
+          <a:p>
+            <a:endParaRPr lang="it-IT" sz="2400" dirty="0"/>
+          </a:p>
+          <a:p>
+            <a:pPr marL="0" indent="0">
+              <a:buNone/>
+            </a:pPr>
+            <a:endParaRPr lang="it-IT" sz="2800" dirty="0"/>
+          </a:p>
+          <a:p>
+            <a:r>
+              <a:rPr lang="it-IT" sz="2400" dirty="0"/>
+              <a:t>12 sensori</a:t>
+            </a:r>
+          </a:p>
+          <a:p>
+            <a:r>
+              <a:rPr lang="it-IT" sz="2400" dirty="0"/>
+              <a:t>10 attività</a:t>
+            </a:r>
+          </a:p>
+        </p:txBody>
+      </p:sp>
+      <p:sp>
+        <p:nvSpPr>
+          <p:cNvPr id="5" name="Content Placeholder 2">
+            <a:extLst>
+              <a:ext uri="{FF2B5EF4-FFF2-40B4-BE49-F238E27FC236}">
+                <a16:creationId xmlns:a16="http://schemas.microsoft.com/office/drawing/2014/main" id="{7D6DC3BE-684C-D948-981A-CE0653420004}"/>
+              </a:ext>
+            </a:extLst>
+          </p:cNvPr>
+          <p:cNvSpPr txBox="1">
+            <a:spLocks/>
+          </p:cNvSpPr>
+          <p:nvPr/>
+        </p:nvSpPr>
+        <p:spPr>
+          <a:xfrm>
+            <a:off x="677334" y="2974429"/>
+            <a:ext cx="4682942" cy="3217202"/>
+          </a:xfrm>
+          <a:prstGeom prst="rect">
+            <a:avLst/>
+          </a:prstGeom>
+        </p:spPr>
+        <p:txBody>
+          <a:bodyPr vert="horz" lIns="91440" tIns="45720" rIns="91440" bIns="45720" rtlCol="0">
+            <a:normAutofit/>
+          </a:bodyPr>
+          <a:lstStyle>
+            <a:lvl1pPr marL="342900" indent="-342900" algn="l" defTabSz="457200" rtl="0" eaLnBrk="1" latinLnBrk="0" hangingPunct="1">
+              <a:spcBef>
+                <a:spcPts val="1000"/>
+              </a:spcBef>
+              <a:spcAft>
+                <a:spcPts val="0"/>
+              </a:spcAft>
+              <a:buClr>
+                <a:schemeClr val="accent1"/>
+              </a:buClr>
+              <a:buSzPct val="80000"/>
+              <a:buFont typeface="Wingdings 3" charset="2"/>
+              <a:buChar char=""/>
+              <a:defRPr sz="1800" kern="1200">
+                <a:solidFill>
+                  <a:schemeClr val="tx1">
+                    <a:lumMod val="75000"/>
+                    <a:lumOff val="25000"/>
+                  </a:schemeClr>
+                </a:solidFill>
+                <a:latin typeface="+mn-lt"/>
+                <a:ea typeface="+mn-ea"/>
+                <a:cs typeface="+mn-cs"/>
+              </a:defRPr>
+            </a:lvl1pPr>
+            <a:lvl2pPr marL="742950" indent="-285750" algn="l" defTabSz="457200" rtl="0" eaLnBrk="1" latinLnBrk="0" hangingPunct="1">
+              <a:spcBef>
+                <a:spcPts val="1000"/>
+              </a:spcBef>
+              <a:spcAft>
+                <a:spcPts val="0"/>
+              </a:spcAft>
+              <a:buClr>
+                <a:schemeClr val="accent1"/>
+              </a:buClr>
+              <a:buSzPct val="80000"/>
+              <a:buFont typeface="Wingdings 3" charset="2"/>
+              <a:buChar char=""/>
+              <a:defRPr sz="1600" kern="1200">
+                <a:solidFill>
+                  <a:schemeClr val="tx1">
+                    <a:lumMod val="75000"/>
+                    <a:lumOff val="25000"/>
+                  </a:schemeClr>
+                </a:solidFill>
+                <a:latin typeface="+mn-lt"/>
+                <a:ea typeface="+mn-ea"/>
+                <a:cs typeface="+mn-cs"/>
+              </a:defRPr>
+            </a:lvl2pPr>
+            <a:lvl3pPr marL="1143000" indent="-228600" algn="l" defTabSz="457200" rtl="0" eaLnBrk="1" latinLnBrk="0" hangingPunct="1">
+              <a:spcBef>
+                <a:spcPts val="1000"/>
+              </a:spcBef>
+              <a:spcAft>
+                <a:spcPts val="0"/>
+              </a:spcAft>
+              <a:buClr>
+                <a:schemeClr val="accent1"/>
+              </a:buClr>
+              <a:buSzPct val="80000"/>
+              <a:buFont typeface="Wingdings 3" charset="2"/>
+              <a:buChar char=""/>
+              <a:defRPr sz="1400" kern="1200">
+                <a:solidFill>
+                  <a:schemeClr val="tx1">
+                    <a:lumMod val="75000"/>
+                    <a:lumOff val="25000"/>
+                  </a:schemeClr>
+                </a:solidFill>
+                <a:latin typeface="+mn-lt"/>
+                <a:ea typeface="+mn-ea"/>
+                <a:cs typeface="+mn-cs"/>
+              </a:defRPr>
+            </a:lvl3pPr>
+            <a:lvl4pPr marL="1600200" indent="-228600" algn="l" defTabSz="457200" rtl="0" eaLnBrk="1" latinLnBrk="0" hangingPunct="1">
+              <a:spcBef>
+                <a:spcPts val="1000"/>
+              </a:spcBef>
+              <a:spcAft>
+                <a:spcPts val="0"/>
+              </a:spcAft>
+              <a:buClr>
+                <a:schemeClr val="accent1"/>
+              </a:buClr>
+              <a:buSzPct val="80000"/>
+              <a:buFont typeface="Wingdings 3" charset="2"/>
+              <a:buChar char=""/>
+              <a:defRPr sz="1200" kern="1200">
+                <a:solidFill>
+                  <a:schemeClr val="tx1">
+                    <a:lumMod val="75000"/>
+                    <a:lumOff val="25000"/>
+                  </a:schemeClr>
+                </a:solidFill>
+                <a:latin typeface="+mn-lt"/>
+                <a:ea typeface="+mn-ea"/>
+                <a:cs typeface="+mn-cs"/>
+              </a:defRPr>
+            </a:lvl4pPr>
+            <a:lvl5pPr marL="2057400" indent="-228600" algn="l" defTabSz="457200" rtl="0" eaLnBrk="1" latinLnBrk="0" hangingPunct="1">
+              <a:spcBef>
+                <a:spcPts val="1000"/>
+              </a:spcBef>
+              <a:spcAft>
+                <a:spcPts val="0"/>
+              </a:spcAft>
+              <a:buClr>
+                <a:schemeClr val="accent1"/>
+              </a:buClr>
+              <a:buSzPct val="80000"/>
+              <a:buFont typeface="Wingdings 3" charset="2"/>
+              <a:buChar char=""/>
+              <a:defRPr sz="1200" kern="1200">
+                <a:solidFill>
+                  <a:schemeClr val="tx1">
+                    <a:lumMod val="75000"/>
+                    <a:lumOff val="25000"/>
+                  </a:schemeClr>
+                </a:solidFill>
+                <a:latin typeface="+mn-lt"/>
+                <a:ea typeface="+mn-ea"/>
+                <a:cs typeface="+mn-cs"/>
+              </a:defRPr>
+            </a:lvl5pPr>
+            <a:lvl6pPr marL="2514600" indent="-228600" algn="l" defTabSz="457200" rtl="0" eaLnBrk="1" latinLnBrk="0" hangingPunct="1">
+              <a:spcBef>
+                <a:spcPts val="1000"/>
+              </a:spcBef>
+              <a:spcAft>
+                <a:spcPts val="0"/>
+              </a:spcAft>
+              <a:buClr>
+                <a:schemeClr val="accent1"/>
+              </a:buClr>
+              <a:buSzPct val="80000"/>
+              <a:buFont typeface="Wingdings 3" charset="2"/>
+              <a:buChar char=""/>
+              <a:defRPr sz="1200" kern="1200">
+                <a:solidFill>
+                  <a:schemeClr val="tx1">
+                    <a:lumMod val="75000"/>
+                    <a:lumOff val="25000"/>
+                  </a:schemeClr>
+                </a:solidFill>
+                <a:latin typeface="+mn-lt"/>
+                <a:ea typeface="+mn-ea"/>
+                <a:cs typeface="+mn-cs"/>
+              </a:defRPr>
+            </a:lvl6pPr>
+            <a:lvl7pPr marL="2971800" indent="-228600" algn="l" defTabSz="457200" rtl="0" eaLnBrk="1" latinLnBrk="0" hangingPunct="1">
+              <a:spcBef>
+                <a:spcPts val="1000"/>
+              </a:spcBef>
+              <a:spcAft>
+                <a:spcPts val="0"/>
+              </a:spcAft>
+              <a:buClr>
+                <a:schemeClr val="accent1"/>
+              </a:buClr>
+              <a:buSzPct val="80000"/>
+              <a:buFont typeface="Wingdings 3" charset="2"/>
+              <a:buChar char=""/>
+              <a:defRPr sz="1200" kern="1200">
+                <a:solidFill>
+                  <a:schemeClr val="tx1">
+                    <a:lumMod val="75000"/>
+                    <a:lumOff val="25000"/>
+                  </a:schemeClr>
+                </a:solidFill>
+                <a:latin typeface="+mn-lt"/>
+                <a:ea typeface="+mn-ea"/>
+                <a:cs typeface="+mn-cs"/>
+              </a:defRPr>
+            </a:lvl7pPr>
+            <a:lvl8pPr marL="3429000" indent="-228600" algn="l" defTabSz="457200" rtl="0" eaLnBrk="1" latinLnBrk="0" hangingPunct="1">
+              <a:spcBef>
+                <a:spcPts val="1000"/>
+              </a:spcBef>
+              <a:spcAft>
+                <a:spcPts val="0"/>
+              </a:spcAft>
+              <a:buClr>
+                <a:schemeClr val="accent1"/>
+              </a:buClr>
+              <a:buSzPct val="80000"/>
+              <a:buFont typeface="Wingdings 3" charset="2"/>
+              <a:buChar char=""/>
+              <a:defRPr sz="1200" kern="1200">
+                <a:solidFill>
+                  <a:schemeClr val="tx1">
+                    <a:lumMod val="75000"/>
+                    <a:lumOff val="25000"/>
+                  </a:schemeClr>
+                </a:solidFill>
+                <a:latin typeface="+mn-lt"/>
+                <a:ea typeface="+mn-ea"/>
+                <a:cs typeface="+mn-cs"/>
+              </a:defRPr>
+            </a:lvl8pPr>
+            <a:lvl9pPr marL="3886200" indent="-228600" algn="l" defTabSz="457200" rtl="0" eaLnBrk="1" latinLnBrk="0" hangingPunct="1">
+              <a:spcBef>
+                <a:spcPts val="1000"/>
+              </a:spcBef>
+              <a:spcAft>
+                <a:spcPts val="0"/>
+              </a:spcAft>
+              <a:buClr>
+                <a:schemeClr val="accent1"/>
+              </a:buClr>
+              <a:buSzPct val="80000"/>
+              <a:buFont typeface="Wingdings 3" charset="2"/>
+              <a:buChar char=""/>
+              <a:defRPr sz="1200" kern="1200">
+                <a:solidFill>
+                  <a:schemeClr val="tx1">
+                    <a:lumMod val="75000"/>
+                    <a:lumOff val="25000"/>
+                  </a:schemeClr>
+                </a:solidFill>
+                <a:latin typeface="+mn-lt"/>
+                <a:ea typeface="+mn-ea"/>
+                <a:cs typeface="+mn-cs"/>
+              </a:defRPr>
+            </a:lvl9pPr>
+          </a:lstStyle>
+          <a:p>
+            <a:pPr lvl="1"/>
+            <a:r>
               <a:rPr lang="it-IT" sz="2000" dirty="0"/>
-              <a:t>Correzione manuale di alcuni </a:t>
-            </a:r>
-            <a:r>
-              <a:rPr lang="it-IT" sz="2000" dirty="0" err="1"/>
-              <a:t>timestamp</a:t>
-            </a:r>
-            <a:endParaRPr lang="it-IT" sz="2000" dirty="0"/>
-          </a:p>
-          <a:p>
+              <a:t>Attività rilevate:</a:t>
+            </a:r>
+          </a:p>
+          <a:p>
+            <a:pPr lvl="2"/>
+            <a:r>
+              <a:rPr lang="it-IT" sz="1800" dirty="0" err="1"/>
+              <a:t>start_time</a:t>
+            </a:r>
+            <a:endParaRPr lang="it-IT" sz="1800" dirty="0"/>
+          </a:p>
+          <a:p>
+            <a:pPr lvl="2"/>
+            <a:r>
+              <a:rPr lang="it-IT" sz="1800" dirty="0" err="1"/>
+              <a:t>end_time</a:t>
+            </a:r>
+            <a:endParaRPr lang="it-IT" sz="1800" dirty="0"/>
+          </a:p>
+          <a:p>
+            <a:pPr lvl="2"/>
+            <a:r>
+              <a:rPr lang="it-IT" sz="1800" dirty="0" err="1"/>
+              <a:t>activity</a:t>
+            </a:r>
+            <a:endParaRPr lang="it-IT" sz="1800" dirty="0"/>
+          </a:p>
+        </p:txBody>
+      </p:sp>
+      <p:sp>
+        <p:nvSpPr>
+          <p:cNvPr id="6" name="Content Placeholder 2">
+            <a:extLst>
+              <a:ext uri="{FF2B5EF4-FFF2-40B4-BE49-F238E27FC236}">
+                <a16:creationId xmlns:a16="http://schemas.microsoft.com/office/drawing/2014/main" id="{5CE2D472-7A48-F245-9005-AE5042BCD6C3}"/>
+              </a:ext>
+            </a:extLst>
+          </p:cNvPr>
+          <p:cNvSpPr txBox="1">
+            <a:spLocks/>
+          </p:cNvSpPr>
+          <p:nvPr/>
+        </p:nvSpPr>
+        <p:spPr>
+          <a:xfrm>
+            <a:off x="3441172" y="2974429"/>
+            <a:ext cx="4682942" cy="3217202"/>
+          </a:xfrm>
+          <a:prstGeom prst="rect">
+            <a:avLst/>
+          </a:prstGeom>
+        </p:spPr>
+        <p:txBody>
+          <a:bodyPr vert="horz" lIns="91440" tIns="45720" rIns="91440" bIns="45720" rtlCol="0">
+            <a:normAutofit/>
+          </a:bodyPr>
+          <a:lstStyle>
+            <a:lvl1pPr marL="342900" indent="-342900" algn="l" defTabSz="457200" rtl="0" eaLnBrk="1" latinLnBrk="0" hangingPunct="1">
+              <a:spcBef>
+                <a:spcPts val="1000"/>
+              </a:spcBef>
+              <a:spcAft>
+                <a:spcPts val="0"/>
+              </a:spcAft>
+              <a:buClr>
+                <a:schemeClr val="accent1"/>
+              </a:buClr>
+              <a:buSzPct val="80000"/>
+              <a:buFont typeface="Wingdings 3" charset="2"/>
+              <a:buChar char=""/>
+              <a:defRPr sz="1800" kern="1200">
+                <a:solidFill>
+                  <a:schemeClr val="tx1">
+                    <a:lumMod val="75000"/>
+                    <a:lumOff val="25000"/>
+                  </a:schemeClr>
+                </a:solidFill>
+                <a:latin typeface="+mn-lt"/>
+                <a:ea typeface="+mn-ea"/>
+                <a:cs typeface="+mn-cs"/>
+              </a:defRPr>
+            </a:lvl1pPr>
+            <a:lvl2pPr marL="742950" indent="-285750" algn="l" defTabSz="457200" rtl="0" eaLnBrk="1" latinLnBrk="0" hangingPunct="1">
+              <a:spcBef>
+                <a:spcPts val="1000"/>
+              </a:spcBef>
+              <a:spcAft>
+                <a:spcPts val="0"/>
+              </a:spcAft>
+              <a:buClr>
+                <a:schemeClr val="accent1"/>
+              </a:buClr>
+              <a:buSzPct val="80000"/>
+              <a:buFont typeface="Wingdings 3" charset="2"/>
+              <a:buChar char=""/>
+              <a:defRPr sz="1600" kern="1200">
+                <a:solidFill>
+                  <a:schemeClr val="tx1">
+                    <a:lumMod val="75000"/>
+                    <a:lumOff val="25000"/>
+                  </a:schemeClr>
+                </a:solidFill>
+                <a:latin typeface="+mn-lt"/>
+                <a:ea typeface="+mn-ea"/>
+                <a:cs typeface="+mn-cs"/>
+              </a:defRPr>
+            </a:lvl2pPr>
+            <a:lvl3pPr marL="1143000" indent="-228600" algn="l" defTabSz="457200" rtl="0" eaLnBrk="1" latinLnBrk="0" hangingPunct="1">
+              <a:spcBef>
+                <a:spcPts val="1000"/>
+              </a:spcBef>
+              <a:spcAft>
+                <a:spcPts val="0"/>
+              </a:spcAft>
+              <a:buClr>
+                <a:schemeClr val="accent1"/>
+              </a:buClr>
+              <a:buSzPct val="80000"/>
+              <a:buFont typeface="Wingdings 3" charset="2"/>
+              <a:buChar char=""/>
+              <a:defRPr sz="1400" kern="1200">
+                <a:solidFill>
+                  <a:schemeClr val="tx1">
+                    <a:lumMod val="75000"/>
+                    <a:lumOff val="25000"/>
+                  </a:schemeClr>
+                </a:solidFill>
+                <a:latin typeface="+mn-lt"/>
+                <a:ea typeface="+mn-ea"/>
+                <a:cs typeface="+mn-cs"/>
+              </a:defRPr>
+            </a:lvl3pPr>
+            <a:lvl4pPr marL="1600200" indent="-228600" algn="l" defTabSz="457200" rtl="0" eaLnBrk="1" latinLnBrk="0" hangingPunct="1">
+              <a:spcBef>
+                <a:spcPts val="1000"/>
+              </a:spcBef>
+              <a:spcAft>
+                <a:spcPts val="0"/>
+              </a:spcAft>
+              <a:buClr>
+                <a:schemeClr val="accent1"/>
+              </a:buClr>
+              <a:buSzPct val="80000"/>
+              <a:buFont typeface="Wingdings 3" charset="2"/>
+              <a:buChar char=""/>
+              <a:defRPr sz="1200" kern="1200">
+                <a:solidFill>
+                  <a:schemeClr val="tx1">
+                    <a:lumMod val="75000"/>
+                    <a:lumOff val="25000"/>
+                  </a:schemeClr>
+                </a:solidFill>
+                <a:latin typeface="+mn-lt"/>
+                <a:ea typeface="+mn-ea"/>
+                <a:cs typeface="+mn-cs"/>
+              </a:defRPr>
+            </a:lvl4pPr>
+            <a:lvl5pPr marL="2057400" indent="-228600" algn="l" defTabSz="457200" rtl="0" eaLnBrk="1" latinLnBrk="0" hangingPunct="1">
+              <a:spcBef>
+                <a:spcPts val="1000"/>
+              </a:spcBef>
+              <a:spcAft>
+                <a:spcPts val="0"/>
+              </a:spcAft>
+              <a:buClr>
+                <a:schemeClr val="accent1"/>
+              </a:buClr>
+              <a:buSzPct val="80000"/>
+              <a:buFont typeface="Wingdings 3" charset="2"/>
+              <a:buChar char=""/>
+              <a:defRPr sz="1200" kern="1200">
+                <a:solidFill>
+                  <a:schemeClr val="tx1">
+                    <a:lumMod val="75000"/>
+                    <a:lumOff val="25000"/>
+                  </a:schemeClr>
+                </a:solidFill>
+                <a:latin typeface="+mn-lt"/>
+                <a:ea typeface="+mn-ea"/>
+                <a:cs typeface="+mn-cs"/>
+              </a:defRPr>
+            </a:lvl5pPr>
+            <a:lvl6pPr marL="2514600" indent="-228600" algn="l" defTabSz="457200" rtl="0" eaLnBrk="1" latinLnBrk="0" hangingPunct="1">
+              <a:spcBef>
+                <a:spcPts val="1000"/>
+              </a:spcBef>
+              <a:spcAft>
+                <a:spcPts val="0"/>
+              </a:spcAft>
+              <a:buClr>
+                <a:schemeClr val="accent1"/>
+              </a:buClr>
+              <a:buSzPct val="80000"/>
+              <a:buFont typeface="Wingdings 3" charset="2"/>
+              <a:buChar char=""/>
+              <a:defRPr sz="1200" kern="1200">
+                <a:solidFill>
+                  <a:schemeClr val="tx1">
+                    <a:lumMod val="75000"/>
+                    <a:lumOff val="25000"/>
+                  </a:schemeClr>
+                </a:solidFill>
+                <a:latin typeface="+mn-lt"/>
+                <a:ea typeface="+mn-ea"/>
+                <a:cs typeface="+mn-cs"/>
+              </a:defRPr>
+            </a:lvl6pPr>
+            <a:lvl7pPr marL="2971800" indent="-228600" algn="l" defTabSz="457200" rtl="0" eaLnBrk="1" latinLnBrk="0" hangingPunct="1">
+              <a:spcBef>
+                <a:spcPts val="1000"/>
+              </a:spcBef>
+              <a:spcAft>
+                <a:spcPts val="0"/>
+              </a:spcAft>
+              <a:buClr>
+                <a:schemeClr val="accent1"/>
+              </a:buClr>
+              <a:buSzPct val="80000"/>
+              <a:buFont typeface="Wingdings 3" charset="2"/>
+              <a:buChar char=""/>
+              <a:defRPr sz="1200" kern="1200">
+                <a:solidFill>
+                  <a:schemeClr val="tx1">
+                    <a:lumMod val="75000"/>
+                    <a:lumOff val="25000"/>
+                  </a:schemeClr>
+                </a:solidFill>
+                <a:latin typeface="+mn-lt"/>
+                <a:ea typeface="+mn-ea"/>
+                <a:cs typeface="+mn-cs"/>
+              </a:defRPr>
+            </a:lvl7pPr>
+            <a:lvl8pPr marL="3429000" indent="-228600" algn="l" defTabSz="457200" rtl="0" eaLnBrk="1" latinLnBrk="0" hangingPunct="1">
+              <a:spcBef>
+                <a:spcPts val="1000"/>
+              </a:spcBef>
+              <a:spcAft>
+                <a:spcPts val="0"/>
+              </a:spcAft>
+              <a:buClr>
+                <a:schemeClr val="accent1"/>
+              </a:buClr>
+              <a:buSzPct val="80000"/>
+              <a:buFont typeface="Wingdings 3" charset="2"/>
+              <a:buChar char=""/>
+              <a:defRPr sz="1200" kern="1200">
+                <a:solidFill>
+                  <a:schemeClr val="tx1">
+                    <a:lumMod val="75000"/>
+                    <a:lumOff val="25000"/>
+                  </a:schemeClr>
+                </a:solidFill>
+                <a:latin typeface="+mn-lt"/>
+                <a:ea typeface="+mn-ea"/>
+                <a:cs typeface="+mn-cs"/>
+              </a:defRPr>
+            </a:lvl8pPr>
+            <a:lvl9pPr marL="3886200" indent="-228600" algn="l" defTabSz="457200" rtl="0" eaLnBrk="1" latinLnBrk="0" hangingPunct="1">
+              <a:spcBef>
+                <a:spcPts val="1000"/>
+              </a:spcBef>
+              <a:spcAft>
+                <a:spcPts val="0"/>
+              </a:spcAft>
+              <a:buClr>
+                <a:schemeClr val="accent1"/>
+              </a:buClr>
+              <a:buSzPct val="80000"/>
+              <a:buFont typeface="Wingdings 3" charset="2"/>
+              <a:buChar char=""/>
+              <a:defRPr sz="1200" kern="1200">
+                <a:solidFill>
+                  <a:schemeClr val="tx1">
+                    <a:lumMod val="75000"/>
+                    <a:lumOff val="25000"/>
+                  </a:schemeClr>
+                </a:solidFill>
+                <a:latin typeface="+mn-lt"/>
+                <a:ea typeface="+mn-ea"/>
+                <a:cs typeface="+mn-cs"/>
+              </a:defRPr>
+            </a:lvl9pPr>
+          </a:lstStyle>
+          <a:p>
+            <a:pPr lvl="1"/>
             <a:r>
               <a:rPr lang="it-IT" sz="2000" dirty="0"/>
-              <a:t>Eliminazione manuale di caratteri superflui</a:t>
-            </a:r>
-          </a:p>
-          <a:p>
-            <a:r>
-              <a:rPr lang="it-IT" sz="2000" dirty="0"/>
-              <a:t>Eliminazione delle righe inconsistenti (finiscono prima di iniziare)</a:t>
-            </a:r>
-          </a:p>
-          <a:p>
-            <a:r>
-              <a:rPr lang="it-IT" sz="2000" dirty="0"/>
-              <a:t>Conversione dei valori categorici in interi (es. attività, sensori)</a:t>
-            </a:r>
-          </a:p>
-          <a:p>
-            <a:r>
-              <a:rPr lang="it-IT" sz="2000" dirty="0"/>
-              <a:t>Divisione di attività e rilevazioni in </a:t>
-            </a:r>
-            <a:r>
-              <a:rPr lang="it-IT" sz="2000" dirty="0" err="1"/>
-              <a:t>timeslice</a:t>
-            </a:r>
-            <a:endParaRPr lang="it-IT" sz="2000" dirty="0"/>
-          </a:p>
-          <a:p>
-            <a:r>
-              <a:rPr lang="it-IT" sz="2000" dirty="0"/>
-              <a:t>Associazione dei sensori attivi durante ogni attività (bit </a:t>
-            </a:r>
-            <a:r>
-              <a:rPr lang="it-IT" sz="2000" dirty="0" err="1"/>
-              <a:t>vector</a:t>
-            </a:r>
-            <a:r>
-              <a:rPr lang="it-IT" sz="2000" dirty="0"/>
-              <a:t>)</a:t>
-            </a:r>
-          </a:p>
-          <a:p>
-            <a:pPr lvl="1"/>
+              <a:t>Sensori attivi:</a:t>
+            </a:r>
+          </a:p>
+          <a:p>
+            <a:pPr lvl="2"/>
+            <a:r>
+              <a:rPr lang="it-IT" sz="1800" dirty="0" err="1"/>
+              <a:t>start_time</a:t>
+            </a:r>
+            <a:endParaRPr lang="it-IT" sz="1800" dirty="0"/>
+          </a:p>
+          <a:p>
+            <a:pPr lvl="2"/>
+            <a:r>
+              <a:rPr lang="it-IT" sz="1800" dirty="0" err="1"/>
+              <a:t>end_time</a:t>
+            </a:r>
+            <a:endParaRPr lang="it-IT" sz="1800" dirty="0"/>
+          </a:p>
+          <a:p>
+            <a:pPr lvl="2"/>
             <a:r>
               <a:rPr lang="it-IT" sz="1800" dirty="0"/>
-              <a:t>Modellata assenza di attività</a:t>
-            </a:r>
-          </a:p>
-          <a:p>
-            <a:r>
-              <a:rPr lang="it-IT" sz="2000" dirty="0"/>
-              <a:t>Aggiunto periodo della giornata (divisa in quattro periodi)</a:t>
-            </a:r>
-          </a:p>
-          <a:p>
-            <a:endParaRPr lang="it-IT" dirty="0"/>
+              <a:t>location</a:t>
+            </a:r>
+          </a:p>
+          <a:p>
+            <a:pPr lvl="2"/>
+            <a:r>
+              <a:rPr lang="it-IT" sz="1800" dirty="0" err="1"/>
+              <a:t>type</a:t>
+            </a:r>
+            <a:endParaRPr lang="it-IT" sz="1800" dirty="0"/>
+          </a:p>
+          <a:p>
+            <a:pPr lvl="2"/>
+            <a:r>
+              <a:rPr lang="it-IT" sz="1800" dirty="0" err="1"/>
+              <a:t>place</a:t>
+            </a:r>
+            <a:endParaRPr lang="it-IT" sz="1800" dirty="0"/>
+          </a:p>
+          <a:p>
+            <a:pPr lvl="2"/>
+            <a:endParaRPr lang="it-IT" sz="1800" dirty="0"/>
           </a:p>
         </p:txBody>
       </p:sp>
     </p:spTree>
     <p:extLst>
       <p:ext uri="{BB962C8B-B14F-4D97-AF65-F5344CB8AC3E}">
-        <p14:creationId xmlns:p14="http://schemas.microsoft.com/office/powerpoint/2010/main" val="4276758786"/>
+        <p14:creationId xmlns:p14="http://schemas.microsoft.com/office/powerpoint/2010/main" val="378274811"/>
       </p:ext>
     </p:extLst>
   </p:cSld>
@@ -8968,7 +9571,7 @@
           <p:cNvPr id="2" name="Title 1">
             <a:extLst>
               <a:ext uri="{FF2B5EF4-FFF2-40B4-BE49-F238E27FC236}">
-                <a16:creationId xmlns:a16="http://schemas.microsoft.com/office/drawing/2014/main" id="{92504B15-1EC5-3F41-BF47-EDF987731E49}"/>
+                <a16:creationId xmlns:a16="http://schemas.microsoft.com/office/drawing/2014/main" id="{A15E9878-69B0-7547-B88A-B3ADE16A53A3}"/>
               </a:ext>
             </a:extLst>
           </p:cNvPr>
@@ -8986,7 +9589,7 @@
           <a:p>
             <a:r>
               <a:rPr lang="it-IT" dirty="0"/>
-              <a:t>Dataset Finali</a:t>
+              <a:t>Dataset Iniziali</a:t>
             </a:r>
           </a:p>
         </p:txBody>
@@ -8996,7 +9599,7 @@
           <p:cNvPr id="3" name="Content Placeholder 2">
             <a:extLst>
               <a:ext uri="{FF2B5EF4-FFF2-40B4-BE49-F238E27FC236}">
-                <a16:creationId xmlns:a16="http://schemas.microsoft.com/office/drawing/2014/main" id="{23C4869D-A264-AE43-8C23-E7177F98E675}"/>
+                <a16:creationId xmlns:a16="http://schemas.microsoft.com/office/drawing/2014/main" id="{12842624-87A5-904D-89F1-B1697386AA8A}"/>
               </a:ext>
             </a:extLst>
           </p:cNvPr>
@@ -9009,207 +9612,347 @@
         </p:nvSpPr>
         <p:spPr>
           <a:xfrm>
-            <a:off x="677333" y="1849821"/>
-            <a:ext cx="9013205" cy="4191541"/>
+            <a:off x="677334" y="1814903"/>
+            <a:ext cx="3459768" cy="538006"/>
           </a:xfrm>
         </p:spPr>
         <p:txBody>
-          <a:bodyPr>
+          <a:bodyPr/>
+          <a:lstStyle/>
+          <a:p>
+            <a:r>
+              <a:rPr lang="it-IT" dirty="0"/>
+              <a:t>Attività</a:t>
+            </a:r>
+          </a:p>
+        </p:txBody>
+      </p:sp>
+      <p:pic>
+        <p:nvPicPr>
+          <p:cNvPr id="5" name="Picture 4">
+            <a:extLst>
+              <a:ext uri="{FF2B5EF4-FFF2-40B4-BE49-F238E27FC236}">
+                <a16:creationId xmlns:a16="http://schemas.microsoft.com/office/drawing/2014/main" id="{0159CA3A-AFE6-3740-9F33-CE91D8CBA933}"/>
+              </a:ext>
+            </a:extLst>
+          </p:cNvPr>
+          <p:cNvPicPr>
+            <a:picLocks noChangeAspect="1"/>
+          </p:cNvPicPr>
+          <p:nvPr/>
+        </p:nvPicPr>
+        <p:blipFill>
+          <a:blip r:embed="rId2"/>
+          <a:stretch>
+            <a:fillRect/>
+          </a:stretch>
+        </p:blipFill>
+        <p:spPr>
+          <a:xfrm>
+            <a:off x="2851821" y="1814903"/>
+            <a:ext cx="6245926" cy="1992637"/>
+          </a:xfrm>
+          <a:prstGeom prst="rect">
+            <a:avLst/>
+          </a:prstGeom>
+        </p:spPr>
+      </p:pic>
+      <p:pic>
+        <p:nvPicPr>
+          <p:cNvPr id="6" name="Picture 5">
+            <a:extLst>
+              <a:ext uri="{FF2B5EF4-FFF2-40B4-BE49-F238E27FC236}">
+                <a16:creationId xmlns:a16="http://schemas.microsoft.com/office/drawing/2014/main" id="{5DE4D5A5-4E8A-A942-9C2F-3BAF4C9F42DD}"/>
+              </a:ext>
+            </a:extLst>
+          </p:cNvPr>
+          <p:cNvPicPr>
+            <a:picLocks noChangeAspect="1"/>
+          </p:cNvPicPr>
+          <p:nvPr/>
+        </p:nvPicPr>
+        <p:blipFill>
+          <a:blip r:embed="rId3"/>
+          <a:stretch>
+            <a:fillRect/>
+          </a:stretch>
+        </p:blipFill>
+        <p:spPr>
+          <a:xfrm>
+            <a:off x="641610" y="4633701"/>
+            <a:ext cx="7708900" cy="1524000"/>
+          </a:xfrm>
+          <a:prstGeom prst="rect">
+            <a:avLst/>
+          </a:prstGeom>
+        </p:spPr>
+      </p:pic>
+      <p:sp>
+        <p:nvSpPr>
+          <p:cNvPr id="7" name="Content Placeholder 2">
+            <a:extLst>
+              <a:ext uri="{FF2B5EF4-FFF2-40B4-BE49-F238E27FC236}">
+                <a16:creationId xmlns:a16="http://schemas.microsoft.com/office/drawing/2014/main" id="{D7E36DA3-1149-EB44-9BB8-7AA6DB5EF872}"/>
+              </a:ext>
+            </a:extLst>
+          </p:cNvPr>
+          <p:cNvSpPr txBox="1">
+            <a:spLocks/>
+          </p:cNvSpPr>
+          <p:nvPr/>
+        </p:nvSpPr>
+        <p:spPr>
+          <a:xfrm>
+            <a:off x="641610" y="3956591"/>
+            <a:ext cx="3459768" cy="538006"/>
+          </a:xfrm>
+          <a:prstGeom prst="rect">
+            <a:avLst/>
+          </a:prstGeom>
+        </p:spPr>
+        <p:txBody>
+          <a:bodyPr vert="horz" lIns="91440" tIns="45720" rIns="91440" bIns="45720" rtlCol="0">
             <a:normAutofit/>
           </a:bodyPr>
-          <a:lstStyle/>
+          <a:lstStyle>
+            <a:lvl1pPr marL="342900" indent="-342900" algn="l" defTabSz="457200" rtl="0" eaLnBrk="1" latinLnBrk="0" hangingPunct="1">
+              <a:spcBef>
+                <a:spcPts val="1000"/>
+              </a:spcBef>
+              <a:spcAft>
+                <a:spcPts val="0"/>
+              </a:spcAft>
+              <a:buClr>
+                <a:schemeClr val="accent1"/>
+              </a:buClr>
+              <a:buSzPct val="80000"/>
+              <a:buFont typeface="Wingdings 3" charset="2"/>
+              <a:buChar char=""/>
+              <a:defRPr sz="1800" kern="1200">
+                <a:solidFill>
+                  <a:schemeClr val="tx1">
+                    <a:lumMod val="75000"/>
+                    <a:lumOff val="25000"/>
+                  </a:schemeClr>
+                </a:solidFill>
+                <a:latin typeface="+mn-lt"/>
+                <a:ea typeface="+mn-ea"/>
+                <a:cs typeface="+mn-cs"/>
+              </a:defRPr>
+            </a:lvl1pPr>
+            <a:lvl2pPr marL="742950" indent="-285750" algn="l" defTabSz="457200" rtl="0" eaLnBrk="1" latinLnBrk="0" hangingPunct="1">
+              <a:spcBef>
+                <a:spcPts val="1000"/>
+              </a:spcBef>
+              <a:spcAft>
+                <a:spcPts val="0"/>
+              </a:spcAft>
+              <a:buClr>
+                <a:schemeClr val="accent1"/>
+              </a:buClr>
+              <a:buSzPct val="80000"/>
+              <a:buFont typeface="Wingdings 3" charset="2"/>
+              <a:buChar char=""/>
+              <a:defRPr sz="1600" kern="1200">
+                <a:solidFill>
+                  <a:schemeClr val="tx1">
+                    <a:lumMod val="75000"/>
+                    <a:lumOff val="25000"/>
+                  </a:schemeClr>
+                </a:solidFill>
+                <a:latin typeface="+mn-lt"/>
+                <a:ea typeface="+mn-ea"/>
+                <a:cs typeface="+mn-cs"/>
+              </a:defRPr>
+            </a:lvl2pPr>
+            <a:lvl3pPr marL="1143000" indent="-228600" algn="l" defTabSz="457200" rtl="0" eaLnBrk="1" latinLnBrk="0" hangingPunct="1">
+              <a:spcBef>
+                <a:spcPts val="1000"/>
+              </a:spcBef>
+              <a:spcAft>
+                <a:spcPts val="0"/>
+              </a:spcAft>
+              <a:buClr>
+                <a:schemeClr val="accent1"/>
+              </a:buClr>
+              <a:buSzPct val="80000"/>
+              <a:buFont typeface="Wingdings 3" charset="2"/>
+              <a:buChar char=""/>
+              <a:defRPr sz="1400" kern="1200">
+                <a:solidFill>
+                  <a:schemeClr val="tx1">
+                    <a:lumMod val="75000"/>
+                    <a:lumOff val="25000"/>
+                  </a:schemeClr>
+                </a:solidFill>
+                <a:latin typeface="+mn-lt"/>
+                <a:ea typeface="+mn-ea"/>
+                <a:cs typeface="+mn-cs"/>
+              </a:defRPr>
+            </a:lvl3pPr>
+            <a:lvl4pPr marL="1600200" indent="-228600" algn="l" defTabSz="457200" rtl="0" eaLnBrk="1" latinLnBrk="0" hangingPunct="1">
+              <a:spcBef>
+                <a:spcPts val="1000"/>
+              </a:spcBef>
+              <a:spcAft>
+                <a:spcPts val="0"/>
+              </a:spcAft>
+              <a:buClr>
+                <a:schemeClr val="accent1"/>
+              </a:buClr>
+              <a:buSzPct val="80000"/>
+              <a:buFont typeface="Wingdings 3" charset="2"/>
+              <a:buChar char=""/>
+              <a:defRPr sz="1200" kern="1200">
+                <a:solidFill>
+                  <a:schemeClr val="tx1">
+                    <a:lumMod val="75000"/>
+                    <a:lumOff val="25000"/>
+                  </a:schemeClr>
+                </a:solidFill>
+                <a:latin typeface="+mn-lt"/>
+                <a:ea typeface="+mn-ea"/>
+                <a:cs typeface="+mn-cs"/>
+              </a:defRPr>
+            </a:lvl4pPr>
+            <a:lvl5pPr marL="2057400" indent="-228600" algn="l" defTabSz="457200" rtl="0" eaLnBrk="1" latinLnBrk="0" hangingPunct="1">
+              <a:spcBef>
+                <a:spcPts val="1000"/>
+              </a:spcBef>
+              <a:spcAft>
+                <a:spcPts val="0"/>
+              </a:spcAft>
+              <a:buClr>
+                <a:schemeClr val="accent1"/>
+              </a:buClr>
+              <a:buSzPct val="80000"/>
+              <a:buFont typeface="Wingdings 3" charset="2"/>
+              <a:buChar char=""/>
+              <a:defRPr sz="1200" kern="1200">
+                <a:solidFill>
+                  <a:schemeClr val="tx1">
+                    <a:lumMod val="75000"/>
+                    <a:lumOff val="25000"/>
+                  </a:schemeClr>
+                </a:solidFill>
+                <a:latin typeface="+mn-lt"/>
+                <a:ea typeface="+mn-ea"/>
+                <a:cs typeface="+mn-cs"/>
+              </a:defRPr>
+            </a:lvl5pPr>
+            <a:lvl6pPr marL="2514600" indent="-228600" algn="l" defTabSz="457200" rtl="0" eaLnBrk="1" latinLnBrk="0" hangingPunct="1">
+              <a:spcBef>
+                <a:spcPts val="1000"/>
+              </a:spcBef>
+              <a:spcAft>
+                <a:spcPts val="0"/>
+              </a:spcAft>
+              <a:buClr>
+                <a:schemeClr val="accent1"/>
+              </a:buClr>
+              <a:buSzPct val="80000"/>
+              <a:buFont typeface="Wingdings 3" charset="2"/>
+              <a:buChar char=""/>
+              <a:defRPr sz="1200" kern="1200">
+                <a:solidFill>
+                  <a:schemeClr val="tx1">
+                    <a:lumMod val="75000"/>
+                    <a:lumOff val="25000"/>
+                  </a:schemeClr>
+                </a:solidFill>
+                <a:latin typeface="+mn-lt"/>
+                <a:ea typeface="+mn-ea"/>
+                <a:cs typeface="+mn-cs"/>
+              </a:defRPr>
+            </a:lvl6pPr>
+            <a:lvl7pPr marL="2971800" indent="-228600" algn="l" defTabSz="457200" rtl="0" eaLnBrk="1" latinLnBrk="0" hangingPunct="1">
+              <a:spcBef>
+                <a:spcPts val="1000"/>
+              </a:spcBef>
+              <a:spcAft>
+                <a:spcPts val="0"/>
+              </a:spcAft>
+              <a:buClr>
+                <a:schemeClr val="accent1"/>
+              </a:buClr>
+              <a:buSzPct val="80000"/>
+              <a:buFont typeface="Wingdings 3" charset="2"/>
+              <a:buChar char=""/>
+              <a:defRPr sz="1200" kern="1200">
+                <a:solidFill>
+                  <a:schemeClr val="tx1">
+                    <a:lumMod val="75000"/>
+                    <a:lumOff val="25000"/>
+                  </a:schemeClr>
+                </a:solidFill>
+                <a:latin typeface="+mn-lt"/>
+                <a:ea typeface="+mn-ea"/>
+                <a:cs typeface="+mn-cs"/>
+              </a:defRPr>
+            </a:lvl7pPr>
+            <a:lvl8pPr marL="3429000" indent="-228600" algn="l" defTabSz="457200" rtl="0" eaLnBrk="1" latinLnBrk="0" hangingPunct="1">
+              <a:spcBef>
+                <a:spcPts val="1000"/>
+              </a:spcBef>
+              <a:spcAft>
+                <a:spcPts val="0"/>
+              </a:spcAft>
+              <a:buClr>
+                <a:schemeClr val="accent1"/>
+              </a:buClr>
+              <a:buSzPct val="80000"/>
+              <a:buFont typeface="Wingdings 3" charset="2"/>
+              <a:buChar char=""/>
+              <a:defRPr sz="1200" kern="1200">
+                <a:solidFill>
+                  <a:schemeClr val="tx1">
+                    <a:lumMod val="75000"/>
+                    <a:lumOff val="25000"/>
+                  </a:schemeClr>
+                </a:solidFill>
+                <a:latin typeface="+mn-lt"/>
+                <a:ea typeface="+mn-ea"/>
+                <a:cs typeface="+mn-cs"/>
+              </a:defRPr>
+            </a:lvl8pPr>
+            <a:lvl9pPr marL="3886200" indent="-228600" algn="l" defTabSz="457200" rtl="0" eaLnBrk="1" latinLnBrk="0" hangingPunct="1">
+              <a:spcBef>
+                <a:spcPts val="1000"/>
+              </a:spcBef>
+              <a:spcAft>
+                <a:spcPts val="0"/>
+              </a:spcAft>
+              <a:buClr>
+                <a:schemeClr val="accent1"/>
+              </a:buClr>
+              <a:buSzPct val="80000"/>
+              <a:buFont typeface="Wingdings 3" charset="2"/>
+              <a:buChar char=""/>
+              <a:defRPr sz="1200" kern="1200">
+                <a:solidFill>
+                  <a:schemeClr val="tx1">
+                    <a:lumMod val="75000"/>
+                    <a:lumOff val="25000"/>
+                  </a:schemeClr>
+                </a:solidFill>
+                <a:latin typeface="+mn-lt"/>
+                <a:ea typeface="+mn-ea"/>
+                <a:cs typeface="+mn-cs"/>
+              </a:defRPr>
+            </a:lvl9pPr>
+          </a:lstStyle>
           <a:p>
             <a:r>
               <a:rPr lang="it-IT" dirty="0"/>
-              <a:t>Uno per ogni abitazione</a:t>
-            </a:r>
-          </a:p>
-          <a:p>
-            <a:r>
-              <a:rPr lang="it-IT" dirty="0"/>
-              <a:t>Struttura:</a:t>
-            </a:r>
-          </a:p>
-          <a:p>
-            <a:pPr lvl="1"/>
-            <a:r>
-              <a:rPr lang="it-IT" dirty="0" err="1"/>
-              <a:t>timestamp</a:t>
-            </a:r>
-            <a:r>
-              <a:rPr lang="it-IT" dirty="0"/>
-              <a:t>: ora di inizio del </a:t>
-            </a:r>
-            <a:r>
-              <a:rPr lang="it-IT" dirty="0" err="1"/>
-              <a:t>timeslice</a:t>
-            </a:r>
-            <a:endParaRPr lang="it-IT" dirty="0"/>
-          </a:p>
-          <a:p>
-            <a:pPr lvl="1"/>
-            <a:r>
-              <a:rPr lang="it-IT" dirty="0" err="1"/>
-              <a:t>activity</a:t>
-            </a:r>
-            <a:r>
-              <a:rPr lang="it-IT" dirty="0"/>
-              <a:t>: attività corrente</a:t>
-            </a:r>
-          </a:p>
-          <a:p>
-            <a:pPr lvl="1"/>
-            <a:r>
-              <a:rPr lang="it-IT" dirty="0" err="1"/>
-              <a:t>sensors</a:t>
-            </a:r>
-            <a:r>
-              <a:rPr lang="it-IT" dirty="0"/>
-              <a:t>: bit </a:t>
-            </a:r>
-            <a:r>
-              <a:rPr lang="it-IT" dirty="0" err="1"/>
-              <a:t>vector</a:t>
-            </a:r>
-            <a:r>
-              <a:rPr lang="it-IT" dirty="0"/>
-              <a:t> dei sensori (es. 001010010110)</a:t>
-            </a:r>
-          </a:p>
-          <a:p>
-            <a:pPr lvl="1"/>
-            <a:r>
-              <a:rPr lang="it-IT" dirty="0" err="1"/>
-              <a:t>period</a:t>
-            </a:r>
-            <a:r>
-              <a:rPr lang="it-IT" dirty="0"/>
-              <a:t>: periodo della giornata</a:t>
-            </a:r>
-          </a:p>
-          <a:p>
-            <a:r>
-              <a:rPr lang="it-IT" dirty="0"/>
-              <a:t>Dataset A: 0: Breakfast, 1: </a:t>
-            </a:r>
-            <a:r>
-              <a:rPr lang="it-IT" dirty="0" err="1"/>
-              <a:t>Grooming</a:t>
-            </a:r>
-            <a:r>
-              <a:rPr lang="it-IT" dirty="0"/>
-              <a:t>, 2: </a:t>
-            </a:r>
-            <a:r>
-              <a:rPr lang="it-IT" dirty="0" err="1"/>
-              <a:t>Leaving</a:t>
-            </a:r>
-            <a:r>
-              <a:rPr lang="it-IT" dirty="0"/>
-              <a:t>, 3: Lunch, 4: </a:t>
-            </a:r>
-            <a:r>
-              <a:rPr lang="it-IT" dirty="0" err="1"/>
-              <a:t>Showering</a:t>
-            </a:r>
-            <a:r>
-              <a:rPr lang="it-IT" dirty="0"/>
-              <a:t>, 5: Sleeping, 6: Snack, 7: </a:t>
-            </a:r>
-            <a:r>
-              <a:rPr lang="it-IT" dirty="0" err="1"/>
-              <a:t>Spare_Time</a:t>
-            </a:r>
-            <a:r>
-              <a:rPr lang="it-IT" dirty="0"/>
-              <a:t>/TV, 8: </a:t>
-            </a:r>
-            <a:r>
-              <a:rPr lang="it-IT" dirty="0" err="1"/>
-              <a:t>Toileting</a:t>
-            </a:r>
-            <a:r>
-              <a:rPr lang="it-IT" dirty="0"/>
-              <a:t>, 9: No </a:t>
-            </a:r>
-            <a:r>
-              <a:rPr lang="it-IT" dirty="0" err="1"/>
-              <a:t>activity</a:t>
-            </a:r>
-            <a:endParaRPr lang="it-IT" dirty="0"/>
-          </a:p>
-          <a:p>
-            <a:r>
-              <a:rPr lang="it-IT" dirty="0"/>
-              <a:t>Dataset B: 0: Breakfast, 1: </a:t>
-            </a:r>
-            <a:r>
-              <a:rPr lang="it-IT" dirty="0" err="1"/>
-              <a:t>Dinner</a:t>
-            </a:r>
-            <a:r>
-              <a:rPr lang="it-IT" dirty="0"/>
-              <a:t>, 2: </a:t>
-            </a:r>
-            <a:r>
-              <a:rPr lang="it-IT" dirty="0" err="1"/>
-              <a:t>Grooming</a:t>
-            </a:r>
-            <a:r>
-              <a:rPr lang="it-IT" dirty="0"/>
-              <a:t>, 3: </a:t>
-            </a:r>
-            <a:r>
-              <a:rPr lang="it-IT" dirty="0" err="1"/>
-              <a:t>Leaving</a:t>
-            </a:r>
-            <a:r>
-              <a:rPr lang="it-IT" dirty="0"/>
-              <a:t>, 4: Lunch, 5: </a:t>
-            </a:r>
-            <a:r>
-              <a:rPr lang="it-IT" dirty="0" err="1"/>
-              <a:t>Showering</a:t>
-            </a:r>
-            <a:r>
-              <a:rPr lang="it-IT" dirty="0"/>
-              <a:t>, 6: Sleeping, 7: Snack, 8: </a:t>
-            </a:r>
-            <a:r>
-              <a:rPr lang="it-IT" dirty="0" err="1"/>
-              <a:t>Spare_Time</a:t>
-            </a:r>
-            <a:r>
-              <a:rPr lang="it-IT" dirty="0"/>
-              <a:t>/TV, 9: </a:t>
-            </a:r>
-            <a:r>
-              <a:rPr lang="it-IT" dirty="0" err="1"/>
-              <a:t>Toileting</a:t>
-            </a:r>
-            <a:r>
-              <a:rPr lang="it-IT" dirty="0"/>
-              <a:t>, 10: No </a:t>
-            </a:r>
-            <a:r>
-              <a:rPr lang="it-IT" dirty="0" err="1"/>
-              <a:t>activity</a:t>
-            </a:r>
-            <a:endParaRPr lang="it-IT" dirty="0"/>
-          </a:p>
-          <a:p>
-            <a:pPr lvl="1"/>
-            <a:endParaRPr lang="it-IT" dirty="0"/>
-          </a:p>
-          <a:p>
-            <a:endParaRPr lang="it-IT" dirty="0"/>
+              <a:t>Sensori</a:t>
+            </a:r>
           </a:p>
         </p:txBody>
       </p:sp>
     </p:spTree>
     <p:extLst>
       <p:ext uri="{BB962C8B-B14F-4D97-AF65-F5344CB8AC3E}">
-        <p14:creationId xmlns:p14="http://schemas.microsoft.com/office/powerpoint/2010/main" val="4012740185"/>
+        <p14:creationId xmlns:p14="http://schemas.microsoft.com/office/powerpoint/2010/main" val="968315636"/>
       </p:ext>
     </p:extLst>
   </p:cSld>
@@ -9241,7 +9984,7 @@
           <p:cNvPr id="2" name="Title 1">
             <a:extLst>
               <a:ext uri="{FF2B5EF4-FFF2-40B4-BE49-F238E27FC236}">
-                <a16:creationId xmlns:a16="http://schemas.microsoft.com/office/drawing/2014/main" id="{7290DDA0-8DCC-644D-9F79-EE0477493263}"/>
+                <a16:creationId xmlns:a16="http://schemas.microsoft.com/office/drawing/2014/main" id="{55811EB1-DDE3-984A-A81A-F15F527F0D13}"/>
               </a:ext>
             </a:extLst>
           </p:cNvPr>
@@ -9258,25 +10001,10 @@
           <a:lstStyle/>
           <a:p>
             <a:r>
-              <a:rPr lang="it-IT" dirty="0"/>
-              <a:t>Modello - </a:t>
-            </a:r>
-            <a:r>
               <a:rPr lang="it-IT" dirty="0" err="1"/>
-              <a:t>Hidden</a:t>
-            </a:r>
-            <a:r>
-              <a:rPr lang="it-IT" dirty="0"/>
-              <a:t> </a:t>
-            </a:r>
-            <a:r>
-              <a:rPr lang="it-IT" dirty="0" err="1"/>
-              <a:t>Markov</a:t>
-            </a:r>
-            <a:r>
-              <a:rPr lang="it-IT" dirty="0"/>
-              <a:t> Model</a:t>
-            </a:r>
+              <a:t>Preprocessing</a:t>
+            </a:r>
+            <a:endParaRPr lang="it-IT" dirty="0"/>
           </a:p>
         </p:txBody>
       </p:sp>
@@ -9285,7 +10013,7 @@
           <p:cNvPr id="3" name="Content Placeholder 2">
             <a:extLst>
               <a:ext uri="{FF2B5EF4-FFF2-40B4-BE49-F238E27FC236}">
-                <a16:creationId xmlns:a16="http://schemas.microsoft.com/office/drawing/2014/main" id="{95BD0733-17BE-744D-8497-77DA64A0B38D}"/>
+                <a16:creationId xmlns:a16="http://schemas.microsoft.com/office/drawing/2014/main" id="{94CCB9EB-5ABF-EF48-B0C3-0FD7E4A3E38B}"/>
               </a:ext>
             </a:extLst>
           </p:cNvPr>
@@ -9296,60 +10024,80 @@
             <p:ph idx="1"/>
           </p:nvPr>
         </p:nvSpPr>
-        <p:spPr/>
+        <p:spPr>
+          <a:xfrm>
+            <a:off x="677334" y="1930401"/>
+            <a:ext cx="8596668" cy="4110962"/>
+          </a:xfrm>
+        </p:spPr>
         <p:txBody>
           <a:bodyPr/>
           <a:lstStyle/>
           <a:p>
             <a:r>
               <a:rPr lang="it-IT" sz="2000" dirty="0"/>
-              <a:t>Discretizzazione del tempo basata su </a:t>
+              <a:t>Correzione manuale di alcuni </a:t>
+            </a:r>
+            <a:r>
+              <a:rPr lang="it-IT" sz="2000" dirty="0" err="1"/>
+              <a:t>timestamp</a:t>
+            </a:r>
+            <a:endParaRPr lang="it-IT" sz="2000" dirty="0"/>
+          </a:p>
+          <a:p>
+            <a:r>
+              <a:rPr lang="it-IT" sz="2000" dirty="0"/>
+              <a:t>Eliminazione manuale di caratteri superflui</a:t>
+            </a:r>
+          </a:p>
+          <a:p>
+            <a:r>
+              <a:rPr lang="it-IT" sz="2000" dirty="0"/>
+              <a:t>Eliminazione delle righe inconsistenti (finiscono prima di iniziare)</a:t>
+            </a:r>
+          </a:p>
+          <a:p>
+            <a:r>
+              <a:rPr lang="it-IT" sz="2000" dirty="0"/>
+              <a:t>Conversione dei valori categorici in interi (es. attività, sensori)</a:t>
+            </a:r>
+          </a:p>
+          <a:p>
+            <a:r>
+              <a:rPr lang="it-IT" sz="2000" dirty="0"/>
+              <a:t>Divisione di attività e rilevazioni in </a:t>
             </a:r>
             <a:r>
               <a:rPr lang="it-IT" sz="2000" dirty="0" err="1"/>
               <a:t>timeslice</a:t>
             </a:r>
+            <a:endParaRPr lang="it-IT" sz="2000" dirty="0"/>
+          </a:p>
+          <a:p>
             <a:r>
               <a:rPr lang="it-IT" sz="2000" dirty="0"/>
-              <a:t> di 60s</a:t>
-            </a:r>
-          </a:p>
-          <a:p>
+              <a:t>Associazione dei sensori attivi durante ogni attività (bit </a:t>
+            </a:r>
+            <a:r>
+              <a:rPr lang="it-IT" sz="2000" dirty="0" err="1"/>
+              <a:t>vector</a:t>
+            </a:r>
             <a:r>
               <a:rPr lang="it-IT" sz="2000" dirty="0"/>
-              <a:t>Stato nascosto: attività svolta</a:t>
+              <a:t>)</a:t>
+            </a:r>
+          </a:p>
+          <a:p>
+            <a:pPr lvl="1"/>
+            <a:r>
+              <a:rPr lang="it-IT" sz="1800" dirty="0"/>
+              <a:t>Modellata assenza di attività</a:t>
             </a:r>
           </a:p>
           <a:p>
             <a:r>
               <a:rPr lang="it-IT" sz="2000" dirty="0"/>
-              <a:t>Osservazione: sensori attivi durante il </a:t>
-            </a:r>
-            <a:r>
-              <a:rPr lang="it-IT" sz="2000" dirty="0" err="1"/>
-              <a:t>timeslice</a:t>
-            </a:r>
-            <a:endParaRPr lang="it-IT" sz="2000" dirty="0"/>
-          </a:p>
-          <a:p>
-            <a:pPr lvl="1"/>
-            <a:r>
-              <a:rPr lang="it-IT" sz="1800" dirty="0"/>
-              <a:t>Facoltativamente il periodo della giornata che non è stato considerato a causa delle prestazioni minori</a:t>
-            </a:r>
-          </a:p>
-          <a:p>
-            <a:pPr lvl="1"/>
-            <a:r>
-              <a:rPr lang="it-IT" sz="1800" dirty="0"/>
-              <a:t>Possibilità di considerare le stanze relative ai sensori o la posizione dei sensori. Non considerato anche in questo caso a causa delle prestazioni.</a:t>
-            </a:r>
-          </a:p>
-          <a:p>
-            <a:pPr lvl="2"/>
-            <a:r>
-              <a:rPr lang="it-IT" sz="1600" dirty="0"/>
-              <a:t>Osservazioni più generiche</a:t>
+              <a:t>Aggiunto periodo della giornata (divisa in quattro periodi)</a:t>
             </a:r>
           </a:p>
           <a:p>
@@ -9360,7 +10108,7 @@
     </p:spTree>
     <p:extLst>
       <p:ext uri="{BB962C8B-B14F-4D97-AF65-F5344CB8AC3E}">
-        <p14:creationId xmlns:p14="http://schemas.microsoft.com/office/powerpoint/2010/main" val="3513973617"/>
+        <p14:creationId xmlns:p14="http://schemas.microsoft.com/office/powerpoint/2010/main" val="4276758786"/>
       </p:ext>
     </p:extLst>
   </p:cSld>
@@ -9392,7 +10140,7 @@
           <p:cNvPr id="2" name="Title 1">
             <a:extLst>
               <a:ext uri="{FF2B5EF4-FFF2-40B4-BE49-F238E27FC236}">
-                <a16:creationId xmlns:a16="http://schemas.microsoft.com/office/drawing/2014/main" id="{83619F4E-A227-D048-A970-B7332DB61F08}"/>
+                <a16:creationId xmlns:a16="http://schemas.microsoft.com/office/drawing/2014/main" id="{92504B15-1EC5-3F41-BF47-EDF987731E49}"/>
               </a:ext>
             </a:extLst>
           </p:cNvPr>
@@ -9410,7 +10158,7 @@
           <a:p>
             <a:r>
               <a:rPr lang="it-IT" dirty="0"/>
-              <a:t>Parametri del modello</a:t>
+              <a:t>Dataset Finali</a:t>
             </a:r>
           </a:p>
         </p:txBody>
@@ -9420,7 +10168,7 @@
           <p:cNvPr id="3" name="Content Placeholder 2">
             <a:extLst>
               <a:ext uri="{FF2B5EF4-FFF2-40B4-BE49-F238E27FC236}">
-                <a16:creationId xmlns:a16="http://schemas.microsoft.com/office/drawing/2014/main" id="{5078228B-31E9-2745-94F7-2478AEC0F0DF}"/>
+                <a16:creationId xmlns:a16="http://schemas.microsoft.com/office/drawing/2014/main" id="{23C4869D-A264-AE43-8C23-E7177F98E675}"/>
               </a:ext>
             </a:extLst>
           </p:cNvPr>
@@ -9433,113 +10181,241 @@
         </p:nvSpPr>
         <p:spPr>
           <a:xfrm>
-            <a:off x="677334" y="1930401"/>
-            <a:ext cx="8596668" cy="4110962"/>
+            <a:off x="677333" y="1849821"/>
+            <a:ext cx="5678861" cy="4506374"/>
           </a:xfrm>
         </p:spPr>
         <p:txBody>
           <a:bodyPr>
-            <a:normAutofit lnSpcReduction="10000"/>
+            <a:normAutofit/>
           </a:bodyPr>
           <a:lstStyle/>
           <a:p>
             <a:r>
               <a:rPr lang="it-IT" dirty="0"/>
-              <a:t>Probabilità a priori:</a:t>
+              <a:t>Uno per ogni abitazione</a:t>
+            </a:r>
+          </a:p>
+          <a:p>
+            <a:r>
+              <a:rPr lang="it-IT" dirty="0"/>
+              <a:t>Struttura:</a:t>
             </a:r>
           </a:p>
           <a:p>
             <a:pPr lvl="1"/>
             <a:r>
+              <a:rPr lang="it-IT" dirty="0" err="1"/>
+              <a:t>timestamp</a:t>
+            </a:r>
+            <a:r>
               <a:rPr lang="it-IT" dirty="0"/>
-              <a:t>Percentuale di occorrenza di ogni stato nel training set</a:t>
-            </a:r>
-          </a:p>
-          <a:p>
-            <a:r>
-              <a:rPr lang="it-IT" dirty="0"/>
-              <a:t>Probabilità di transizione:</a:t>
-            </a:r>
-          </a:p>
-          <a:p>
-            <a:pPr lvl="1"/>
-            <a:r>
-              <a:rPr lang="it-IT" dirty="0"/>
-              <a:t>Ogni stato del training set confrontato col successivo e calcolate le probabilità di transizione</a:t>
-            </a:r>
-          </a:p>
-          <a:p>
-            <a:pPr lvl="1"/>
-            <a:r>
-              <a:rPr lang="it-IT" dirty="0"/>
-              <a:t>Numero di volte in cui lo stato i è seguito dallo stato </a:t>
-            </a:r>
-            <a:r>
-              <a:rPr lang="it-IT" dirty="0" err="1"/>
-              <a:t>j</a:t>
-            </a:r>
-            <a:r>
-              <a:rPr lang="it-IT" dirty="0"/>
-              <a:t> rapportato al numero di occorrenze dello stato i</a:t>
-            </a:r>
-          </a:p>
-          <a:p>
-            <a:pPr lvl="1"/>
-            <a:r>
-              <a:rPr lang="it-IT" dirty="0" err="1"/>
-              <a:t>P</a:t>
-            </a:r>
-            <a:r>
-              <a:rPr lang="it-IT" dirty="0"/>
-              <a:t>(</a:t>
-            </a:r>
-            <a:r>
-              <a:rPr lang="it-IT" dirty="0" err="1"/>
-              <a:t>i|i</a:t>
-            </a:r>
-            <a:r>
-              <a:rPr lang="it-IT" dirty="0"/>
-              <a:t>) particolarmente alta per alcuni stati a causa della suddivisione in </a:t>
+              <a:t>: ora di inizio del </a:t>
             </a:r>
             <a:r>
               <a:rPr lang="it-IT" dirty="0" err="1"/>
               <a:t>timeslice</a:t>
             </a:r>
+            <a:endParaRPr lang="it-IT" dirty="0"/>
+          </a:p>
+          <a:p>
+            <a:pPr lvl="1"/>
+            <a:r>
+              <a:rPr lang="it-IT" dirty="0" err="1"/>
+              <a:t>activity</a:t>
+            </a:r>
             <a:r>
               <a:rPr lang="it-IT" dirty="0"/>
-              <a:t> di soli 60 secondi</a:t>
-            </a:r>
-          </a:p>
-          <a:p>
+              <a:t>: attività corrente</a:t>
+            </a:r>
+          </a:p>
+          <a:p>
+            <a:pPr lvl="1"/>
+            <a:r>
+              <a:rPr lang="it-IT" dirty="0" err="1"/>
+              <a:t>sensors</a:t>
+            </a:r>
             <a:r>
               <a:rPr lang="it-IT" dirty="0"/>
-              <a:t>Probabilità di emissione:</a:t>
+              <a:t>: bit </a:t>
+            </a:r>
+            <a:r>
+              <a:rPr lang="it-IT" dirty="0" err="1"/>
+              <a:t>vector</a:t>
+            </a:r>
+            <a:r>
+              <a:rPr lang="it-IT" dirty="0"/>
+              <a:t> dei sensori (es. 001010010110)</a:t>
             </a:r>
           </a:p>
           <a:p>
             <a:pPr lvl="1"/>
             <a:r>
+              <a:rPr lang="it-IT" dirty="0" err="1"/>
+              <a:t>period</a:t>
+            </a:r>
+            <a:r>
               <a:rPr lang="it-IT" dirty="0"/>
-              <a:t>Probabilità di osservare una configurazione di sensori per una certa attività</a:t>
-            </a:r>
-          </a:p>
-          <a:p>
-            <a:pPr lvl="1"/>
-            <a:r>
-              <a:rPr lang="it-IT" dirty="0"/>
-              <a:t>Calcolo analogo alla matrice di transizione</a:t>
+              <a:t>: periodo della giornata</a:t>
             </a:r>
           </a:p>
           <a:p>
             <a:pPr lvl="1"/>
             <a:endParaRPr lang="it-IT" dirty="0"/>
           </a:p>
-        </p:txBody>
-      </p:sp>
+          <a:p>
+            <a:r>
+              <a:rPr lang="it-IT" sz="1600" dirty="0"/>
+              <a:t>Dataset A: 0: Breakfast, 1: </a:t>
+            </a:r>
+            <a:r>
+              <a:rPr lang="it-IT" sz="1600" dirty="0" err="1"/>
+              <a:t>Grooming</a:t>
+            </a:r>
+            <a:r>
+              <a:rPr lang="it-IT" sz="1600" dirty="0"/>
+              <a:t>, 2: </a:t>
+            </a:r>
+            <a:r>
+              <a:rPr lang="it-IT" sz="1600" dirty="0" err="1"/>
+              <a:t>Leaving</a:t>
+            </a:r>
+            <a:r>
+              <a:rPr lang="it-IT" sz="1600" dirty="0"/>
+              <a:t>, 3: Lunch, 4: </a:t>
+            </a:r>
+            <a:r>
+              <a:rPr lang="it-IT" sz="1600" dirty="0" err="1"/>
+              <a:t>Showering</a:t>
+            </a:r>
+            <a:r>
+              <a:rPr lang="it-IT" sz="1600" dirty="0"/>
+              <a:t>, 5: Sleeping, 6: Snack, 7: </a:t>
+            </a:r>
+            <a:r>
+              <a:rPr lang="it-IT" sz="1600" dirty="0" err="1"/>
+              <a:t>Spare_Time</a:t>
+            </a:r>
+            <a:r>
+              <a:rPr lang="it-IT" sz="1600" dirty="0"/>
+              <a:t>/TV, 8: </a:t>
+            </a:r>
+            <a:r>
+              <a:rPr lang="it-IT" sz="1600" dirty="0" err="1"/>
+              <a:t>Toileting</a:t>
+            </a:r>
+            <a:r>
+              <a:rPr lang="it-IT" sz="1600" dirty="0"/>
+              <a:t>, 9: No </a:t>
+            </a:r>
+            <a:r>
+              <a:rPr lang="it-IT" sz="1600" dirty="0" err="1"/>
+              <a:t>activity</a:t>
+            </a:r>
+            <a:endParaRPr lang="it-IT" sz="1600" dirty="0"/>
+          </a:p>
+          <a:p>
+            <a:r>
+              <a:rPr lang="it-IT" sz="1600" dirty="0"/>
+              <a:t>Dataset B: 0: Breakfast, 1: </a:t>
+            </a:r>
+            <a:r>
+              <a:rPr lang="it-IT" sz="1600" dirty="0" err="1"/>
+              <a:t>Dinner</a:t>
+            </a:r>
+            <a:r>
+              <a:rPr lang="it-IT" sz="1600" dirty="0"/>
+              <a:t>, 2: </a:t>
+            </a:r>
+            <a:r>
+              <a:rPr lang="it-IT" sz="1600" dirty="0" err="1"/>
+              <a:t>Grooming</a:t>
+            </a:r>
+            <a:r>
+              <a:rPr lang="it-IT" sz="1600" dirty="0"/>
+              <a:t>, 3: </a:t>
+            </a:r>
+            <a:r>
+              <a:rPr lang="it-IT" sz="1600" dirty="0" err="1"/>
+              <a:t>Leaving</a:t>
+            </a:r>
+            <a:r>
+              <a:rPr lang="it-IT" sz="1600" dirty="0"/>
+              <a:t>, 4: Lunch, 5: </a:t>
+            </a:r>
+            <a:r>
+              <a:rPr lang="it-IT" sz="1600" dirty="0" err="1"/>
+              <a:t>Showering</a:t>
+            </a:r>
+            <a:r>
+              <a:rPr lang="it-IT" sz="1600" dirty="0"/>
+              <a:t>, 6: Sleeping, 7: Snack, 8: </a:t>
+            </a:r>
+            <a:r>
+              <a:rPr lang="it-IT" sz="1600" dirty="0" err="1"/>
+              <a:t>Spare_Time</a:t>
+            </a:r>
+            <a:r>
+              <a:rPr lang="it-IT" sz="1600" dirty="0"/>
+              <a:t>/TV, 9: </a:t>
+            </a:r>
+            <a:r>
+              <a:rPr lang="it-IT" sz="1600" dirty="0" err="1"/>
+              <a:t>Toileting</a:t>
+            </a:r>
+            <a:r>
+              <a:rPr lang="it-IT" sz="1600" dirty="0"/>
+              <a:t>, 10: No </a:t>
+            </a:r>
+            <a:r>
+              <a:rPr lang="it-IT" sz="1600" dirty="0" err="1"/>
+              <a:t>activity</a:t>
+            </a:r>
+            <a:endParaRPr lang="it-IT" sz="1600" dirty="0"/>
+          </a:p>
+          <a:p>
+            <a:pPr lvl="1"/>
+            <a:endParaRPr lang="it-IT" dirty="0"/>
+          </a:p>
+          <a:p>
+            <a:endParaRPr lang="it-IT" dirty="0"/>
+          </a:p>
+        </p:txBody>
+      </p:sp>
+      <p:pic>
+        <p:nvPicPr>
+          <p:cNvPr id="5" name="Picture 4">
+            <a:extLst>
+              <a:ext uri="{FF2B5EF4-FFF2-40B4-BE49-F238E27FC236}">
+                <a16:creationId xmlns:a16="http://schemas.microsoft.com/office/drawing/2014/main" id="{B85005E8-2C5C-7841-88EB-61BC5CA09FA8}"/>
+              </a:ext>
+            </a:extLst>
+          </p:cNvPr>
+          <p:cNvPicPr>
+            <a:picLocks noChangeAspect="1"/>
+          </p:cNvPicPr>
+          <p:nvPr/>
+        </p:nvPicPr>
+        <p:blipFill>
+          <a:blip r:embed="rId2"/>
+          <a:stretch>
+            <a:fillRect/>
+          </a:stretch>
+        </p:blipFill>
+        <p:spPr>
+          <a:xfrm>
+            <a:off x="6182109" y="1691268"/>
+            <a:ext cx="3091894" cy="3335991"/>
+          </a:xfrm>
+          <a:prstGeom prst="rect">
+            <a:avLst/>
+          </a:prstGeom>
+        </p:spPr>
+      </p:pic>
     </p:spTree>
     <p:extLst>
       <p:ext uri="{BB962C8B-B14F-4D97-AF65-F5344CB8AC3E}">
-        <p14:creationId xmlns:p14="http://schemas.microsoft.com/office/powerpoint/2010/main" val="1322667326"/>
+        <p14:creationId xmlns:p14="http://schemas.microsoft.com/office/powerpoint/2010/main" val="4012740185"/>
       </p:ext>
     </p:extLst>
   </p:cSld>
@@ -9571,6 +10447,336 @@
           <p:cNvPr id="2" name="Title 1">
             <a:extLst>
               <a:ext uri="{FF2B5EF4-FFF2-40B4-BE49-F238E27FC236}">
+                <a16:creationId xmlns:a16="http://schemas.microsoft.com/office/drawing/2014/main" id="{7290DDA0-8DCC-644D-9F79-EE0477493263}"/>
+              </a:ext>
+            </a:extLst>
+          </p:cNvPr>
+          <p:cNvSpPr>
+            <a:spLocks noGrp="1"/>
+          </p:cNvSpPr>
+          <p:nvPr>
+            <p:ph type="title"/>
+          </p:nvPr>
+        </p:nvSpPr>
+        <p:spPr/>
+        <p:txBody>
+          <a:bodyPr/>
+          <a:lstStyle/>
+          <a:p>
+            <a:r>
+              <a:rPr lang="it-IT" dirty="0"/>
+              <a:t>Modello - </a:t>
+            </a:r>
+            <a:r>
+              <a:rPr lang="it-IT" dirty="0" err="1"/>
+              <a:t>Hidden</a:t>
+            </a:r>
+            <a:r>
+              <a:rPr lang="it-IT" dirty="0"/>
+              <a:t> </a:t>
+            </a:r>
+            <a:r>
+              <a:rPr lang="it-IT" dirty="0" err="1"/>
+              <a:t>Markov</a:t>
+            </a:r>
+            <a:r>
+              <a:rPr lang="it-IT" dirty="0"/>
+              <a:t> Model</a:t>
+            </a:r>
+          </a:p>
+        </p:txBody>
+      </p:sp>
+      <p:sp>
+        <p:nvSpPr>
+          <p:cNvPr id="3" name="Content Placeholder 2">
+            <a:extLst>
+              <a:ext uri="{FF2B5EF4-FFF2-40B4-BE49-F238E27FC236}">
+                <a16:creationId xmlns:a16="http://schemas.microsoft.com/office/drawing/2014/main" id="{95BD0733-17BE-744D-8497-77DA64A0B38D}"/>
+              </a:ext>
+            </a:extLst>
+          </p:cNvPr>
+          <p:cNvSpPr>
+            <a:spLocks noGrp="1"/>
+          </p:cNvSpPr>
+          <p:nvPr>
+            <p:ph idx="1"/>
+          </p:nvPr>
+        </p:nvSpPr>
+        <p:spPr/>
+        <p:txBody>
+          <a:bodyPr/>
+          <a:lstStyle/>
+          <a:p>
+            <a:r>
+              <a:rPr lang="it-IT" sz="2000" dirty="0"/>
+              <a:t>Discretizzazione del tempo basata su </a:t>
+            </a:r>
+            <a:r>
+              <a:rPr lang="it-IT" sz="2000" dirty="0" err="1"/>
+              <a:t>timeslice</a:t>
+            </a:r>
+            <a:r>
+              <a:rPr lang="it-IT" sz="2000" dirty="0"/>
+              <a:t> di 60s</a:t>
+            </a:r>
+          </a:p>
+          <a:p>
+            <a:r>
+              <a:rPr lang="it-IT" sz="2000" dirty="0"/>
+              <a:t>Stato nascosto: attività svolta</a:t>
+            </a:r>
+          </a:p>
+          <a:p>
+            <a:r>
+              <a:rPr lang="it-IT" sz="2000" dirty="0"/>
+              <a:t>Osservazione: sensori attivi durante il </a:t>
+            </a:r>
+            <a:r>
+              <a:rPr lang="it-IT" sz="2000" dirty="0" err="1"/>
+              <a:t>timeslice</a:t>
+            </a:r>
+            <a:endParaRPr lang="it-IT" sz="2000" dirty="0"/>
+          </a:p>
+          <a:p>
+            <a:pPr lvl="1"/>
+            <a:r>
+              <a:rPr lang="it-IT" sz="1800" dirty="0"/>
+              <a:t>Facoltativamente il periodo della giornata che non è stato considerato a causa delle prestazioni minori</a:t>
+            </a:r>
+          </a:p>
+          <a:p>
+            <a:pPr lvl="1"/>
+            <a:r>
+              <a:rPr lang="it-IT" sz="1800" dirty="0"/>
+              <a:t>Possibilità di considerare le stanze relative ai sensori o la posizione dei sensori. Non considerato anche in questo caso a causa delle prestazioni.</a:t>
+            </a:r>
+          </a:p>
+          <a:p>
+            <a:pPr lvl="2"/>
+            <a:r>
+              <a:rPr lang="it-IT" sz="1600" dirty="0"/>
+              <a:t>Osservazioni più generiche</a:t>
+            </a:r>
+          </a:p>
+          <a:p>
+            <a:endParaRPr lang="it-IT" dirty="0"/>
+          </a:p>
+        </p:txBody>
+      </p:sp>
+    </p:spTree>
+    <p:extLst>
+      <p:ext uri="{BB962C8B-B14F-4D97-AF65-F5344CB8AC3E}">
+        <p14:creationId xmlns:p14="http://schemas.microsoft.com/office/powerpoint/2010/main" val="3513973617"/>
+      </p:ext>
+    </p:extLst>
+  </p:cSld>
+  <p:clrMapOvr>
+    <a:masterClrMapping/>
+  </p:clrMapOvr>
+</p:sld>
+</file>
+
+<file path=ppt/slides/slide8.xml><?xml version="1.0" encoding="utf-8"?>
+<p:sld xmlns:a="http://schemas.openxmlformats.org/drawingml/2006/main" xmlns:r="http://schemas.openxmlformats.org/officeDocument/2006/relationships" xmlns:p="http://schemas.openxmlformats.org/presentationml/2006/main">
+  <p:cSld>
+    <p:spTree>
+      <p:nvGrpSpPr>
+        <p:cNvPr id="1" name=""/>
+        <p:cNvGrpSpPr/>
+        <p:nvPr/>
+      </p:nvGrpSpPr>
+      <p:grpSpPr>
+        <a:xfrm>
+          <a:off x="0" y="0"/>
+          <a:ext cx="0" cy="0"/>
+          <a:chOff x="0" y="0"/>
+          <a:chExt cx="0" cy="0"/>
+        </a:xfrm>
+      </p:grpSpPr>
+      <p:sp>
+        <p:nvSpPr>
+          <p:cNvPr id="2" name="Title 1">
+            <a:extLst>
+              <a:ext uri="{FF2B5EF4-FFF2-40B4-BE49-F238E27FC236}">
+                <a16:creationId xmlns:a16="http://schemas.microsoft.com/office/drawing/2014/main" id="{83619F4E-A227-D048-A970-B7332DB61F08}"/>
+              </a:ext>
+            </a:extLst>
+          </p:cNvPr>
+          <p:cNvSpPr>
+            <a:spLocks noGrp="1"/>
+          </p:cNvSpPr>
+          <p:nvPr>
+            <p:ph type="title"/>
+          </p:nvPr>
+        </p:nvSpPr>
+        <p:spPr/>
+        <p:txBody>
+          <a:bodyPr/>
+          <a:lstStyle/>
+          <a:p>
+            <a:r>
+              <a:rPr lang="it-IT" dirty="0"/>
+              <a:t>Parametri del modello</a:t>
+            </a:r>
+          </a:p>
+        </p:txBody>
+      </p:sp>
+      <p:sp>
+        <p:nvSpPr>
+          <p:cNvPr id="3" name="Content Placeholder 2">
+            <a:extLst>
+              <a:ext uri="{FF2B5EF4-FFF2-40B4-BE49-F238E27FC236}">
+                <a16:creationId xmlns:a16="http://schemas.microsoft.com/office/drawing/2014/main" id="{5078228B-31E9-2745-94F7-2478AEC0F0DF}"/>
+              </a:ext>
+            </a:extLst>
+          </p:cNvPr>
+          <p:cNvSpPr>
+            <a:spLocks noGrp="1"/>
+          </p:cNvSpPr>
+          <p:nvPr>
+            <p:ph idx="1"/>
+          </p:nvPr>
+        </p:nvSpPr>
+        <p:spPr>
+          <a:xfrm>
+            <a:off x="677334" y="1930401"/>
+            <a:ext cx="8596668" cy="4110962"/>
+          </a:xfrm>
+        </p:spPr>
+        <p:txBody>
+          <a:bodyPr>
+            <a:normAutofit lnSpcReduction="10000"/>
+          </a:bodyPr>
+          <a:lstStyle/>
+          <a:p>
+            <a:r>
+              <a:rPr lang="it-IT" dirty="0"/>
+              <a:t>Probabilità a priori:</a:t>
+            </a:r>
+          </a:p>
+          <a:p>
+            <a:pPr lvl="1"/>
+            <a:r>
+              <a:rPr lang="it-IT" dirty="0"/>
+              <a:t>Percentuale di occorrenza di ogni stato nel training set</a:t>
+            </a:r>
+          </a:p>
+          <a:p>
+            <a:r>
+              <a:rPr lang="it-IT" dirty="0"/>
+              <a:t>Probabilità di transizione:</a:t>
+            </a:r>
+          </a:p>
+          <a:p>
+            <a:pPr lvl="1"/>
+            <a:r>
+              <a:rPr lang="it-IT" dirty="0"/>
+              <a:t>Ogni stato del training set confrontato col successivo e calcolate le probabilità di transizione</a:t>
+            </a:r>
+          </a:p>
+          <a:p>
+            <a:pPr lvl="1"/>
+            <a:r>
+              <a:rPr lang="it-IT" dirty="0"/>
+              <a:t>Numero di volte in cui lo stato i è seguito dallo stato </a:t>
+            </a:r>
+            <a:r>
+              <a:rPr lang="it-IT" dirty="0" err="1"/>
+              <a:t>j</a:t>
+            </a:r>
+            <a:r>
+              <a:rPr lang="it-IT" dirty="0"/>
+              <a:t> rapportato al numero di occorrenze dello stato i</a:t>
+            </a:r>
+          </a:p>
+          <a:p>
+            <a:pPr lvl="1"/>
+            <a:r>
+              <a:rPr lang="it-IT" dirty="0" err="1"/>
+              <a:t>P</a:t>
+            </a:r>
+            <a:r>
+              <a:rPr lang="it-IT" dirty="0"/>
+              <a:t>(</a:t>
+            </a:r>
+            <a:r>
+              <a:rPr lang="it-IT" dirty="0" err="1"/>
+              <a:t>i|i</a:t>
+            </a:r>
+            <a:r>
+              <a:rPr lang="it-IT" dirty="0"/>
+              <a:t>) particolarmente alta per alcuni stati a causa della suddivisione in </a:t>
+            </a:r>
+            <a:r>
+              <a:rPr lang="it-IT" dirty="0" err="1"/>
+              <a:t>timeslice</a:t>
+            </a:r>
+            <a:r>
+              <a:rPr lang="it-IT" dirty="0"/>
+              <a:t> di soli 60 secondi</a:t>
+            </a:r>
+          </a:p>
+          <a:p>
+            <a:r>
+              <a:rPr lang="it-IT" dirty="0"/>
+              <a:t>Probabilità di emissione:</a:t>
+            </a:r>
+          </a:p>
+          <a:p>
+            <a:pPr lvl="1"/>
+            <a:r>
+              <a:rPr lang="it-IT" dirty="0"/>
+              <a:t>Probabilità di osservare una configurazione di sensori per una certa attività</a:t>
+            </a:r>
+          </a:p>
+          <a:p>
+            <a:pPr lvl="1"/>
+            <a:r>
+              <a:rPr lang="it-IT" dirty="0"/>
+              <a:t>Calcolo analogo alla matrice di transizione</a:t>
+            </a:r>
+          </a:p>
+          <a:p>
+            <a:pPr lvl="1"/>
+            <a:endParaRPr lang="it-IT" dirty="0"/>
+          </a:p>
+        </p:txBody>
+      </p:sp>
+    </p:spTree>
+    <p:extLst>
+      <p:ext uri="{BB962C8B-B14F-4D97-AF65-F5344CB8AC3E}">
+        <p14:creationId xmlns:p14="http://schemas.microsoft.com/office/powerpoint/2010/main" val="1322667326"/>
+      </p:ext>
+    </p:extLst>
+  </p:cSld>
+  <p:clrMapOvr>
+    <a:masterClrMapping/>
+  </p:clrMapOvr>
+</p:sld>
+</file>
+
+<file path=ppt/slides/slide9.xml><?xml version="1.0" encoding="utf-8"?>
+<p:sld xmlns:a="http://schemas.openxmlformats.org/drawingml/2006/main" xmlns:r="http://schemas.openxmlformats.org/officeDocument/2006/relationships" xmlns:p="http://schemas.openxmlformats.org/presentationml/2006/main">
+  <p:cSld>
+    <p:spTree>
+      <p:nvGrpSpPr>
+        <p:cNvPr id="1" name=""/>
+        <p:cNvGrpSpPr/>
+        <p:nvPr/>
+      </p:nvGrpSpPr>
+      <p:grpSpPr>
+        <a:xfrm>
+          <a:off x="0" y="0"/>
+          <a:ext cx="0" cy="0"/>
+          <a:chOff x="0" y="0"/>
+          <a:chExt cx="0" cy="0"/>
+        </a:xfrm>
+      </p:grpSpPr>
+      <p:sp>
+        <p:nvSpPr>
+          <p:cNvPr id="2" name="Title 1">
+            <a:extLst>
+              <a:ext uri="{FF2B5EF4-FFF2-40B4-BE49-F238E27FC236}">
                 <a16:creationId xmlns:a16="http://schemas.microsoft.com/office/drawing/2014/main" id="{DD8C6DFF-61F2-434E-A475-E6ED56945C59}"/>
               </a:ext>
             </a:extLst>
@@ -9623,30 +10829,27 @@
           <a:lstStyle/>
           <a:p>
             <a:r>
+              <a:rPr lang="it-IT" dirty="0"/>
+              <a:t>Divisione in giorni e non casuale o in percentuale causa della dipendenza temporale</a:t>
+            </a:r>
+          </a:p>
+          <a:p>
+            <a:r>
+              <a:rPr lang="it-IT" dirty="0"/>
+              <a:t>Dimensione del training set scelta: 5 giorni</a:t>
+            </a:r>
+          </a:p>
+          <a:p>
+            <a:r>
               <a:rPr lang="it-IT" dirty="0" err="1"/>
               <a:t>Accuracy</a:t>
             </a:r>
             <a:r>
               <a:rPr lang="it-IT" dirty="0"/>
-              <a:t> in funzione del training set (in giorni)</a:t>
-            </a:r>
-          </a:p>
-          <a:p>
-            <a:r>
-              <a:rPr lang="it-IT" dirty="0"/>
-              <a:t>Divisione in giorni e non casuale o in percentuale causa della dipendenza temporale</a:t>
-            </a:r>
-          </a:p>
-          <a:p>
-            <a:r>
-              <a:rPr lang="it-IT" dirty="0"/>
-              <a:t>Dimensione del training set scelta: 5 giorni</a:t>
-            </a:r>
-          </a:p>
-          <a:p>
-            <a:pPr marL="0" indent="0">
-              <a:buNone/>
-            </a:pPr>
+              <a:t> in funzione del training set (in giorni):</a:t>
+            </a:r>
+          </a:p>
+          <a:p>
             <a:endParaRPr lang="it-IT" dirty="0"/>
           </a:p>
         </p:txBody>
@@ -9685,592 +10888,6 @@
     <p:extLst>
       <p:ext uri="{BB962C8B-B14F-4D97-AF65-F5344CB8AC3E}">
         <p14:creationId xmlns:p14="http://schemas.microsoft.com/office/powerpoint/2010/main" val="295112496"/>
-      </p:ext>
-    </p:extLst>
-  </p:cSld>
-  <p:clrMapOvr>
-    <a:masterClrMapping/>
-  </p:clrMapOvr>
-</p:sld>
-</file>
-
-<file path=ppt/slides/slide8.xml><?xml version="1.0" encoding="utf-8"?>
-<p:sld xmlns:a="http://schemas.openxmlformats.org/drawingml/2006/main" xmlns:r="http://schemas.openxmlformats.org/officeDocument/2006/relationships" xmlns:p="http://schemas.openxmlformats.org/presentationml/2006/main">
-  <p:cSld>
-    <p:spTree>
-      <p:nvGrpSpPr>
-        <p:cNvPr id="1" name=""/>
-        <p:cNvGrpSpPr/>
-        <p:nvPr/>
-      </p:nvGrpSpPr>
-      <p:grpSpPr>
-        <a:xfrm>
-          <a:off x="0" y="0"/>
-          <a:ext cx="0" cy="0"/>
-          <a:chOff x="0" y="0"/>
-          <a:chExt cx="0" cy="0"/>
-        </a:xfrm>
-      </p:grpSpPr>
-      <p:sp>
-        <p:nvSpPr>
-          <p:cNvPr id="2" name="Title 1">
-            <a:extLst>
-              <a:ext uri="{FF2B5EF4-FFF2-40B4-BE49-F238E27FC236}">
-                <a16:creationId xmlns:a16="http://schemas.microsoft.com/office/drawing/2014/main" id="{0BBEEE50-8497-7049-A1E3-FD5218CDEB90}"/>
-              </a:ext>
-            </a:extLst>
-          </p:cNvPr>
-          <p:cNvSpPr>
-            <a:spLocks noGrp="1"/>
-          </p:cNvSpPr>
-          <p:nvPr>
-            <p:ph type="title"/>
-          </p:nvPr>
-        </p:nvSpPr>
-        <p:spPr/>
-        <p:txBody>
-          <a:bodyPr/>
-          <a:lstStyle/>
-          <a:p>
-            <a:r>
-              <a:rPr lang="it-IT" dirty="0"/>
-              <a:t>Predizioni</a:t>
-            </a:r>
-          </a:p>
-        </p:txBody>
-      </p:sp>
-      <p:sp>
-        <p:nvSpPr>
-          <p:cNvPr id="3" name="Content Placeholder 2">
-            <a:extLst>
-              <a:ext uri="{FF2B5EF4-FFF2-40B4-BE49-F238E27FC236}">
-                <a16:creationId xmlns:a16="http://schemas.microsoft.com/office/drawing/2014/main" id="{7735A76D-DB7E-8540-8857-A18D638B154A}"/>
-              </a:ext>
-            </a:extLst>
-          </p:cNvPr>
-          <p:cNvSpPr>
-            <a:spLocks noGrp="1"/>
-          </p:cNvSpPr>
-          <p:nvPr>
-            <p:ph idx="1"/>
-          </p:nvPr>
-        </p:nvSpPr>
-        <p:spPr>
-          <a:xfrm>
-            <a:off x="677334" y="1908348"/>
-            <a:ext cx="8596668" cy="4198170"/>
-          </a:xfrm>
-        </p:spPr>
-        <p:txBody>
-          <a:bodyPr/>
-          <a:lstStyle/>
-          <a:p>
-            <a:r>
-              <a:rPr lang="it-IT" dirty="0"/>
-              <a:t>Predizione a breve termine:</a:t>
-            </a:r>
-          </a:p>
-          <a:p>
-            <a:pPr lvl="1"/>
-            <a:r>
-              <a:rPr lang="it-IT" dirty="0"/>
-              <a:t>Training set: 5 giorni</a:t>
-            </a:r>
-          </a:p>
-          <a:p>
-            <a:pPr lvl="1"/>
-            <a:r>
-              <a:rPr lang="it-IT" dirty="0"/>
-              <a:t>Test set: 3 giorni consecutivi</a:t>
-            </a:r>
-          </a:p>
-          <a:p>
-            <a:r>
-              <a:rPr lang="it-IT" dirty="0"/>
-              <a:t>Predizione a lungo termine:</a:t>
-            </a:r>
-          </a:p>
-          <a:p>
-            <a:pPr lvl="1"/>
-            <a:r>
-              <a:rPr lang="it-IT" dirty="0"/>
-              <a:t>Training set: 5 giorni</a:t>
-            </a:r>
-          </a:p>
-          <a:p>
-            <a:pPr lvl="1"/>
-            <a:r>
-              <a:rPr lang="it-IT" dirty="0"/>
-              <a:t>Test set: 9 giorni nel caso del dataset A, 16 per il dataset B</a:t>
-            </a:r>
-          </a:p>
-          <a:p>
-            <a:r>
-              <a:rPr lang="it-IT" dirty="0"/>
-              <a:t>Predizione su sequenza casuale:</a:t>
-            </a:r>
-          </a:p>
-          <a:p>
-            <a:pPr lvl="1"/>
-            <a:r>
-              <a:rPr lang="it-IT" dirty="0"/>
-              <a:t>Training set: 5 giorni</a:t>
-            </a:r>
-          </a:p>
-          <a:p>
-            <a:pPr lvl="1"/>
-            <a:r>
-              <a:rPr lang="it-IT" dirty="0" err="1"/>
-              <a:t>Testset</a:t>
-            </a:r>
-            <a:r>
-              <a:rPr lang="it-IT" dirty="0"/>
-              <a:t>: 3000/20000 stati</a:t>
-            </a:r>
-          </a:p>
-          <a:p>
-            <a:pPr lvl="1"/>
-            <a:r>
-              <a:rPr lang="it-IT" dirty="0"/>
-              <a:t>Generata dalle distribuzioni di probabilità</a:t>
-            </a:r>
-          </a:p>
-          <a:p>
-            <a:pPr lvl="2"/>
-            <a:r>
-              <a:rPr lang="it-IT" dirty="0"/>
-              <a:t>Poco imprevedibile</a:t>
-            </a:r>
-          </a:p>
-        </p:txBody>
-      </p:sp>
-    </p:spTree>
-    <p:extLst>
-      <p:ext uri="{BB962C8B-B14F-4D97-AF65-F5344CB8AC3E}">
-        <p14:creationId xmlns:p14="http://schemas.microsoft.com/office/powerpoint/2010/main" val="3212138720"/>
-      </p:ext>
-    </p:extLst>
-  </p:cSld>
-  <p:clrMapOvr>
-    <a:masterClrMapping/>
-  </p:clrMapOvr>
-</p:sld>
-</file>
-
-<file path=ppt/slides/slide9.xml><?xml version="1.0" encoding="utf-8"?>
-<p:sld xmlns:a="http://schemas.openxmlformats.org/drawingml/2006/main" xmlns:r="http://schemas.openxmlformats.org/officeDocument/2006/relationships" xmlns:p="http://schemas.openxmlformats.org/presentationml/2006/main">
-  <p:cSld>
-    <p:spTree>
-      <p:nvGrpSpPr>
-        <p:cNvPr id="1" name=""/>
-        <p:cNvGrpSpPr/>
-        <p:nvPr/>
-      </p:nvGrpSpPr>
-      <p:grpSpPr>
-        <a:xfrm>
-          <a:off x="0" y="0"/>
-          <a:ext cx="0" cy="0"/>
-          <a:chOff x="0" y="0"/>
-          <a:chExt cx="0" cy="0"/>
-        </a:xfrm>
-      </p:grpSpPr>
-      <p:sp>
-        <p:nvSpPr>
-          <p:cNvPr id="2" name="Title 1">
-            <a:extLst>
-              <a:ext uri="{FF2B5EF4-FFF2-40B4-BE49-F238E27FC236}">
-                <a16:creationId xmlns:a16="http://schemas.microsoft.com/office/drawing/2014/main" id="{ED6F87B8-C56D-DC48-806F-8E022539B171}"/>
-              </a:ext>
-            </a:extLst>
-          </p:cNvPr>
-          <p:cNvSpPr>
-            <a:spLocks noGrp="1"/>
-          </p:cNvSpPr>
-          <p:nvPr>
-            <p:ph type="title"/>
-          </p:nvPr>
-        </p:nvSpPr>
-        <p:spPr/>
-        <p:txBody>
-          <a:bodyPr/>
-          <a:lstStyle/>
-          <a:p>
-            <a:r>
-              <a:rPr lang="it-IT" dirty="0"/>
-              <a:t>Risultati – Previsione 3 giorni</a:t>
-            </a:r>
-          </a:p>
-        </p:txBody>
-      </p:sp>
-      <p:sp>
-        <p:nvSpPr>
-          <p:cNvPr id="3" name="Content Placeholder 2">
-            <a:extLst>
-              <a:ext uri="{FF2B5EF4-FFF2-40B4-BE49-F238E27FC236}">
-                <a16:creationId xmlns:a16="http://schemas.microsoft.com/office/drawing/2014/main" id="{26DA0C2F-8B8A-C54A-9F9E-793E8F44EBD9}"/>
-              </a:ext>
-            </a:extLst>
-          </p:cNvPr>
-          <p:cNvSpPr>
-            <a:spLocks noGrp="1"/>
-          </p:cNvSpPr>
-          <p:nvPr>
-            <p:ph idx="1"/>
-          </p:nvPr>
-        </p:nvSpPr>
-        <p:spPr>
-          <a:xfrm>
-            <a:off x="677333" y="1828800"/>
-            <a:ext cx="3694969" cy="525517"/>
-          </a:xfrm>
-        </p:spPr>
-        <p:txBody>
-          <a:bodyPr>
-            <a:normAutofit/>
-          </a:bodyPr>
-          <a:lstStyle/>
-          <a:p>
-            <a:r>
-              <a:rPr lang="it-IT" dirty="0" err="1"/>
-              <a:t>Accuracy</a:t>
-            </a:r>
-            <a:r>
-              <a:rPr lang="it-IT" dirty="0"/>
-              <a:t> dataset A: 94.9%</a:t>
-            </a:r>
-          </a:p>
-        </p:txBody>
-      </p:sp>
-      <p:sp>
-        <p:nvSpPr>
-          <p:cNvPr id="6" name="Content Placeholder 2">
-            <a:extLst>
-              <a:ext uri="{FF2B5EF4-FFF2-40B4-BE49-F238E27FC236}">
-                <a16:creationId xmlns:a16="http://schemas.microsoft.com/office/drawing/2014/main" id="{30B847EC-F4D1-5C4C-AEF3-3915ECC29E49}"/>
-              </a:ext>
-            </a:extLst>
-          </p:cNvPr>
-          <p:cNvSpPr txBox="1">
-            <a:spLocks/>
-          </p:cNvSpPr>
-          <p:nvPr/>
-        </p:nvSpPr>
-        <p:spPr>
-          <a:xfrm>
-            <a:off x="4802645" y="1812515"/>
-            <a:ext cx="3574100" cy="525517"/>
-          </a:xfrm>
-          <a:prstGeom prst="rect">
-            <a:avLst/>
-          </a:prstGeom>
-        </p:spPr>
-        <p:txBody>
-          <a:bodyPr vert="horz" lIns="91440" tIns="45720" rIns="91440" bIns="45720" rtlCol="0">
-            <a:normAutofit/>
-          </a:bodyPr>
-          <a:lstStyle>
-            <a:lvl1pPr marL="342900" indent="-342900" algn="l" defTabSz="457200" rtl="0" eaLnBrk="1" latinLnBrk="0" hangingPunct="1">
-              <a:spcBef>
-                <a:spcPts val="1000"/>
-              </a:spcBef>
-              <a:spcAft>
-                <a:spcPts val="0"/>
-              </a:spcAft>
-              <a:buClr>
-                <a:schemeClr val="accent1"/>
-              </a:buClr>
-              <a:buSzPct val="80000"/>
-              <a:buFont typeface="Wingdings 3" charset="2"/>
-              <a:buChar char=""/>
-              <a:defRPr sz="1800" kern="1200">
-                <a:solidFill>
-                  <a:schemeClr val="tx1">
-                    <a:lumMod val="75000"/>
-                    <a:lumOff val="25000"/>
-                  </a:schemeClr>
-                </a:solidFill>
-                <a:latin typeface="+mn-lt"/>
-                <a:ea typeface="+mn-ea"/>
-                <a:cs typeface="+mn-cs"/>
-              </a:defRPr>
-            </a:lvl1pPr>
-            <a:lvl2pPr marL="742950" indent="-285750" algn="l" defTabSz="457200" rtl="0" eaLnBrk="1" latinLnBrk="0" hangingPunct="1">
-              <a:spcBef>
-                <a:spcPts val="1000"/>
-              </a:spcBef>
-              <a:spcAft>
-                <a:spcPts val="0"/>
-              </a:spcAft>
-              <a:buClr>
-                <a:schemeClr val="accent1"/>
-              </a:buClr>
-              <a:buSzPct val="80000"/>
-              <a:buFont typeface="Wingdings 3" charset="2"/>
-              <a:buChar char=""/>
-              <a:defRPr sz="1600" kern="1200">
-                <a:solidFill>
-                  <a:schemeClr val="tx1">
-                    <a:lumMod val="75000"/>
-                    <a:lumOff val="25000"/>
-                  </a:schemeClr>
-                </a:solidFill>
-                <a:latin typeface="+mn-lt"/>
-                <a:ea typeface="+mn-ea"/>
-                <a:cs typeface="+mn-cs"/>
-              </a:defRPr>
-            </a:lvl2pPr>
-            <a:lvl3pPr marL="1143000" indent="-228600" algn="l" defTabSz="457200" rtl="0" eaLnBrk="1" latinLnBrk="0" hangingPunct="1">
-              <a:spcBef>
-                <a:spcPts val="1000"/>
-              </a:spcBef>
-              <a:spcAft>
-                <a:spcPts val="0"/>
-              </a:spcAft>
-              <a:buClr>
-                <a:schemeClr val="accent1"/>
-              </a:buClr>
-              <a:buSzPct val="80000"/>
-              <a:buFont typeface="Wingdings 3" charset="2"/>
-              <a:buChar char=""/>
-              <a:defRPr sz="1400" kern="1200">
-                <a:solidFill>
-                  <a:schemeClr val="tx1">
-                    <a:lumMod val="75000"/>
-                    <a:lumOff val="25000"/>
-                  </a:schemeClr>
-                </a:solidFill>
-                <a:latin typeface="+mn-lt"/>
-                <a:ea typeface="+mn-ea"/>
-                <a:cs typeface="+mn-cs"/>
-              </a:defRPr>
-            </a:lvl3pPr>
-            <a:lvl4pPr marL="1600200" indent="-228600" algn="l" defTabSz="457200" rtl="0" eaLnBrk="1" latinLnBrk="0" hangingPunct="1">
-              <a:spcBef>
-                <a:spcPts val="1000"/>
-              </a:spcBef>
-              <a:spcAft>
-                <a:spcPts val="0"/>
-              </a:spcAft>
-              <a:buClr>
-                <a:schemeClr val="accent1"/>
-              </a:buClr>
-              <a:buSzPct val="80000"/>
-              <a:buFont typeface="Wingdings 3" charset="2"/>
-              <a:buChar char=""/>
-              <a:defRPr sz="1200" kern="1200">
-                <a:solidFill>
-                  <a:schemeClr val="tx1">
-                    <a:lumMod val="75000"/>
-                    <a:lumOff val="25000"/>
-                  </a:schemeClr>
-                </a:solidFill>
-                <a:latin typeface="+mn-lt"/>
-                <a:ea typeface="+mn-ea"/>
-                <a:cs typeface="+mn-cs"/>
-              </a:defRPr>
-            </a:lvl4pPr>
-            <a:lvl5pPr marL="2057400" indent="-228600" algn="l" defTabSz="457200" rtl="0" eaLnBrk="1" latinLnBrk="0" hangingPunct="1">
-              <a:spcBef>
-                <a:spcPts val="1000"/>
-              </a:spcBef>
-              <a:spcAft>
-                <a:spcPts val="0"/>
-              </a:spcAft>
-              <a:buClr>
-                <a:schemeClr val="accent1"/>
-              </a:buClr>
-              <a:buSzPct val="80000"/>
-              <a:buFont typeface="Wingdings 3" charset="2"/>
-              <a:buChar char=""/>
-              <a:defRPr sz="1200" kern="1200">
-                <a:solidFill>
-                  <a:schemeClr val="tx1">
-                    <a:lumMod val="75000"/>
-                    <a:lumOff val="25000"/>
-                  </a:schemeClr>
-                </a:solidFill>
-                <a:latin typeface="+mn-lt"/>
-                <a:ea typeface="+mn-ea"/>
-                <a:cs typeface="+mn-cs"/>
-              </a:defRPr>
-            </a:lvl5pPr>
-            <a:lvl6pPr marL="2514600" indent="-228600" algn="l" defTabSz="457200" rtl="0" eaLnBrk="1" latinLnBrk="0" hangingPunct="1">
-              <a:spcBef>
-                <a:spcPts val="1000"/>
-              </a:spcBef>
-              <a:spcAft>
-                <a:spcPts val="0"/>
-              </a:spcAft>
-              <a:buClr>
-                <a:schemeClr val="accent1"/>
-              </a:buClr>
-              <a:buSzPct val="80000"/>
-              <a:buFont typeface="Wingdings 3" charset="2"/>
-              <a:buChar char=""/>
-              <a:defRPr sz="1200" kern="1200">
-                <a:solidFill>
-                  <a:schemeClr val="tx1">
-                    <a:lumMod val="75000"/>
-                    <a:lumOff val="25000"/>
-                  </a:schemeClr>
-                </a:solidFill>
-                <a:latin typeface="+mn-lt"/>
-                <a:ea typeface="+mn-ea"/>
-                <a:cs typeface="+mn-cs"/>
-              </a:defRPr>
-            </a:lvl6pPr>
-            <a:lvl7pPr marL="2971800" indent="-228600" algn="l" defTabSz="457200" rtl="0" eaLnBrk="1" latinLnBrk="0" hangingPunct="1">
-              <a:spcBef>
-                <a:spcPts val="1000"/>
-              </a:spcBef>
-              <a:spcAft>
-                <a:spcPts val="0"/>
-              </a:spcAft>
-              <a:buClr>
-                <a:schemeClr val="accent1"/>
-              </a:buClr>
-              <a:buSzPct val="80000"/>
-              <a:buFont typeface="Wingdings 3" charset="2"/>
-              <a:buChar char=""/>
-              <a:defRPr sz="1200" kern="1200">
-                <a:solidFill>
-                  <a:schemeClr val="tx1">
-                    <a:lumMod val="75000"/>
-                    <a:lumOff val="25000"/>
-                  </a:schemeClr>
-                </a:solidFill>
-                <a:latin typeface="+mn-lt"/>
-                <a:ea typeface="+mn-ea"/>
-                <a:cs typeface="+mn-cs"/>
-              </a:defRPr>
-            </a:lvl7pPr>
-            <a:lvl8pPr marL="3429000" indent="-228600" algn="l" defTabSz="457200" rtl="0" eaLnBrk="1" latinLnBrk="0" hangingPunct="1">
-              <a:spcBef>
-                <a:spcPts val="1000"/>
-              </a:spcBef>
-              <a:spcAft>
-                <a:spcPts val="0"/>
-              </a:spcAft>
-              <a:buClr>
-                <a:schemeClr val="accent1"/>
-              </a:buClr>
-              <a:buSzPct val="80000"/>
-              <a:buFont typeface="Wingdings 3" charset="2"/>
-              <a:buChar char=""/>
-              <a:defRPr sz="1200" kern="1200">
-                <a:solidFill>
-                  <a:schemeClr val="tx1">
-                    <a:lumMod val="75000"/>
-                    <a:lumOff val="25000"/>
-                  </a:schemeClr>
-                </a:solidFill>
-                <a:latin typeface="+mn-lt"/>
-                <a:ea typeface="+mn-ea"/>
-                <a:cs typeface="+mn-cs"/>
-              </a:defRPr>
-            </a:lvl8pPr>
-            <a:lvl9pPr marL="3886200" indent="-228600" algn="l" defTabSz="457200" rtl="0" eaLnBrk="1" latinLnBrk="0" hangingPunct="1">
-              <a:spcBef>
-                <a:spcPts val="1000"/>
-              </a:spcBef>
-              <a:spcAft>
-                <a:spcPts val="0"/>
-              </a:spcAft>
-              <a:buClr>
-                <a:schemeClr val="accent1"/>
-              </a:buClr>
-              <a:buSzPct val="80000"/>
-              <a:buFont typeface="Wingdings 3" charset="2"/>
-              <a:buChar char=""/>
-              <a:defRPr sz="1200" kern="1200">
-                <a:solidFill>
-                  <a:schemeClr val="tx1">
-                    <a:lumMod val="75000"/>
-                    <a:lumOff val="25000"/>
-                  </a:schemeClr>
-                </a:solidFill>
-                <a:latin typeface="+mn-lt"/>
-                <a:ea typeface="+mn-ea"/>
-                <a:cs typeface="+mn-cs"/>
-              </a:defRPr>
-            </a:lvl9pPr>
-          </a:lstStyle>
-          <a:p>
-            <a:r>
-              <a:rPr lang="it-IT" dirty="0" err="1"/>
-              <a:t>Accuracy</a:t>
-            </a:r>
-            <a:r>
-              <a:rPr lang="it-IT" dirty="0"/>
-              <a:t> dataset B: 92.7%</a:t>
-            </a:r>
-          </a:p>
-        </p:txBody>
-      </p:sp>
-      <p:pic>
-        <p:nvPicPr>
-          <p:cNvPr id="9" name="Picture 8">
-            <a:extLst>
-              <a:ext uri="{FF2B5EF4-FFF2-40B4-BE49-F238E27FC236}">
-                <a16:creationId xmlns:a16="http://schemas.microsoft.com/office/drawing/2014/main" id="{355040F7-59B1-8D44-BEF8-4748B2DDB3AC}"/>
-              </a:ext>
-            </a:extLst>
-          </p:cNvPr>
-          <p:cNvPicPr>
-            <a:picLocks noChangeAspect="1"/>
-          </p:cNvPicPr>
-          <p:nvPr/>
-        </p:nvPicPr>
-        <p:blipFill>
-          <a:blip r:embed="rId2"/>
-          <a:stretch>
-            <a:fillRect/>
-          </a:stretch>
-        </p:blipFill>
-        <p:spPr>
-          <a:xfrm>
-            <a:off x="505566" y="2354317"/>
-            <a:ext cx="4559760" cy="3967655"/>
-          </a:xfrm>
-          <a:prstGeom prst="rect">
-            <a:avLst/>
-          </a:prstGeom>
-        </p:spPr>
-      </p:pic>
-      <p:pic>
-        <p:nvPicPr>
-          <p:cNvPr id="10" name="Picture 9">
-            <a:extLst>
-              <a:ext uri="{FF2B5EF4-FFF2-40B4-BE49-F238E27FC236}">
-                <a16:creationId xmlns:a16="http://schemas.microsoft.com/office/drawing/2014/main" id="{D46C8027-338A-A340-8687-68E89522A807}"/>
-              </a:ext>
-            </a:extLst>
-          </p:cNvPr>
-          <p:cNvPicPr>
-            <a:picLocks noChangeAspect="1"/>
-          </p:cNvPicPr>
-          <p:nvPr/>
-        </p:nvPicPr>
-        <p:blipFill>
-          <a:blip r:embed="rId3"/>
-          <a:stretch>
-            <a:fillRect/>
-          </a:stretch>
-        </p:blipFill>
-        <p:spPr>
-          <a:xfrm>
-            <a:off x="4615276" y="2386886"/>
-            <a:ext cx="4539234" cy="3928076"/>
-          </a:xfrm>
-          <a:prstGeom prst="rect">
-            <a:avLst/>
-          </a:prstGeom>
-        </p:spPr>
-      </p:pic>
-    </p:spTree>
-    <p:extLst>
-      <p:ext uri="{BB962C8B-B14F-4D97-AF65-F5344CB8AC3E}">
-        <p14:creationId xmlns:p14="http://schemas.microsoft.com/office/powerpoint/2010/main" val="3929718048"/>
       </p:ext>
     </p:extLst>
   </p:cSld>
